--- a/documentation/Presentation.pptx
+++ b/documentation/Presentation.pptx
@@ -6,6 +6,10 @@
   </p:sldMasterIdLst>
   <p:sldIdLst>
     <p:sldId id="256" r:id="rId2"/>
+    <p:sldId id="257" r:id="rId3"/>
+    <p:sldId id="258" r:id="rId4"/>
+    <p:sldId id="259" r:id="rId5"/>
+    <p:sldId id="260" r:id="rId6"/>
   </p:sldIdLst>
   <p:sldSz cx="12192000" cy="6858000"/>
   <p:notesSz cx="6858000" cy="9144000"/>
@@ -115,7 +119,9 @@
 <file path=ppt/revisionInfo.xml><?xml version="1.0" encoding="utf-8"?>
 <p1510:revInfo xmlns:a="http://schemas.openxmlformats.org/drawingml/2006/main" xmlns:r="http://schemas.openxmlformats.org/officeDocument/2006/relationships" xmlns:p1510="http://schemas.microsoft.com/office/powerpoint/2015/10/main">
   <p1510:revLst>
-    <p1510:client id="{D8F48007-FD94-44D9-9024-E1A435B4F43B}" v="235" dt="2021-12-08T16:46:10.091"/>
+    <p1510:client id="{708B79C2-F4E8-4762-99D7-D6BBC320E1A0}" v="51" dt="2021-12-08T18:58:44.694"/>
+    <p1510:client id="{824FA83B-A2DD-4695-AAE1-6FE2BB23FC05}" v="76" dt="2021-12-08T16:55:20.365"/>
+    <p1510:client id="{D8F48007-FD94-44D9-9024-E1A435B4F43B}" v="547" dt="2021-12-08T16:52:53.286"/>
   </p1510:revLst>
 </p1510:revInfo>
 </file>
@@ -3217,6 +3223,802 @@
 </p:sld>
 </file>
 
+<file path=ppt/slides/slide2.xml><?xml version="1.0" encoding="utf-8"?>
+<p:sld xmlns:a="http://schemas.openxmlformats.org/drawingml/2006/main" xmlns:r="http://schemas.openxmlformats.org/officeDocument/2006/relationships" xmlns:p="http://schemas.openxmlformats.org/presentationml/2006/main">
+  <p:cSld>
+    <p:spTree>
+      <p:nvGrpSpPr>
+        <p:cNvPr id="1" name=""/>
+        <p:cNvGrpSpPr/>
+        <p:nvPr/>
+      </p:nvGrpSpPr>
+      <p:grpSpPr>
+        <a:xfrm>
+          <a:off x="0" y="0"/>
+          <a:ext cx="0" cy="0"/>
+          <a:chOff x="0" y="0"/>
+          <a:chExt cx="0" cy="0"/>
+        </a:xfrm>
+      </p:grpSpPr>
+      <p:sp>
+        <p:nvSpPr>
+          <p:cNvPr id="2" name="Title 1">
+            <a:extLst>
+              <a:ext uri="{FF2B5EF4-FFF2-40B4-BE49-F238E27FC236}">
+                <a16:creationId xmlns:a16="http://schemas.microsoft.com/office/drawing/2014/main" id="{E0C48C80-925A-47F8-B3CC-652D98966866}"/>
+              </a:ext>
+            </a:extLst>
+          </p:cNvPr>
+          <p:cNvSpPr>
+            <a:spLocks noGrp="1"/>
+          </p:cNvSpPr>
+          <p:nvPr>
+            <p:ph type="title"/>
+          </p:nvPr>
+        </p:nvSpPr>
+        <p:spPr/>
+        <p:txBody>
+          <a:bodyPr/>
+          <a:lstStyle/>
+          <a:p>
+            <a:r>
+              <a:rPr lang="en-US" dirty="0" err="1">
+                <a:cs typeface="Calibri Light"/>
+              </a:rPr>
+              <a:t>Obsah</a:t>
+            </a:r>
+            <a:endParaRPr lang="en-US" dirty="0" err="1"/>
+          </a:p>
+        </p:txBody>
+      </p:sp>
+      <p:sp>
+        <p:nvSpPr>
+          <p:cNvPr id="5" name="TextBox 4">
+            <a:extLst>
+              <a:ext uri="{FF2B5EF4-FFF2-40B4-BE49-F238E27FC236}">
+                <a16:creationId xmlns:a16="http://schemas.microsoft.com/office/drawing/2014/main" id="{8E1D1960-36E0-440E-AE25-AC956AFCEEC2}"/>
+              </a:ext>
+            </a:extLst>
+          </p:cNvPr>
+          <p:cNvSpPr txBox="1"/>
+          <p:nvPr/>
+        </p:nvSpPr>
+        <p:spPr>
+          <a:xfrm>
+            <a:off x="4724400" y="3200400"/>
+            <a:ext cx="2743200" cy="369332"/>
+          </a:xfrm>
+          <a:prstGeom prst="rect">
+            <a:avLst/>
+          </a:prstGeom>
+          <a:noFill/>
+        </p:spPr>
+        <p:txBody>
+          <a:bodyPr rot="0" spcFirstLastPara="0" vertOverflow="overflow" horzOverflow="overflow" vert="horz" wrap="square" lIns="91440" tIns="45720" rIns="91440" bIns="45720" numCol="1" spcCol="0" rtlCol="0" fromWordArt="0" anchor="t" anchorCtr="0" forceAA="0" compatLnSpc="1">
+            <a:prstTxWarp prst="textNoShape">
+              <a:avLst/>
+            </a:prstTxWarp>
+            <a:spAutoFit/>
+          </a:bodyPr>
+          <a:lstStyle/>
+          <a:p>
+            <a:pPr algn="l"/>
+            <a:r>
+              <a:rPr lang="en-US"/>
+              <a:t>Click to add text</a:t>
+            </a:r>
+          </a:p>
+        </p:txBody>
+      </p:sp>
+      <p:sp>
+        <p:nvSpPr>
+          <p:cNvPr id="6" name="TextBox 5">
+            <a:extLst>
+              <a:ext uri="{FF2B5EF4-FFF2-40B4-BE49-F238E27FC236}">
+                <a16:creationId xmlns:a16="http://schemas.microsoft.com/office/drawing/2014/main" id="{767C4762-E9B5-4D44-8F06-3F3D159CA83E}"/>
+              </a:ext>
+            </a:extLst>
+          </p:cNvPr>
+          <p:cNvSpPr txBox="1"/>
+          <p:nvPr/>
+        </p:nvSpPr>
+        <p:spPr>
+          <a:xfrm>
+            <a:off x="834251" y="1447568"/>
+            <a:ext cx="3988418" cy="3139321"/>
+          </a:xfrm>
+          <a:prstGeom prst="rect">
+            <a:avLst/>
+          </a:prstGeom>
+          <a:noFill/>
+        </p:spPr>
+        <p:txBody>
+          <a:bodyPr rot="0" spcFirstLastPara="0" vertOverflow="overflow" horzOverflow="overflow" vert="horz" wrap="square" lIns="91440" tIns="45720" rIns="91440" bIns="45720" numCol="1" spcCol="0" rtlCol="0" fromWordArt="0" anchor="t" anchorCtr="0" forceAA="0" compatLnSpc="1">
+            <a:prstTxWarp prst="textNoShape">
+              <a:avLst/>
+            </a:prstTxWarp>
+            <a:spAutoFit/>
+          </a:bodyPr>
+          <a:lstStyle/>
+          <a:p>
+            <a:r>
+              <a:rPr lang="en-US" dirty="0"/>
+              <a:t>1. </a:t>
+            </a:r>
+            <a:r>
+              <a:rPr lang="en-US" dirty="0" err="1"/>
+              <a:t>Rozdelenie</a:t>
+            </a:r>
+            <a:r>
+              <a:rPr lang="en-US" dirty="0"/>
+              <a:t> </a:t>
+            </a:r>
+            <a:r>
+              <a:rPr lang="en-US" dirty="0" err="1"/>
+              <a:t>práce</a:t>
+            </a:r>
+            <a:endParaRPr lang="en-US" dirty="0" err="1">
+              <a:cs typeface="Calibri"/>
+            </a:endParaRPr>
+          </a:p>
+          <a:p>
+            <a:r>
+              <a:rPr lang="en-US" dirty="0">
+                <a:cs typeface="Calibri"/>
+              </a:rPr>
+              <a:t>2. </a:t>
+            </a:r>
+            <a:r>
+              <a:rPr lang="en-US" dirty="0" err="1">
+                <a:cs typeface="Calibri"/>
+              </a:rPr>
+              <a:t>Štruktúra</a:t>
+            </a:r>
+            <a:r>
+              <a:rPr lang="en-US" dirty="0">
+                <a:cs typeface="Calibri"/>
+              </a:rPr>
+              <a:t> </a:t>
+            </a:r>
+            <a:r>
+              <a:rPr lang="en-US" dirty="0" err="1">
+                <a:cs typeface="Calibri"/>
+              </a:rPr>
+              <a:t>programu</a:t>
+            </a:r>
+            <a:endParaRPr lang="en-US" dirty="0">
+              <a:cs typeface="Calibri"/>
+            </a:endParaRPr>
+          </a:p>
+          <a:p>
+            <a:r>
+              <a:rPr lang="en-US" dirty="0">
+                <a:cs typeface="Calibri"/>
+              </a:rPr>
+              <a:t>3. </a:t>
+            </a:r>
+            <a:r>
+              <a:rPr lang="en-US" dirty="0" err="1">
+                <a:cs typeface="Calibri"/>
+              </a:rPr>
+              <a:t>Lexikálna</a:t>
+            </a:r>
+            <a:r>
+              <a:rPr lang="en-US" dirty="0">
+                <a:cs typeface="Calibri"/>
+              </a:rPr>
+              <a:t> </a:t>
+            </a:r>
+            <a:r>
+              <a:rPr lang="en-US" dirty="0" err="1">
+                <a:cs typeface="Calibri"/>
+              </a:rPr>
+              <a:t>analýza</a:t>
+            </a:r>
+            <a:endParaRPr lang="en-US">
+              <a:cs typeface="Calibri"/>
+            </a:endParaRPr>
+          </a:p>
+          <a:p>
+            <a:r>
+              <a:rPr lang="en-US" dirty="0">
+                <a:cs typeface="Calibri"/>
+              </a:rPr>
+              <a:t>4. </a:t>
+            </a:r>
+            <a:r>
+              <a:rPr lang="en-US" dirty="0" err="1">
+                <a:cs typeface="Calibri"/>
+              </a:rPr>
+              <a:t>Syntaktická</a:t>
+            </a:r>
+            <a:r>
+              <a:rPr lang="en-US" dirty="0">
+                <a:cs typeface="Calibri"/>
+              </a:rPr>
+              <a:t> </a:t>
+            </a:r>
+            <a:r>
+              <a:rPr lang="en-US" dirty="0" err="1">
+                <a:cs typeface="Calibri"/>
+              </a:rPr>
+              <a:t>analýza</a:t>
+            </a:r>
+            <a:endParaRPr lang="en-US" dirty="0">
+              <a:cs typeface="Calibri"/>
+            </a:endParaRPr>
+          </a:p>
+          <a:p>
+            <a:r>
+              <a:rPr lang="en-US" dirty="0">
+                <a:cs typeface="Calibri"/>
+              </a:rPr>
+              <a:t>5. </a:t>
+            </a:r>
+            <a:r>
+              <a:rPr lang="en-US" dirty="0" err="1">
+                <a:ea typeface="+mn-lt"/>
+                <a:cs typeface="+mn-lt"/>
+              </a:rPr>
+              <a:t>Precedenčná</a:t>
+            </a:r>
+            <a:r>
+              <a:rPr lang="en-US" dirty="0">
+                <a:ea typeface="+mn-lt"/>
+                <a:cs typeface="+mn-lt"/>
+              </a:rPr>
+              <a:t> </a:t>
+            </a:r>
+            <a:r>
+              <a:rPr lang="en-US" dirty="0" err="1">
+                <a:ea typeface="+mn-lt"/>
+                <a:cs typeface="+mn-lt"/>
+              </a:rPr>
+              <a:t>syntaktická</a:t>
+            </a:r>
+            <a:r>
+              <a:rPr lang="en-US" dirty="0">
+                <a:ea typeface="+mn-lt"/>
+                <a:cs typeface="+mn-lt"/>
+              </a:rPr>
+              <a:t> </a:t>
+            </a:r>
+            <a:r>
+              <a:rPr lang="en-US" dirty="0" err="1">
+                <a:ea typeface="+mn-lt"/>
+                <a:cs typeface="+mn-lt"/>
+              </a:rPr>
+              <a:t>analýza</a:t>
+            </a:r>
+          </a:p>
+          <a:p>
+            <a:r>
+              <a:rPr lang="en-US" dirty="0">
+                <a:cs typeface="Calibri"/>
+              </a:rPr>
+              <a:t>6. </a:t>
+            </a:r>
+            <a:r>
+              <a:rPr lang="en-US" dirty="0" err="1">
+                <a:cs typeface="Calibri"/>
+              </a:rPr>
+              <a:t>Tabulka</a:t>
+            </a:r>
+            <a:r>
+              <a:rPr lang="en-US" dirty="0">
+                <a:cs typeface="Calibri"/>
+              </a:rPr>
+              <a:t> </a:t>
+            </a:r>
+            <a:r>
+              <a:rPr lang="en-US" dirty="0" err="1">
+                <a:cs typeface="Calibri"/>
+              </a:rPr>
+              <a:t>symbolov</a:t>
+            </a:r>
+          </a:p>
+          <a:p>
+            <a:r>
+              <a:rPr lang="en-US" dirty="0">
+                <a:cs typeface="Calibri"/>
+              </a:rPr>
+              <a:t>7. </a:t>
+            </a:r>
+            <a:r>
+              <a:rPr lang="en-US" dirty="0" err="1">
+                <a:cs typeface="Calibri"/>
+              </a:rPr>
+              <a:t>Generovanie</a:t>
+            </a:r>
+            <a:r>
+              <a:rPr lang="en-US" dirty="0">
+                <a:cs typeface="Calibri"/>
+              </a:rPr>
+              <a:t> </a:t>
+            </a:r>
+            <a:r>
+              <a:rPr lang="en-US" dirty="0" err="1">
+                <a:cs typeface="Calibri"/>
+              </a:rPr>
+              <a:t>kódu</a:t>
+            </a:r>
+            <a:endParaRPr lang="en-US" dirty="0">
+              <a:cs typeface="Calibri"/>
+            </a:endParaRPr>
+          </a:p>
+          <a:p>
+            <a:r>
+              <a:rPr lang="en-US" dirty="0">
+                <a:cs typeface="Calibri"/>
+              </a:rPr>
+              <a:t>8. </a:t>
+            </a:r>
+            <a:r>
+              <a:rPr lang="en-US" dirty="0" err="1">
+                <a:cs typeface="Calibri"/>
+              </a:rPr>
+              <a:t>Preklad</a:t>
+            </a:r>
+            <a:r>
+              <a:rPr lang="en-US" dirty="0">
+                <a:cs typeface="Calibri"/>
+              </a:rPr>
+              <a:t> </a:t>
+            </a:r>
+            <a:r>
+              <a:rPr lang="en-US" dirty="0" err="1">
+                <a:cs typeface="Calibri"/>
+              </a:rPr>
+              <a:t>programu</a:t>
+            </a:r>
+            <a:r>
+              <a:rPr lang="en-US" dirty="0">
+                <a:cs typeface="Calibri"/>
+              </a:rPr>
+              <a:t> ??</a:t>
+            </a:r>
+          </a:p>
+          <a:p>
+            <a:r>
+              <a:rPr lang="en-US" dirty="0">
+                <a:cs typeface="Calibri"/>
+              </a:rPr>
+              <a:t>9. </a:t>
+            </a:r>
+            <a:r>
+              <a:rPr lang="en-US" dirty="0" err="1">
+                <a:cs typeface="Calibri"/>
+              </a:rPr>
+              <a:t>Skripty</a:t>
+            </a:r>
+            <a:r>
+              <a:rPr lang="en-US" dirty="0">
+                <a:cs typeface="Calibri"/>
+              </a:rPr>
+              <a:t> ??</a:t>
+            </a:r>
+          </a:p>
+          <a:p>
+            <a:r>
+              <a:rPr lang="en-US" dirty="0">
+                <a:cs typeface="Calibri"/>
+              </a:rPr>
+              <a:t>10. </a:t>
+            </a:r>
+            <a:r>
+              <a:rPr lang="en-US" dirty="0" err="1">
+                <a:cs typeface="Calibri"/>
+              </a:rPr>
+              <a:t>Práca</a:t>
+            </a:r>
+            <a:r>
+              <a:rPr lang="en-US" dirty="0">
+                <a:cs typeface="Calibri"/>
+              </a:rPr>
+              <a:t> v </a:t>
+            </a:r>
+            <a:r>
+              <a:rPr lang="en-US" dirty="0" err="1">
+                <a:cs typeface="Calibri"/>
+              </a:rPr>
+              <a:t>tíme</a:t>
+            </a:r>
+            <a:r>
+              <a:rPr lang="en-US" dirty="0">
+                <a:cs typeface="Calibri"/>
+              </a:rPr>
+              <a:t> ??</a:t>
+            </a:r>
+          </a:p>
+          <a:p>
+            <a:r>
+              <a:rPr lang="en-US" dirty="0">
+                <a:cs typeface="Calibri"/>
+              </a:rPr>
+              <a:t>11. </a:t>
+            </a:r>
+            <a:r>
+              <a:rPr lang="en-US" dirty="0" err="1">
+                <a:cs typeface="Calibri"/>
+              </a:rPr>
+              <a:t>Záver</a:t>
+            </a:r>
+            <a:r>
+              <a:rPr lang="en-US" dirty="0">
+                <a:cs typeface="Calibri"/>
+              </a:rPr>
+              <a:t> + </a:t>
+            </a:r>
+            <a:r>
+              <a:rPr lang="en-US" dirty="0" err="1">
+                <a:cs typeface="Calibri"/>
+              </a:rPr>
+              <a:t>súhrn</a:t>
+            </a:r>
+            <a:r>
+              <a:rPr lang="en-US" dirty="0">
+                <a:cs typeface="Calibri"/>
+              </a:rPr>
+              <a:t> + </a:t>
+            </a:r>
+            <a:r>
+              <a:rPr lang="en-US" dirty="0" err="1">
+                <a:cs typeface="Calibri"/>
+              </a:rPr>
+              <a:t>otázky</a:t>
+            </a:r>
+          </a:p>
+        </p:txBody>
+      </p:sp>
+      <p:pic>
+        <p:nvPicPr>
+          <p:cNvPr id="3" name="Picture 3" descr="Text, whiteboard&#10;&#10;Description automatically generated">
+            <a:extLst>
+              <a:ext uri="{FF2B5EF4-FFF2-40B4-BE49-F238E27FC236}">
+                <a16:creationId xmlns:a16="http://schemas.microsoft.com/office/drawing/2014/main" id="{A455C9C7-6BC3-48CA-97E1-704B094472AD}"/>
+              </a:ext>
+            </a:extLst>
+          </p:cNvPr>
+          <p:cNvPicPr>
+            <a:picLocks noGrp="1" noChangeAspect="1"/>
+          </p:cNvPicPr>
+          <p:nvPr>
+            <p:ph idx="1"/>
+          </p:nvPr>
+        </p:nvPicPr>
+        <p:blipFill>
+          <a:blip r:embed="rId2"/>
+          <a:stretch>
+            <a:fillRect/>
+          </a:stretch>
+        </p:blipFill>
+        <p:spPr>
+          <a:xfrm>
+            <a:off x="4816210" y="952113"/>
+            <a:ext cx="3265823" cy="4351338"/>
+          </a:xfrm>
+        </p:spPr>
+      </p:pic>
+    </p:spTree>
+    <p:extLst>
+      <p:ext uri="{BB962C8B-B14F-4D97-AF65-F5344CB8AC3E}">
+        <p14:creationId xmlns:p14="http://schemas.microsoft.com/office/powerpoint/2010/main" val="116660394"/>
+      </p:ext>
+    </p:extLst>
+  </p:cSld>
+  <p:clrMapOvr>
+    <a:masterClrMapping/>
+  </p:clrMapOvr>
+</p:sld>
+</file>
+
+<file path=ppt/slides/slide3.xml><?xml version="1.0" encoding="utf-8"?>
+<p:sld xmlns:a="http://schemas.openxmlformats.org/drawingml/2006/main" xmlns:r="http://schemas.openxmlformats.org/officeDocument/2006/relationships" xmlns:p="http://schemas.openxmlformats.org/presentationml/2006/main">
+  <p:cSld>
+    <p:spTree>
+      <p:nvGrpSpPr>
+        <p:cNvPr id="1" name=""/>
+        <p:cNvGrpSpPr/>
+        <p:nvPr/>
+      </p:nvGrpSpPr>
+      <p:grpSpPr>
+        <a:xfrm>
+          <a:off x="0" y="0"/>
+          <a:ext cx="0" cy="0"/>
+          <a:chOff x="0" y="0"/>
+          <a:chExt cx="0" cy="0"/>
+        </a:xfrm>
+      </p:grpSpPr>
+      <p:sp>
+        <p:nvSpPr>
+          <p:cNvPr id="2" name="Title 1">
+            <a:extLst>
+              <a:ext uri="{FF2B5EF4-FFF2-40B4-BE49-F238E27FC236}">
+                <a16:creationId xmlns:a16="http://schemas.microsoft.com/office/drawing/2014/main" id="{A7975F15-912D-4F75-AED8-3F985A1FC6BB}"/>
+              </a:ext>
+            </a:extLst>
+          </p:cNvPr>
+          <p:cNvSpPr>
+            <a:spLocks noGrp="1"/>
+          </p:cNvSpPr>
+          <p:nvPr>
+            <p:ph type="title"/>
+          </p:nvPr>
+        </p:nvSpPr>
+        <p:spPr/>
+        <p:txBody>
+          <a:bodyPr/>
+          <a:lstStyle/>
+          <a:p>
+            <a:r>
+              <a:rPr lang="en-US" dirty="0" err="1">
+                <a:cs typeface="Calibri Light"/>
+              </a:rPr>
+              <a:t>Rozdelenie</a:t>
+            </a:r>
+            <a:r>
+              <a:rPr lang="en-US" dirty="0">
+                <a:cs typeface="Calibri Light"/>
+              </a:rPr>
+              <a:t> </a:t>
+            </a:r>
+            <a:r>
+              <a:rPr lang="en-US" dirty="0" err="1">
+                <a:cs typeface="Calibri Light"/>
+              </a:rPr>
+              <a:t>práce</a:t>
+            </a:r>
+            <a:endParaRPr lang="en-US" dirty="0" err="1"/>
+          </a:p>
+        </p:txBody>
+      </p:sp>
+      <p:pic>
+        <p:nvPicPr>
+          <p:cNvPr id="4" name="Picture 4" descr="Text&#10;&#10;Description automatically generated">
+            <a:extLst>
+              <a:ext uri="{FF2B5EF4-FFF2-40B4-BE49-F238E27FC236}">
+                <a16:creationId xmlns:a16="http://schemas.microsoft.com/office/drawing/2014/main" id="{D5C8F9B8-B995-4EF9-A38E-B298D807527F}"/>
+              </a:ext>
+            </a:extLst>
+          </p:cNvPr>
+          <p:cNvPicPr>
+            <a:picLocks noGrp="1" noChangeAspect="1"/>
+          </p:cNvPicPr>
+          <p:nvPr>
+            <p:ph idx="1"/>
+          </p:nvPr>
+        </p:nvPicPr>
+        <p:blipFill>
+          <a:blip r:embed="rId2"/>
+          <a:stretch>
+            <a:fillRect/>
+          </a:stretch>
+        </p:blipFill>
+        <p:spPr>
+          <a:xfrm>
+            <a:off x="776984" y="1783479"/>
+            <a:ext cx="5248275" cy="1647825"/>
+          </a:xfrm>
+        </p:spPr>
+      </p:pic>
+    </p:spTree>
+    <p:extLst>
+      <p:ext uri="{BB962C8B-B14F-4D97-AF65-F5344CB8AC3E}">
+        <p14:creationId xmlns:p14="http://schemas.microsoft.com/office/powerpoint/2010/main" val="1826452686"/>
+      </p:ext>
+    </p:extLst>
+  </p:cSld>
+  <p:clrMapOvr>
+    <a:masterClrMapping/>
+  </p:clrMapOvr>
+</p:sld>
+</file>
+
+<file path=ppt/slides/slide4.xml><?xml version="1.0" encoding="utf-8"?>
+<p:sld xmlns:a="http://schemas.openxmlformats.org/drawingml/2006/main" xmlns:r="http://schemas.openxmlformats.org/officeDocument/2006/relationships" xmlns:p="http://schemas.openxmlformats.org/presentationml/2006/main">
+  <p:cSld>
+    <p:spTree>
+      <p:nvGrpSpPr>
+        <p:cNvPr id="1" name=""/>
+        <p:cNvGrpSpPr/>
+        <p:nvPr/>
+      </p:nvGrpSpPr>
+      <p:grpSpPr>
+        <a:xfrm>
+          <a:off x="0" y="0"/>
+          <a:ext cx="0" cy="0"/>
+          <a:chOff x="0" y="0"/>
+          <a:chExt cx="0" cy="0"/>
+        </a:xfrm>
+      </p:grpSpPr>
+      <p:sp>
+        <p:nvSpPr>
+          <p:cNvPr id="2" name="Title 1">
+            <a:extLst>
+              <a:ext uri="{FF2B5EF4-FFF2-40B4-BE49-F238E27FC236}">
+                <a16:creationId xmlns:a16="http://schemas.microsoft.com/office/drawing/2014/main" id="{B6DA41EB-856E-4E7E-922D-2A18E45DC16F}"/>
+              </a:ext>
+            </a:extLst>
+          </p:cNvPr>
+          <p:cNvSpPr>
+            <a:spLocks noGrp="1"/>
+          </p:cNvSpPr>
+          <p:nvPr>
+            <p:ph type="title"/>
+          </p:nvPr>
+        </p:nvSpPr>
+        <p:spPr/>
+        <p:txBody>
+          <a:bodyPr/>
+          <a:lstStyle/>
+          <a:p>
+            <a:r>
+              <a:rPr lang="en-US" dirty="0" err="1">
+                <a:cs typeface="Calibri Light"/>
+              </a:rPr>
+              <a:t>Lexikálna</a:t>
+            </a:r>
+            <a:r>
+              <a:rPr lang="en-US" dirty="0">
+                <a:cs typeface="Calibri Light"/>
+              </a:rPr>
+              <a:t> </a:t>
+            </a:r>
+            <a:r>
+              <a:rPr lang="en-US" dirty="0" err="1">
+                <a:cs typeface="Calibri Light"/>
+              </a:rPr>
+              <a:t>analýza</a:t>
+            </a:r>
+            <a:endParaRPr lang="en-US" dirty="0" err="1"/>
+          </a:p>
+        </p:txBody>
+      </p:sp>
+      <p:pic>
+        <p:nvPicPr>
+          <p:cNvPr id="4" name="Picture 4" descr="Graphical user interface&#10;&#10;Description automatically generated">
+            <a:extLst>
+              <a:ext uri="{FF2B5EF4-FFF2-40B4-BE49-F238E27FC236}">
+                <a16:creationId xmlns:a16="http://schemas.microsoft.com/office/drawing/2014/main" id="{A7F9890A-7F06-4060-9DAD-C8569DF342E7}"/>
+              </a:ext>
+            </a:extLst>
+          </p:cNvPr>
+          <p:cNvPicPr>
+            <a:picLocks noChangeAspect="1"/>
+          </p:cNvPicPr>
+          <p:nvPr/>
+        </p:nvPicPr>
+        <p:blipFill>
+          <a:blip r:embed="rId2"/>
+          <a:stretch>
+            <a:fillRect/>
+          </a:stretch>
+        </p:blipFill>
+        <p:spPr>
+          <a:xfrm>
+            <a:off x="6787375" y="2526683"/>
+            <a:ext cx="3477321" cy="2501584"/>
+          </a:xfrm>
+          <a:prstGeom prst="rect">
+            <a:avLst/>
+          </a:prstGeom>
+        </p:spPr>
+      </p:pic>
+    </p:spTree>
+    <p:extLst>
+      <p:ext uri="{BB962C8B-B14F-4D97-AF65-F5344CB8AC3E}">
+        <p14:creationId xmlns:p14="http://schemas.microsoft.com/office/powerpoint/2010/main" val="3800555174"/>
+      </p:ext>
+    </p:extLst>
+  </p:cSld>
+  <p:clrMapOvr>
+    <a:masterClrMapping/>
+  </p:clrMapOvr>
+</p:sld>
+</file>
+
+<file path=ppt/slides/slide5.xml><?xml version="1.0" encoding="utf-8"?>
+<p:sld xmlns:a="http://schemas.openxmlformats.org/drawingml/2006/main" xmlns:r="http://schemas.openxmlformats.org/officeDocument/2006/relationships" xmlns:p="http://schemas.openxmlformats.org/presentationml/2006/main">
+  <p:cSld>
+    <p:spTree>
+      <p:nvGrpSpPr>
+        <p:cNvPr id="1" name=""/>
+        <p:cNvGrpSpPr/>
+        <p:nvPr/>
+      </p:nvGrpSpPr>
+      <p:grpSpPr>
+        <a:xfrm>
+          <a:off x="0" y="0"/>
+          <a:ext cx="0" cy="0"/>
+          <a:chOff x="0" y="0"/>
+          <a:chExt cx="0" cy="0"/>
+        </a:xfrm>
+      </p:grpSpPr>
+      <p:sp>
+        <p:nvSpPr>
+          <p:cNvPr id="2" name="Title 1">
+            <a:extLst>
+              <a:ext uri="{FF2B5EF4-FFF2-40B4-BE49-F238E27FC236}">
+                <a16:creationId xmlns:a16="http://schemas.microsoft.com/office/drawing/2014/main" id="{FCF24397-345F-4F73-AE0B-5923DE8A95F8}"/>
+              </a:ext>
+            </a:extLst>
+          </p:cNvPr>
+          <p:cNvSpPr>
+            <a:spLocks noGrp="1"/>
+          </p:cNvSpPr>
+          <p:nvPr>
+            <p:ph type="title"/>
+          </p:nvPr>
+        </p:nvSpPr>
+        <p:spPr/>
+        <p:txBody>
+          <a:bodyPr/>
+          <a:lstStyle/>
+          <a:p>
+            <a:r>
+              <a:rPr lang="en-US" dirty="0" err="1">
+                <a:cs typeface="Calibri Light"/>
+              </a:rPr>
+              <a:t>Syntaktická</a:t>
+            </a:r>
+            <a:r>
+              <a:rPr lang="en-US" dirty="0">
+                <a:cs typeface="Calibri Light"/>
+              </a:rPr>
+              <a:t> </a:t>
+            </a:r>
+            <a:r>
+              <a:rPr lang="en-US" dirty="0" err="1">
+                <a:cs typeface="Calibri Light"/>
+              </a:rPr>
+              <a:t>analýza</a:t>
+            </a:r>
+            <a:endParaRPr lang="en-US" dirty="0" err="1"/>
+          </a:p>
+        </p:txBody>
+      </p:sp>
+      <p:pic>
+        <p:nvPicPr>
+          <p:cNvPr id="7" name="Picture 7" descr="Graphical user interface&#10;&#10;Description automatically generated">
+            <a:extLst>
+              <a:ext uri="{FF2B5EF4-FFF2-40B4-BE49-F238E27FC236}">
+                <a16:creationId xmlns:a16="http://schemas.microsoft.com/office/drawing/2014/main" id="{BBB6E90B-1666-4952-B003-C592D8C172ED}"/>
+              </a:ext>
+            </a:extLst>
+          </p:cNvPr>
+          <p:cNvPicPr>
+            <a:picLocks noGrp="1" noChangeAspect="1"/>
+          </p:cNvPicPr>
+          <p:nvPr>
+            <p:ph idx="1"/>
+          </p:nvPr>
+        </p:nvPicPr>
+        <p:blipFill>
+          <a:blip r:embed="rId2"/>
+          <a:stretch>
+            <a:fillRect/>
+          </a:stretch>
+        </p:blipFill>
+        <p:spPr>
+          <a:xfrm>
+            <a:off x="6047678" y="2380882"/>
+            <a:ext cx="3962400" cy="2571750"/>
+          </a:xfrm>
+        </p:spPr>
+      </p:pic>
+    </p:spTree>
+    <p:extLst>
+      <p:ext uri="{BB962C8B-B14F-4D97-AF65-F5344CB8AC3E}">
+        <p14:creationId xmlns:p14="http://schemas.microsoft.com/office/powerpoint/2010/main" val="3360263849"/>
+      </p:ext>
+    </p:extLst>
+  </p:cSld>
+  <p:clrMapOvr>
+    <a:masterClrMapping/>
+  </p:clrMapOvr>
+</p:sld>
+</file>
+
 <file path=ppt/theme/theme1.xml><?xml version="1.0" encoding="utf-8"?>
 <a:theme xmlns:a="http://schemas.openxmlformats.org/drawingml/2006/main" name="office theme">
   <a:themeElements>

--- a/documentation/Presentation.pptx
+++ b/documentation/Presentation.pptx
@@ -10,6 +10,11 @@
     <p:sldId id="258" r:id="rId4"/>
     <p:sldId id="259" r:id="rId5"/>
     <p:sldId id="260" r:id="rId6"/>
+    <p:sldId id="261" r:id="rId7"/>
+    <p:sldId id="262" r:id="rId8"/>
+    <p:sldId id="263" r:id="rId9"/>
+    <p:sldId id="264" r:id="rId10"/>
+    <p:sldId id="265" r:id="rId11"/>
   </p:sldIdLst>
   <p:sldSz cx="12192000" cy="6858000"/>
   <p:notesSz cx="6858000" cy="9144000"/>
@@ -119,7 +124,7 @@
 <file path=ppt/revisionInfo.xml><?xml version="1.0" encoding="utf-8"?>
 <p1510:revInfo xmlns:a="http://schemas.openxmlformats.org/drawingml/2006/main" xmlns:r="http://schemas.openxmlformats.org/officeDocument/2006/relationships" xmlns:p1510="http://schemas.microsoft.com/office/powerpoint/2015/10/main">
   <p1510:revLst>
-    <p1510:client id="{708B79C2-F4E8-4762-99D7-D6BBC320E1A0}" v="51" dt="2021-12-08T18:58:44.694"/>
+    <p1510:client id="{708B79C2-F4E8-4762-99D7-D6BBC320E1A0}" v="328" dt="2021-12-08T20:43:37.195"/>
     <p1510:client id="{824FA83B-A2DD-4695-AAE1-6FE2BB23FC05}" v="76" dt="2021-12-08T16:55:20.365"/>
     <p1510:client id="{D8F48007-FD94-44D9-9024-E1A435B4F43B}" v="547" dt="2021-12-08T16:52:53.286"/>
   </p1510:revLst>
@@ -3140,13 +3145,80 @@
         <p:spPr/>
         <p:txBody>
           <a:bodyPr vert="horz" lIns="91440" tIns="45720" rIns="91440" bIns="45720" rtlCol="0" anchor="t">
-            <a:normAutofit/>
+            <a:normAutofit lnSpcReduction="10000"/>
           </a:bodyPr>
           <a:lstStyle/>
           <a:p>
-            <a:endParaRPr lang="en-US" dirty="0">
-              <a:cs typeface="Calibri"/>
-            </a:endParaRPr>
+            <a:pPr algn="just"/>
+            <a:r>
+              <a:rPr lang="en-US" dirty="0">
+                <a:cs typeface="Calibri"/>
+              </a:rPr>
+              <a:t>Andrei </a:t>
+            </a:r>
+            <a:r>
+              <a:rPr lang="en-US" dirty="0" err="1">
+                <a:cs typeface="Calibri"/>
+              </a:rPr>
+              <a:t>Shchapaniak</a:t>
+            </a:r>
+            <a:r>
+              <a:rPr lang="en-US" dirty="0">
+                <a:cs typeface="Calibri"/>
+              </a:rPr>
+              <a:t>       </a:t>
+            </a:r>
+          </a:p>
+          <a:p>
+            <a:pPr algn="just"/>
+            <a:r>
+              <a:rPr lang="en-US" dirty="0">
+                <a:cs typeface="Calibri"/>
+              </a:rPr>
+              <a:t>Andrej </a:t>
+            </a:r>
+            <a:r>
+              <a:rPr lang="en-US" dirty="0" err="1">
+                <a:cs typeface="Calibri"/>
+              </a:rPr>
+              <a:t>Binovsky</a:t>
+            </a:r>
+            <a:r>
+              <a:rPr lang="en-US" dirty="0">
+                <a:cs typeface="Calibri"/>
+              </a:rPr>
+              <a:t>              </a:t>
+            </a:r>
+          </a:p>
+          <a:p>
+            <a:pPr algn="just"/>
+            <a:r>
+              <a:rPr lang="en-US" dirty="0">
+                <a:cs typeface="Calibri"/>
+              </a:rPr>
+              <a:t>Zdenek Lapes                  </a:t>
+            </a:r>
+          </a:p>
+          <a:p>
+            <a:pPr algn="just"/>
+            <a:r>
+              <a:rPr lang="en-US" dirty="0">
+                <a:cs typeface="Calibri"/>
+              </a:rPr>
+              <a:t>Richard </a:t>
+            </a:r>
+            <a:r>
+              <a:rPr lang="en-US" dirty="0" err="1">
+                <a:cs typeface="Calibri"/>
+              </a:rPr>
+              <a:t>Gajdošík</a:t>
+            </a:r>
+            <a:r>
+              <a:rPr lang="en-US" dirty="0">
+                <a:cs typeface="Calibri"/>
+              </a:rPr>
+              <a:t>            </a:t>
+            </a:r>
           </a:p>
         </p:txBody>
       </p:sp>
@@ -3172,7 +3244,7 @@
         </p:blipFill>
         <p:spPr>
           <a:xfrm>
-            <a:off x="115229" y="120162"/>
+            <a:off x="9296400" y="148040"/>
             <a:ext cx="2743200" cy="911968"/>
           </a:xfrm>
           <a:prstGeom prst="rect">
@@ -3180,40 +3252,264 @@
           </a:prstGeom>
         </p:spPr>
       </p:pic>
-      <p:pic>
-        <p:nvPicPr>
-          <p:cNvPr id="6" name="Picture 6" descr="Text&#10;&#10;Description automatically generated">
+      <p:sp>
+        <p:nvSpPr>
+          <p:cNvPr id="5" name="TextBox 4">
             <a:extLst>
               <a:ext uri="{FF2B5EF4-FFF2-40B4-BE49-F238E27FC236}">
-                <a16:creationId xmlns:a16="http://schemas.microsoft.com/office/drawing/2014/main" id="{3E511F34-4730-4B6E-AF15-3F13B237D08D}"/>
+                <a16:creationId xmlns:a16="http://schemas.microsoft.com/office/drawing/2014/main" id="{1F941FBB-4B75-4551-92D0-66BA4F973EAB}"/>
               </a:ext>
             </a:extLst>
           </p:cNvPr>
-          <p:cNvPicPr>
-            <a:picLocks noChangeAspect="1"/>
-          </p:cNvPicPr>
+          <p:cNvSpPr txBox="1"/>
           <p:nvPr/>
-        </p:nvPicPr>
-        <p:blipFill>
-          <a:blip r:embed="rId3"/>
-          <a:stretch>
-            <a:fillRect/>
-          </a:stretch>
-        </p:blipFill>
+        </p:nvSpPr>
         <p:spPr>
           <a:xfrm>
-            <a:off x="1527717" y="3507248"/>
-            <a:ext cx="4025590" cy="1646284"/>
+            <a:off x="4334107" y="4789448"/>
+            <a:ext cx="2501591" cy="461665"/>
           </a:xfrm>
           <a:prstGeom prst="rect">
             <a:avLst/>
           </a:prstGeom>
+          <a:noFill/>
         </p:spPr>
-      </p:pic>
+        <p:txBody>
+          <a:bodyPr rot="0" spcFirstLastPara="0" vertOverflow="overflow" horzOverflow="overflow" vert="horz" wrap="square" lIns="91440" tIns="45720" rIns="91440" bIns="45720" numCol="1" spcCol="0" rtlCol="0" fromWordArt="0" anchor="t" anchorCtr="0" forceAA="0" compatLnSpc="1">
+            <a:prstTxWarp prst="textNoShape">
+              <a:avLst/>
+            </a:prstTxWarp>
+            <a:spAutoFit/>
+          </a:bodyPr>
+          <a:lstStyle/>
+          <a:p>
+            <a:r>
+              <a:rPr lang="en-US" sz="2400" dirty="0">
+                <a:ea typeface="+mn-lt"/>
+                <a:cs typeface="+mn-lt"/>
+              </a:rPr>
+              <a:t>(xgajdo33)</a:t>
+            </a:r>
+            <a:endParaRPr lang="en-US" dirty="0">
+              <a:ea typeface="+mn-lt"/>
+              <a:cs typeface="+mn-lt"/>
+            </a:endParaRPr>
+          </a:p>
+        </p:txBody>
+      </p:sp>
+      <p:sp>
+        <p:nvSpPr>
+          <p:cNvPr id="8" name="TextBox 7">
+            <a:extLst>
+              <a:ext uri="{FF2B5EF4-FFF2-40B4-BE49-F238E27FC236}">
+                <a16:creationId xmlns:a16="http://schemas.microsoft.com/office/drawing/2014/main" id="{6C026894-6730-498C-92A4-144D1E8165F8}"/>
+              </a:ext>
+            </a:extLst>
+          </p:cNvPr>
+          <p:cNvSpPr txBox="1"/>
+          <p:nvPr/>
+        </p:nvSpPr>
+        <p:spPr>
+          <a:xfrm>
+            <a:off x="4341077" y="3960077"/>
+            <a:ext cx="2743200" cy="461665"/>
+          </a:xfrm>
+          <a:prstGeom prst="rect">
+            <a:avLst/>
+          </a:prstGeom>
+          <a:noFill/>
+        </p:spPr>
+        <p:txBody>
+          <a:bodyPr rot="0" spcFirstLastPara="0" vertOverflow="overflow" horzOverflow="overflow" vert="horz" wrap="square" lIns="91440" tIns="45720" rIns="91440" bIns="45720" numCol="1" spcCol="0" rtlCol="0" fromWordArt="0" anchor="t" anchorCtr="0" forceAA="0" compatLnSpc="1">
+            <a:prstTxWarp prst="textNoShape">
+              <a:avLst/>
+            </a:prstTxWarp>
+            <a:spAutoFit/>
+          </a:bodyPr>
+          <a:lstStyle/>
+          <a:p>
+            <a:pPr algn="l"/>
+            <a:r>
+              <a:rPr lang="en-US" sz="2400" dirty="0"/>
+              <a:t>(xbinov00)</a:t>
+            </a:r>
+          </a:p>
+        </p:txBody>
+      </p:sp>
+      <p:sp>
+        <p:nvSpPr>
+          <p:cNvPr id="9" name="TextBox 8">
+            <a:extLst>
+              <a:ext uri="{FF2B5EF4-FFF2-40B4-BE49-F238E27FC236}">
+                <a16:creationId xmlns:a16="http://schemas.microsoft.com/office/drawing/2014/main" id="{FCB99868-CD08-4683-94CC-D0055A880F3F}"/>
+              </a:ext>
+            </a:extLst>
+          </p:cNvPr>
+          <p:cNvSpPr txBox="1"/>
+          <p:nvPr/>
+        </p:nvSpPr>
+        <p:spPr>
+          <a:xfrm>
+            <a:off x="4344562" y="4363146"/>
+            <a:ext cx="2743200" cy="461665"/>
+          </a:xfrm>
+          <a:prstGeom prst="rect">
+            <a:avLst/>
+          </a:prstGeom>
+          <a:noFill/>
+        </p:spPr>
+        <p:txBody>
+          <a:bodyPr rot="0" spcFirstLastPara="0" vertOverflow="overflow" horzOverflow="overflow" vert="horz" wrap="square" lIns="91440" tIns="45720" rIns="91440" bIns="45720" numCol="1" spcCol="0" rtlCol="0" fromWordArt="0" anchor="t" anchorCtr="0" forceAA="0" compatLnSpc="1">
+            <a:prstTxWarp prst="textNoShape">
+              <a:avLst/>
+            </a:prstTxWarp>
+            <a:spAutoFit/>
+          </a:bodyPr>
+          <a:lstStyle/>
+          <a:p>
+            <a:pPr algn="l"/>
+            <a:r>
+              <a:rPr lang="en-US" sz="2400" dirty="0"/>
+              <a:t>(xlapes02)</a:t>
+            </a:r>
+            <a:endParaRPr lang="en-US" sz="2400">
+              <a:cs typeface="Calibri"/>
+            </a:endParaRPr>
+          </a:p>
+        </p:txBody>
+      </p:sp>
+      <p:sp>
+        <p:nvSpPr>
+          <p:cNvPr id="10" name="TextBox 9">
+            <a:extLst>
+              <a:ext uri="{FF2B5EF4-FFF2-40B4-BE49-F238E27FC236}">
+                <a16:creationId xmlns:a16="http://schemas.microsoft.com/office/drawing/2014/main" id="{926E8DC4-4CE9-4FC6-B37D-F5509048F0AE}"/>
+              </a:ext>
+            </a:extLst>
+          </p:cNvPr>
+          <p:cNvSpPr txBox="1"/>
+          <p:nvPr/>
+        </p:nvSpPr>
+        <p:spPr>
+          <a:xfrm>
+            <a:off x="4329461" y="3539583"/>
+            <a:ext cx="2743200" cy="461665"/>
+          </a:xfrm>
+          <a:prstGeom prst="rect">
+            <a:avLst/>
+          </a:prstGeom>
+          <a:noFill/>
+        </p:spPr>
+        <p:txBody>
+          <a:bodyPr rot="0" spcFirstLastPara="0" vertOverflow="overflow" horzOverflow="overflow" vert="horz" wrap="square" lIns="91440" tIns="45720" rIns="91440" bIns="45720" numCol="1" spcCol="0" rtlCol="0" fromWordArt="0" anchor="t" anchorCtr="0" forceAA="0" compatLnSpc="1">
+            <a:prstTxWarp prst="textNoShape">
+              <a:avLst/>
+            </a:prstTxWarp>
+            <a:spAutoFit/>
+          </a:bodyPr>
+          <a:lstStyle/>
+          <a:p>
+            <a:pPr algn="l"/>
+            <a:r>
+              <a:rPr lang="en-US" sz="2400" dirty="0"/>
+              <a:t>(xshcha00)</a:t>
+            </a:r>
+            <a:endParaRPr lang="en-US" sz="2400" dirty="0">
+              <a:cs typeface="Calibri"/>
+            </a:endParaRPr>
+          </a:p>
+        </p:txBody>
+      </p:sp>
     </p:spTree>
     <p:extLst>
       <p:ext uri="{BB962C8B-B14F-4D97-AF65-F5344CB8AC3E}">
         <p14:creationId xmlns:p14="http://schemas.microsoft.com/office/powerpoint/2010/main" val="109857222"/>
+      </p:ext>
+    </p:extLst>
+  </p:cSld>
+  <p:clrMapOvr>
+    <a:masterClrMapping/>
+  </p:clrMapOvr>
+</p:sld>
+</file>
+
+<file path=ppt/slides/slide10.xml><?xml version="1.0" encoding="utf-8"?>
+<p:sld xmlns:a="http://schemas.openxmlformats.org/drawingml/2006/main" xmlns:r="http://schemas.openxmlformats.org/officeDocument/2006/relationships" xmlns:p="http://schemas.openxmlformats.org/presentationml/2006/main">
+  <p:cSld>
+    <p:spTree>
+      <p:nvGrpSpPr>
+        <p:cNvPr id="1" name=""/>
+        <p:cNvGrpSpPr/>
+        <p:nvPr/>
+      </p:nvGrpSpPr>
+      <p:grpSpPr>
+        <a:xfrm>
+          <a:off x="0" y="0"/>
+          <a:ext cx="0" cy="0"/>
+          <a:chOff x="0" y="0"/>
+          <a:chExt cx="0" cy="0"/>
+        </a:xfrm>
+      </p:grpSpPr>
+      <p:sp>
+        <p:nvSpPr>
+          <p:cNvPr id="2" name="Title 1">
+            <a:extLst>
+              <a:ext uri="{FF2B5EF4-FFF2-40B4-BE49-F238E27FC236}">
+                <a16:creationId xmlns:a16="http://schemas.microsoft.com/office/drawing/2014/main" id="{F363E8CE-82F4-4799-AB3B-D0D35F9B9609}"/>
+              </a:ext>
+            </a:extLst>
+          </p:cNvPr>
+          <p:cNvSpPr>
+            <a:spLocks noGrp="1"/>
+          </p:cNvSpPr>
+          <p:nvPr>
+            <p:ph type="title"/>
+          </p:nvPr>
+        </p:nvSpPr>
+        <p:spPr/>
+        <p:txBody>
+          <a:bodyPr/>
+          <a:lstStyle/>
+          <a:p>
+            <a:r>
+              <a:rPr lang="en-US" dirty="0" err="1">
+                <a:cs typeface="Calibri Light"/>
+              </a:rPr>
+              <a:t>Záver</a:t>
+            </a:r>
+            <a:endParaRPr lang="en-US" dirty="0" err="1"/>
+          </a:p>
+        </p:txBody>
+      </p:sp>
+      <p:sp>
+        <p:nvSpPr>
+          <p:cNvPr id="3" name="Content Placeholder 2">
+            <a:extLst>
+              <a:ext uri="{FF2B5EF4-FFF2-40B4-BE49-F238E27FC236}">
+                <a16:creationId xmlns:a16="http://schemas.microsoft.com/office/drawing/2014/main" id="{8FFA9B5B-3FF2-412B-A122-999D7B32E361}"/>
+              </a:ext>
+            </a:extLst>
+          </p:cNvPr>
+          <p:cNvSpPr>
+            <a:spLocks noGrp="1"/>
+          </p:cNvSpPr>
+          <p:nvPr>
+            <p:ph idx="1"/>
+          </p:nvPr>
+        </p:nvSpPr>
+        <p:spPr/>
+        <p:txBody>
+          <a:bodyPr/>
+          <a:lstStyle/>
+          <a:p>
+            <a:endParaRPr lang="en-US"/>
+          </a:p>
+        </p:txBody>
+      </p:sp>
+    </p:spTree>
+    <p:extLst>
+      <p:ext uri="{BB962C8B-B14F-4D97-AF65-F5344CB8AC3E}">
+        <p14:creationId xmlns:p14="http://schemas.microsoft.com/office/powerpoint/2010/main" val="513110900"/>
       </p:ext>
     </p:extLst>
   </p:cSld>
@@ -3325,7 +3621,7 @@
         <p:spPr>
           <a:xfrm>
             <a:off x="834251" y="1447568"/>
-            <a:ext cx="3988418" cy="3139321"/>
+            <a:ext cx="3988418" cy="2308324"/>
           </a:xfrm>
           <a:prstGeom prst="rect">
             <a:avLst/>
@@ -3490,6 +3786,10 @@
               </a:rPr>
               <a:t>analýza</a:t>
             </a:r>
+            <a:endParaRPr lang="en-US">
+              <a:ea typeface="+mn-lt"/>
+              <a:cs typeface="+mn-lt"/>
+            </a:endParaRPr>
           </a:p>
           <a:p>
             <a:r>
@@ -3502,7 +3802,7 @@
               <a:rPr lang="en-US" dirty="0" err="1">
                 <a:cs typeface="Calibri"/>
               </a:rPr>
-              <a:t>Tabulka</a:t>
+              <a:t>Tabuľka</a:t>
             </a:r>
             <a:r>
               <a:rPr lang="en-US" dirty="0">
@@ -3515,32 +3815,6 @@
                 <a:cs typeface="Calibri"/>
               </a:rPr>
               <a:t>symbolov</a:t>
-            </a:r>
-          </a:p>
-          <a:p>
-            <a:r>
-              <a:rPr lang="en-US" dirty="0">
-                <a:cs typeface="Calibri"/>
-              </a:rPr>
-              <a:t>7. </a:t>
-            </a:r>
-            <a:r>
-              <a:rPr lang="en-US" dirty="0" err="1">
-                <a:cs typeface="Calibri"/>
-              </a:rPr>
-              <a:t>Generovanie</a:t>
-            </a:r>
-            <a:r>
-              <a:rPr lang="en-US" dirty="0">
-                <a:cs typeface="Calibri"/>
-              </a:rPr>
-              <a:t> </a:t>
-            </a:r>
-            <a:r>
-              <a:rPr lang="en-US" dirty="0" err="1">
-                <a:cs typeface="Calibri"/>
-              </a:rPr>
-              <a:t>kódu</a:t>
             </a:r>
             <a:endParaRPr lang="en-US" dirty="0">
               <a:cs typeface="Calibri"/>
@@ -3551,13 +3825,13 @@
               <a:rPr lang="en-US" dirty="0">
                 <a:cs typeface="Calibri"/>
               </a:rPr>
-              <a:t>8. </a:t>
+              <a:t>7. </a:t>
             </a:r>
             <a:r>
               <a:rPr lang="en-US" dirty="0" err="1">
                 <a:cs typeface="Calibri"/>
               </a:rPr>
-              <a:t>Preklad</a:t>
+              <a:t>Generovanie</a:t>
             </a:r>
             <a:r>
               <a:rPr lang="en-US" dirty="0">
@@ -3569,104 +3843,52 @@
               <a:rPr lang="en-US" dirty="0" err="1">
                 <a:cs typeface="Calibri"/>
               </a:rPr>
-              <a:t>programu</a:t>
-            </a:r>
+              <a:t>kódu</a:t>
+            </a:r>
+            <a:endParaRPr lang="en-US" dirty="0">
+              <a:cs typeface="Calibri"/>
+            </a:endParaRPr>
+          </a:p>
+          <a:p>
             <a:r>
               <a:rPr lang="en-US" dirty="0">
                 <a:cs typeface="Calibri"/>
               </a:rPr>
-              <a:t> ??</a:t>
-            </a:r>
-          </a:p>
-          <a:p>
+              <a:t>8. </a:t>
+            </a:r>
+            <a:r>
+              <a:rPr lang="en-US" dirty="0" err="1">
+                <a:cs typeface="Calibri"/>
+              </a:rPr>
+              <a:t>Záver</a:t>
+            </a:r>
             <a:r>
               <a:rPr lang="en-US" dirty="0">
                 <a:cs typeface="Calibri"/>
               </a:rPr>
-              <a:t>9. </a:t>
+              <a:t> + </a:t>
             </a:r>
             <a:r>
               <a:rPr lang="en-US" dirty="0" err="1">
                 <a:cs typeface="Calibri"/>
               </a:rPr>
-              <a:t>Skripty</a:t>
+              <a:t>súhrn</a:t>
             </a:r>
             <a:r>
               <a:rPr lang="en-US" dirty="0">
                 <a:cs typeface="Calibri"/>
               </a:rPr>
-              <a:t> ??</a:t>
-            </a:r>
-          </a:p>
-          <a:p>
-            <a:r>
-              <a:rPr lang="en-US" dirty="0">
-                <a:cs typeface="Calibri"/>
-              </a:rPr>
-              <a:t>10. </a:t>
+              <a:t> + </a:t>
             </a:r>
             <a:r>
               <a:rPr lang="en-US" dirty="0" err="1">
                 <a:cs typeface="Calibri"/>
               </a:rPr>
-              <a:t>Práca</a:t>
-            </a:r>
-            <a:r>
-              <a:rPr lang="en-US" dirty="0">
-                <a:cs typeface="Calibri"/>
-              </a:rPr>
-              <a:t> v </a:t>
-            </a:r>
-            <a:r>
-              <a:rPr lang="en-US" dirty="0" err="1">
-                <a:cs typeface="Calibri"/>
-              </a:rPr>
-              <a:t>tíme</a:t>
-            </a:r>
-            <a:r>
-              <a:rPr lang="en-US" dirty="0">
-                <a:cs typeface="Calibri"/>
-              </a:rPr>
-              <a:t> ??</a:t>
-            </a:r>
-          </a:p>
-          <a:p>
-            <a:r>
-              <a:rPr lang="en-US" dirty="0">
-                <a:cs typeface="Calibri"/>
-              </a:rPr>
-              <a:t>11. </a:t>
-            </a:r>
-            <a:r>
-              <a:rPr lang="en-US" dirty="0" err="1">
-                <a:cs typeface="Calibri"/>
-              </a:rPr>
-              <a:t>Záver</a:t>
-            </a:r>
-            <a:r>
-              <a:rPr lang="en-US" dirty="0">
-                <a:cs typeface="Calibri"/>
-              </a:rPr>
-              <a:t> + </a:t>
-            </a:r>
-            <a:r>
-              <a:rPr lang="en-US" dirty="0" err="1">
-                <a:cs typeface="Calibri"/>
-              </a:rPr>
-              <a:t>súhrn</a:t>
-            </a:r>
-            <a:r>
-              <a:rPr lang="en-US" dirty="0">
-                <a:cs typeface="Calibri"/>
-              </a:rPr>
-              <a:t> + </a:t>
-            </a:r>
-            <a:r>
-              <a:rPr lang="en-US" dirty="0" err="1">
-                <a:cs typeface="Calibri"/>
-              </a:rPr>
               <a:t>otázky</a:t>
             </a:r>
+            <a:endParaRPr lang="en-US" dirty="0">
+              <a:cs typeface="Calibri"/>
+            </a:endParaRPr>
           </a:p>
         </p:txBody>
       </p:sp>
@@ -3697,6 +3919,36 @@
             <a:off x="4816210" y="952113"/>
             <a:ext cx="3265823" cy="4351338"/>
           </a:xfrm>
+        </p:spPr>
+      </p:pic>
+      <p:pic>
+        <p:nvPicPr>
+          <p:cNvPr id="4" name="Picture 6" descr="Text&#10;&#10;Description automatically generated">
+            <a:extLst>
+              <a:ext uri="{FF2B5EF4-FFF2-40B4-BE49-F238E27FC236}">
+                <a16:creationId xmlns:a16="http://schemas.microsoft.com/office/drawing/2014/main" id="{D8B0293A-97CF-4B59-A86A-A7DEDD421A24}"/>
+              </a:ext>
+            </a:extLst>
+          </p:cNvPr>
+          <p:cNvPicPr>
+            <a:picLocks noChangeAspect="1"/>
+          </p:cNvPicPr>
+          <p:nvPr/>
+        </p:nvPicPr>
+        <p:blipFill>
+          <a:blip r:embed="rId3"/>
+          <a:stretch>
+            <a:fillRect/>
+          </a:stretch>
+        </p:blipFill>
+        <p:spPr>
+          <a:xfrm>
+            <a:off x="1090961" y="4768191"/>
+            <a:ext cx="10781370" cy="1884322"/>
+          </a:xfrm>
+          <a:prstGeom prst="rect">
+            <a:avLst/>
+          </a:prstGeom>
         </p:spPr>
       </p:pic>
     </p:spTree>
@@ -3876,10 +4128,10 @@
       </p:sp>
       <p:pic>
         <p:nvPicPr>
-          <p:cNvPr id="4" name="Picture 4" descr="Graphical user interface&#10;&#10;Description automatically generated">
+          <p:cNvPr id="9" name="Picture 9" descr="Diagram&#10;&#10;Description automatically generated">
             <a:extLst>
               <a:ext uri="{FF2B5EF4-FFF2-40B4-BE49-F238E27FC236}">
-                <a16:creationId xmlns:a16="http://schemas.microsoft.com/office/drawing/2014/main" id="{A7F9890A-7F06-4060-9DAD-C8569DF342E7}"/>
+                <a16:creationId xmlns:a16="http://schemas.microsoft.com/office/drawing/2014/main" id="{026659A5-36D9-4E90-A06B-59E7E8536391}"/>
               </a:ext>
             </a:extLst>
           </p:cNvPr>
@@ -3896,8 +4148,8 @@
         </p:blipFill>
         <p:spPr>
           <a:xfrm>
-            <a:off x="6787375" y="2526683"/>
-            <a:ext cx="3477321" cy="2501584"/>
+            <a:off x="6898889" y="2416196"/>
+            <a:ext cx="3124200" cy="2239338"/>
           </a:xfrm>
           <a:prstGeom prst="rect">
             <a:avLst/>
@@ -3979,10 +4231,10 @@
       </p:sp>
       <p:pic>
         <p:nvPicPr>
-          <p:cNvPr id="7" name="Picture 7" descr="Graphical user interface&#10;&#10;Description automatically generated">
+          <p:cNvPr id="10" name="Picture 10" descr="A picture containing graphical user interface&#10;&#10;Description automatically generated">
             <a:extLst>
               <a:ext uri="{FF2B5EF4-FFF2-40B4-BE49-F238E27FC236}">
-                <a16:creationId xmlns:a16="http://schemas.microsoft.com/office/drawing/2014/main" id="{BBB6E90B-1666-4952-B003-C592D8C172ED}"/>
+                <a16:creationId xmlns:a16="http://schemas.microsoft.com/office/drawing/2014/main" id="{5C5B4427-36D1-4382-AC96-2D42B2EE97B4}"/>
               </a:ext>
             </a:extLst>
           </p:cNvPr>
@@ -4001,7 +4253,7 @@
         </p:blipFill>
         <p:spPr>
           <a:xfrm>
-            <a:off x="6047678" y="2380882"/>
+            <a:off x="6410093" y="2380882"/>
             <a:ext cx="3962400" cy="2571750"/>
           </a:xfrm>
         </p:spPr>
@@ -4010,6 +4262,440 @@
     <p:extLst>
       <p:ext uri="{BB962C8B-B14F-4D97-AF65-F5344CB8AC3E}">
         <p14:creationId xmlns:p14="http://schemas.microsoft.com/office/powerpoint/2010/main" val="3360263849"/>
+      </p:ext>
+    </p:extLst>
+  </p:cSld>
+  <p:clrMapOvr>
+    <a:masterClrMapping/>
+  </p:clrMapOvr>
+</p:sld>
+</file>
+
+<file path=ppt/slides/slide6.xml><?xml version="1.0" encoding="utf-8"?>
+<p:sld xmlns:a="http://schemas.openxmlformats.org/drawingml/2006/main" xmlns:r="http://schemas.openxmlformats.org/officeDocument/2006/relationships" xmlns:p="http://schemas.openxmlformats.org/presentationml/2006/main">
+  <p:cSld>
+    <p:spTree>
+      <p:nvGrpSpPr>
+        <p:cNvPr id="1" name=""/>
+        <p:cNvGrpSpPr/>
+        <p:nvPr/>
+      </p:nvGrpSpPr>
+      <p:grpSpPr>
+        <a:xfrm>
+          <a:off x="0" y="0"/>
+          <a:ext cx="0" cy="0"/>
+          <a:chOff x="0" y="0"/>
+          <a:chExt cx="0" cy="0"/>
+        </a:xfrm>
+      </p:grpSpPr>
+      <p:sp>
+        <p:nvSpPr>
+          <p:cNvPr id="2" name="Title 1">
+            <a:extLst>
+              <a:ext uri="{FF2B5EF4-FFF2-40B4-BE49-F238E27FC236}">
+                <a16:creationId xmlns:a16="http://schemas.microsoft.com/office/drawing/2014/main" id="{594FD89F-3BAC-4785-9D93-3AC76CFAA927}"/>
+              </a:ext>
+            </a:extLst>
+          </p:cNvPr>
+          <p:cNvSpPr>
+            <a:spLocks noGrp="1"/>
+          </p:cNvSpPr>
+          <p:nvPr>
+            <p:ph type="title"/>
+          </p:nvPr>
+        </p:nvSpPr>
+        <p:spPr/>
+        <p:txBody>
+          <a:bodyPr/>
+          <a:lstStyle/>
+          <a:p>
+            <a:r>
+              <a:rPr lang="en-US" dirty="0" err="1">
+                <a:cs typeface="Calibri Light"/>
+              </a:rPr>
+              <a:t>Precedenčná</a:t>
+            </a:r>
+            <a:r>
+              <a:rPr lang="en-US" dirty="0">
+                <a:cs typeface="Calibri Light"/>
+              </a:rPr>
+              <a:t> </a:t>
+            </a:r>
+            <a:r>
+              <a:rPr lang="en-US" dirty="0" err="1">
+                <a:cs typeface="Calibri Light"/>
+              </a:rPr>
+              <a:t>syntaktická</a:t>
+            </a:r>
+            <a:r>
+              <a:rPr lang="en-US" dirty="0">
+                <a:cs typeface="Calibri Light"/>
+              </a:rPr>
+              <a:t> </a:t>
+            </a:r>
+            <a:r>
+              <a:rPr lang="en-US" dirty="0" err="1">
+                <a:cs typeface="Calibri Light"/>
+              </a:rPr>
+              <a:t>analýza</a:t>
+            </a:r>
+            <a:endParaRPr lang="en-US" dirty="0" err="1"/>
+          </a:p>
+        </p:txBody>
+      </p:sp>
+      <p:pic>
+        <p:nvPicPr>
+          <p:cNvPr id="3" name="Picture 4" descr="Graphical user interface&#10;&#10;Description automatically generated">
+            <a:extLst>
+              <a:ext uri="{FF2B5EF4-FFF2-40B4-BE49-F238E27FC236}">
+                <a16:creationId xmlns:a16="http://schemas.microsoft.com/office/drawing/2014/main" id="{DD627D19-6904-4F4E-B8C4-F2B4F77B48E6}"/>
+              </a:ext>
+            </a:extLst>
+          </p:cNvPr>
+          <p:cNvPicPr>
+            <a:picLocks noChangeAspect="1"/>
+          </p:cNvPicPr>
+          <p:nvPr/>
+        </p:nvPicPr>
+        <p:blipFill>
+          <a:blip r:embed="rId2"/>
+          <a:stretch>
+            <a:fillRect/>
+          </a:stretch>
+        </p:blipFill>
+        <p:spPr>
+          <a:xfrm>
+            <a:off x="4724400" y="2604837"/>
+            <a:ext cx="4257907" cy="2559008"/>
+          </a:xfrm>
+          <a:prstGeom prst="rect">
+            <a:avLst/>
+          </a:prstGeom>
+        </p:spPr>
+      </p:pic>
+      <p:sp>
+        <p:nvSpPr>
+          <p:cNvPr id="6" name="Content Placeholder 5">
+            <a:extLst>
+              <a:ext uri="{FF2B5EF4-FFF2-40B4-BE49-F238E27FC236}">
+                <a16:creationId xmlns:a16="http://schemas.microsoft.com/office/drawing/2014/main" id="{C739E650-E1FB-476E-8C4F-FF4B4AA2526C}"/>
+              </a:ext>
+            </a:extLst>
+          </p:cNvPr>
+          <p:cNvSpPr>
+            <a:spLocks noGrp="1"/>
+          </p:cNvSpPr>
+          <p:nvPr>
+            <p:ph idx="1"/>
+          </p:nvPr>
+        </p:nvSpPr>
+        <p:spPr/>
+        <p:txBody>
+          <a:bodyPr/>
+          <a:lstStyle/>
+          <a:p>
+            <a:endParaRPr lang="en-US"/>
+          </a:p>
+        </p:txBody>
+      </p:sp>
+    </p:spTree>
+    <p:extLst>
+      <p:ext uri="{BB962C8B-B14F-4D97-AF65-F5344CB8AC3E}">
+        <p14:creationId xmlns:p14="http://schemas.microsoft.com/office/powerpoint/2010/main" val="3885767597"/>
+      </p:ext>
+    </p:extLst>
+  </p:cSld>
+  <p:clrMapOvr>
+    <a:masterClrMapping/>
+  </p:clrMapOvr>
+</p:sld>
+</file>
+
+<file path=ppt/slides/slide7.xml><?xml version="1.0" encoding="utf-8"?>
+<p:sld xmlns:a="http://schemas.openxmlformats.org/drawingml/2006/main" xmlns:r="http://schemas.openxmlformats.org/officeDocument/2006/relationships" xmlns:p="http://schemas.openxmlformats.org/presentationml/2006/main">
+  <p:cSld>
+    <p:spTree>
+      <p:nvGrpSpPr>
+        <p:cNvPr id="1" name=""/>
+        <p:cNvGrpSpPr/>
+        <p:nvPr/>
+      </p:nvGrpSpPr>
+      <p:grpSpPr>
+        <a:xfrm>
+          <a:off x="0" y="0"/>
+          <a:ext cx="0" cy="0"/>
+          <a:chOff x="0" y="0"/>
+          <a:chExt cx="0" cy="0"/>
+        </a:xfrm>
+      </p:grpSpPr>
+      <p:sp>
+        <p:nvSpPr>
+          <p:cNvPr id="2" name="Title 1">
+            <a:extLst>
+              <a:ext uri="{FF2B5EF4-FFF2-40B4-BE49-F238E27FC236}">
+                <a16:creationId xmlns:a16="http://schemas.microsoft.com/office/drawing/2014/main" id="{6311DD34-C0A6-4599-9BCA-1968BCDB2398}"/>
+              </a:ext>
+            </a:extLst>
+          </p:cNvPr>
+          <p:cNvSpPr>
+            <a:spLocks noGrp="1"/>
+          </p:cNvSpPr>
+          <p:nvPr>
+            <p:ph type="title"/>
+          </p:nvPr>
+        </p:nvSpPr>
+        <p:spPr/>
+        <p:txBody>
+          <a:bodyPr/>
+          <a:lstStyle/>
+          <a:p>
+            <a:r>
+              <a:rPr lang="en-US" dirty="0" err="1">
+                <a:cs typeface="Calibri Light"/>
+              </a:rPr>
+              <a:t>Tabuľka</a:t>
+            </a:r>
+            <a:r>
+              <a:rPr lang="en-US" dirty="0">
+                <a:cs typeface="Calibri Light"/>
+              </a:rPr>
+              <a:t> </a:t>
+            </a:r>
+            <a:r>
+              <a:rPr lang="en-US" dirty="0" err="1">
+                <a:cs typeface="Calibri Light"/>
+              </a:rPr>
+              <a:t>symbolov</a:t>
+            </a:r>
+            <a:endParaRPr lang="en-US" dirty="0" err="1"/>
+          </a:p>
+        </p:txBody>
+      </p:sp>
+      <p:pic>
+        <p:nvPicPr>
+          <p:cNvPr id="4" name="Picture 4">
+            <a:extLst>
+              <a:ext uri="{FF2B5EF4-FFF2-40B4-BE49-F238E27FC236}">
+                <a16:creationId xmlns:a16="http://schemas.microsoft.com/office/drawing/2014/main" id="{395D2FCA-E525-4621-A792-0736D63A87FB}"/>
+              </a:ext>
+            </a:extLst>
+          </p:cNvPr>
+          <p:cNvPicPr>
+            <a:picLocks noGrp="1" noChangeAspect="1"/>
+          </p:cNvPicPr>
+          <p:nvPr>
+            <p:ph idx="1"/>
+          </p:nvPr>
+        </p:nvPicPr>
+        <p:blipFill>
+          <a:blip r:embed="rId2"/>
+          <a:stretch>
+            <a:fillRect/>
+          </a:stretch>
+        </p:blipFill>
+        <p:spPr>
+          <a:xfrm>
+            <a:off x="6997663" y="1980998"/>
+            <a:ext cx="3743325" cy="3686175"/>
+          </a:xfrm>
+        </p:spPr>
+      </p:pic>
+    </p:spTree>
+    <p:extLst>
+      <p:ext uri="{BB962C8B-B14F-4D97-AF65-F5344CB8AC3E}">
+        <p14:creationId xmlns:p14="http://schemas.microsoft.com/office/powerpoint/2010/main" val="3710337630"/>
+      </p:ext>
+    </p:extLst>
+  </p:cSld>
+  <p:clrMapOvr>
+    <a:masterClrMapping/>
+  </p:clrMapOvr>
+</p:sld>
+</file>
+
+<file path=ppt/slides/slide8.xml><?xml version="1.0" encoding="utf-8"?>
+<p:sld xmlns:a="http://schemas.openxmlformats.org/drawingml/2006/main" xmlns:r="http://schemas.openxmlformats.org/officeDocument/2006/relationships" xmlns:p="http://schemas.openxmlformats.org/presentationml/2006/main">
+  <p:cSld>
+    <p:spTree>
+      <p:nvGrpSpPr>
+        <p:cNvPr id="1" name=""/>
+        <p:cNvGrpSpPr/>
+        <p:nvPr/>
+      </p:nvGrpSpPr>
+      <p:grpSpPr>
+        <a:xfrm>
+          <a:off x="0" y="0"/>
+          <a:ext cx="0" cy="0"/>
+          <a:chOff x="0" y="0"/>
+          <a:chExt cx="0" cy="0"/>
+        </a:xfrm>
+      </p:grpSpPr>
+      <p:sp>
+        <p:nvSpPr>
+          <p:cNvPr id="2" name="Title 1">
+            <a:extLst>
+              <a:ext uri="{FF2B5EF4-FFF2-40B4-BE49-F238E27FC236}">
+                <a16:creationId xmlns:a16="http://schemas.microsoft.com/office/drawing/2014/main" id="{41E1E45A-C42E-4692-A857-122705977850}"/>
+              </a:ext>
+            </a:extLst>
+          </p:cNvPr>
+          <p:cNvSpPr>
+            <a:spLocks noGrp="1"/>
+          </p:cNvSpPr>
+          <p:nvPr>
+            <p:ph type="title"/>
+          </p:nvPr>
+        </p:nvSpPr>
+        <p:spPr/>
+        <p:txBody>
+          <a:bodyPr/>
+          <a:lstStyle/>
+          <a:p>
+            <a:r>
+              <a:rPr lang="en-US" dirty="0" err="1">
+                <a:cs typeface="Calibri Light"/>
+              </a:rPr>
+              <a:t>Generátor</a:t>
+            </a:r>
+            <a:r>
+              <a:rPr lang="en-US" dirty="0">
+                <a:cs typeface="Calibri Light"/>
+              </a:rPr>
+              <a:t> </a:t>
+            </a:r>
+            <a:r>
+              <a:rPr lang="en-US" dirty="0" err="1">
+                <a:cs typeface="Calibri Light"/>
+              </a:rPr>
+              <a:t>kódu</a:t>
+            </a:r>
+            <a:endParaRPr lang="en-US" dirty="0" err="1"/>
+          </a:p>
+        </p:txBody>
+      </p:sp>
+      <p:pic>
+        <p:nvPicPr>
+          <p:cNvPr id="4" name="Picture 4" descr="A picture containing graphical user interface&#10;&#10;Description automatically generated">
+            <a:extLst>
+              <a:ext uri="{FF2B5EF4-FFF2-40B4-BE49-F238E27FC236}">
+                <a16:creationId xmlns:a16="http://schemas.microsoft.com/office/drawing/2014/main" id="{36D068AC-13DE-4144-9C83-B08105DFC0C3}"/>
+              </a:ext>
+            </a:extLst>
+          </p:cNvPr>
+          <p:cNvPicPr>
+            <a:picLocks noGrp="1" noChangeAspect="1"/>
+          </p:cNvPicPr>
+          <p:nvPr>
+            <p:ph idx="1"/>
+          </p:nvPr>
+        </p:nvPicPr>
+        <p:blipFill>
+          <a:blip r:embed="rId2"/>
+          <a:stretch>
+            <a:fillRect/>
+          </a:stretch>
+        </p:blipFill>
+        <p:spPr>
+          <a:xfrm>
+            <a:off x="7526028" y="2857480"/>
+            <a:ext cx="2929285" cy="2101772"/>
+          </a:xfrm>
+        </p:spPr>
+      </p:pic>
+    </p:spTree>
+    <p:extLst>
+      <p:ext uri="{BB962C8B-B14F-4D97-AF65-F5344CB8AC3E}">
+        <p14:creationId xmlns:p14="http://schemas.microsoft.com/office/powerpoint/2010/main" val="3545112533"/>
+      </p:ext>
+    </p:extLst>
+  </p:cSld>
+  <p:clrMapOvr>
+    <a:masterClrMapping/>
+  </p:clrMapOvr>
+</p:sld>
+</file>
+
+<file path=ppt/slides/slide9.xml><?xml version="1.0" encoding="utf-8"?>
+<p:sld xmlns:a="http://schemas.openxmlformats.org/drawingml/2006/main" xmlns:r="http://schemas.openxmlformats.org/officeDocument/2006/relationships" xmlns:p="http://schemas.openxmlformats.org/presentationml/2006/main">
+  <p:cSld>
+    <p:spTree>
+      <p:nvGrpSpPr>
+        <p:cNvPr id="1" name=""/>
+        <p:cNvGrpSpPr/>
+        <p:nvPr/>
+      </p:nvGrpSpPr>
+      <p:grpSpPr>
+        <a:xfrm>
+          <a:off x="0" y="0"/>
+          <a:ext cx="0" cy="0"/>
+          <a:chOff x="0" y="0"/>
+          <a:chExt cx="0" cy="0"/>
+        </a:xfrm>
+      </p:grpSpPr>
+      <p:sp>
+        <p:nvSpPr>
+          <p:cNvPr id="2" name="Title 1">
+            <a:extLst>
+              <a:ext uri="{FF2B5EF4-FFF2-40B4-BE49-F238E27FC236}">
+                <a16:creationId xmlns:a16="http://schemas.microsoft.com/office/drawing/2014/main" id="{2A245E96-14B7-46C9-BDEA-92D1A37AAA31}"/>
+              </a:ext>
+            </a:extLst>
+          </p:cNvPr>
+          <p:cNvSpPr>
+            <a:spLocks noGrp="1"/>
+          </p:cNvSpPr>
+          <p:nvPr>
+            <p:ph type="title"/>
+          </p:nvPr>
+        </p:nvSpPr>
+        <p:spPr/>
+        <p:txBody>
+          <a:bodyPr/>
+          <a:lstStyle/>
+          <a:p>
+            <a:r>
+              <a:rPr lang="en-US" dirty="0" err="1">
+                <a:cs typeface="Calibri Light"/>
+              </a:rPr>
+              <a:t>Súhrn</a:t>
+            </a:r>
+            <a:endParaRPr lang="en-US" dirty="0" err="1"/>
+          </a:p>
+        </p:txBody>
+      </p:sp>
+      <p:pic>
+        <p:nvPicPr>
+          <p:cNvPr id="4" name="Picture 4" descr="A picture containing graphical user interface&#10;&#10;Description automatically generated">
+            <a:extLst>
+              <a:ext uri="{FF2B5EF4-FFF2-40B4-BE49-F238E27FC236}">
+                <a16:creationId xmlns:a16="http://schemas.microsoft.com/office/drawing/2014/main" id="{B9CEA0B5-C059-43BC-989E-2D72E65AD290}"/>
+              </a:ext>
+            </a:extLst>
+          </p:cNvPr>
+          <p:cNvPicPr>
+            <a:picLocks noGrp="1" noChangeAspect="1"/>
+          </p:cNvPicPr>
+          <p:nvPr>
+            <p:ph idx="1"/>
+          </p:nvPr>
+        </p:nvPicPr>
+        <p:blipFill>
+          <a:blip r:embed="rId2"/>
+          <a:stretch>
+            <a:fillRect/>
+          </a:stretch>
+        </p:blipFill>
+        <p:spPr>
+          <a:xfrm>
+            <a:off x="2287741" y="1825625"/>
+            <a:ext cx="7616518" cy="4351338"/>
+          </a:xfrm>
+        </p:spPr>
+      </p:pic>
+    </p:spTree>
+    <p:extLst>
+      <p:ext uri="{BB962C8B-B14F-4D97-AF65-F5344CB8AC3E}">
+        <p14:creationId xmlns:p14="http://schemas.microsoft.com/office/powerpoint/2010/main" val="2254487651"/>
       </p:ext>
     </p:extLst>
   </p:cSld>

--- a/documentation/Presentation.pptx
+++ b/documentation/Presentation.pptx
@@ -6,8 +6,8 @@
   </p:sldMasterIdLst>
   <p:sldIdLst>
     <p:sldId id="256" r:id="rId2"/>
-    <p:sldId id="257" r:id="rId3"/>
-    <p:sldId id="258" r:id="rId4"/>
+    <p:sldId id="258" r:id="rId3"/>
+    <p:sldId id="257" r:id="rId4"/>
     <p:sldId id="259" r:id="rId5"/>
     <p:sldId id="260" r:id="rId6"/>
     <p:sldId id="261" r:id="rId7"/>
@@ -262,7 +262,7 @@
           <a:p>
             <a:fld id="{846CE7D5-CF57-46EF-B807-FDD0502418D4}" type="datetimeFigureOut">
               <a:rPr lang="en-US" smtClean="0"/>
-              <a:t>12/8/2021</a:t>
+              <a:t>12/9/21</a:t>
             </a:fld>
             <a:endParaRPr lang="en-US"/>
           </a:p>
@@ -432,7 +432,7 @@
           <a:p>
             <a:fld id="{846CE7D5-CF57-46EF-B807-FDD0502418D4}" type="datetimeFigureOut">
               <a:rPr lang="en-US" smtClean="0"/>
-              <a:t>12/8/2021</a:t>
+              <a:t>12/9/21</a:t>
             </a:fld>
             <a:endParaRPr lang="en-US"/>
           </a:p>
@@ -612,7 +612,7 @@
           <a:p>
             <a:fld id="{846CE7D5-CF57-46EF-B807-FDD0502418D4}" type="datetimeFigureOut">
               <a:rPr lang="en-US" smtClean="0"/>
-              <a:t>12/8/2021</a:t>
+              <a:t>12/9/21</a:t>
             </a:fld>
             <a:endParaRPr lang="en-US"/>
           </a:p>
@@ -782,7 +782,7 @@
           <a:p>
             <a:fld id="{846CE7D5-CF57-46EF-B807-FDD0502418D4}" type="datetimeFigureOut">
               <a:rPr lang="en-US" smtClean="0"/>
-              <a:t>12/8/2021</a:t>
+              <a:t>12/9/21</a:t>
             </a:fld>
             <a:endParaRPr lang="en-US"/>
           </a:p>
@@ -1028,7 +1028,7 @@
           <a:p>
             <a:fld id="{846CE7D5-CF57-46EF-B807-FDD0502418D4}" type="datetimeFigureOut">
               <a:rPr lang="en-US" smtClean="0"/>
-              <a:t>12/8/2021</a:t>
+              <a:t>12/9/21</a:t>
             </a:fld>
             <a:endParaRPr lang="en-US"/>
           </a:p>
@@ -1260,7 +1260,7 @@
           <a:p>
             <a:fld id="{846CE7D5-CF57-46EF-B807-FDD0502418D4}" type="datetimeFigureOut">
               <a:rPr lang="en-US" smtClean="0"/>
-              <a:t>12/8/2021</a:t>
+              <a:t>12/9/21</a:t>
             </a:fld>
             <a:endParaRPr lang="en-US"/>
           </a:p>
@@ -1627,7 +1627,7 @@
           <a:p>
             <a:fld id="{846CE7D5-CF57-46EF-B807-FDD0502418D4}" type="datetimeFigureOut">
               <a:rPr lang="en-US" smtClean="0"/>
-              <a:t>12/8/2021</a:t>
+              <a:t>12/9/21</a:t>
             </a:fld>
             <a:endParaRPr lang="en-US"/>
           </a:p>
@@ -1745,7 +1745,7 @@
           <a:p>
             <a:fld id="{846CE7D5-CF57-46EF-B807-FDD0502418D4}" type="datetimeFigureOut">
               <a:rPr lang="en-US" smtClean="0"/>
-              <a:t>12/8/2021</a:t>
+              <a:t>12/9/21</a:t>
             </a:fld>
             <a:endParaRPr lang="en-US"/>
           </a:p>
@@ -1840,7 +1840,7 @@
           <a:p>
             <a:fld id="{846CE7D5-CF57-46EF-B807-FDD0502418D4}" type="datetimeFigureOut">
               <a:rPr lang="en-US" smtClean="0"/>
-              <a:t>12/8/2021</a:t>
+              <a:t>12/9/21</a:t>
             </a:fld>
             <a:endParaRPr lang="en-US"/>
           </a:p>
@@ -2117,7 +2117,7 @@
           <a:p>
             <a:fld id="{846CE7D5-CF57-46EF-B807-FDD0502418D4}" type="datetimeFigureOut">
               <a:rPr lang="en-US" smtClean="0"/>
-              <a:t>12/8/2021</a:t>
+              <a:t>12/9/21</a:t>
             </a:fld>
             <a:endParaRPr lang="en-US"/>
           </a:p>
@@ -2374,7 +2374,7 @@
           <a:p>
             <a:fld id="{846CE7D5-CF57-46EF-B807-FDD0502418D4}" type="datetimeFigureOut">
               <a:rPr lang="en-US" smtClean="0"/>
-              <a:t>12/8/2021</a:t>
+              <a:t>12/9/21</a:t>
             </a:fld>
             <a:endParaRPr lang="en-US"/>
           </a:p>
@@ -2587,7 +2587,7 @@
           <a:p>
             <a:fld id="{846CE7D5-CF57-46EF-B807-FDD0502418D4}" type="datetimeFigureOut">
               <a:rPr lang="en-US" smtClean="0"/>
-              <a:t>12/8/2021</a:t>
+              <a:t>12/9/21</a:t>
             </a:fld>
             <a:endParaRPr lang="en-US"/>
           </a:p>
@@ -3541,6 +3541,144 @@
           <p:cNvPr id="2" name="Title 1">
             <a:extLst>
               <a:ext uri="{FF2B5EF4-FFF2-40B4-BE49-F238E27FC236}">
+                <a16:creationId xmlns:a16="http://schemas.microsoft.com/office/drawing/2014/main" id="{A7975F15-912D-4F75-AED8-3F985A1FC6BB}"/>
+              </a:ext>
+            </a:extLst>
+          </p:cNvPr>
+          <p:cNvSpPr>
+            <a:spLocks noGrp="1"/>
+          </p:cNvSpPr>
+          <p:nvPr>
+            <p:ph type="title"/>
+          </p:nvPr>
+        </p:nvSpPr>
+        <p:spPr/>
+        <p:txBody>
+          <a:bodyPr/>
+          <a:lstStyle/>
+          <a:p>
+            <a:r>
+              <a:rPr lang="en-US" dirty="0" err="1">
+                <a:cs typeface="Calibri Light"/>
+              </a:rPr>
+              <a:t>Rozdelenie</a:t>
+            </a:r>
+            <a:r>
+              <a:rPr lang="en-US" dirty="0">
+                <a:cs typeface="Calibri Light"/>
+              </a:rPr>
+              <a:t> </a:t>
+            </a:r>
+            <a:r>
+              <a:rPr lang="en-US" dirty="0" err="1">
+                <a:cs typeface="Calibri Light"/>
+              </a:rPr>
+              <a:t>práce</a:t>
+            </a:r>
+            <a:endParaRPr lang="en-US" dirty="0" err="1"/>
+          </a:p>
+        </p:txBody>
+      </p:sp>
+      <p:pic>
+        <p:nvPicPr>
+          <p:cNvPr id="4" name="Picture 4" descr="Text&#10;&#10;Description automatically generated">
+            <a:extLst>
+              <a:ext uri="{FF2B5EF4-FFF2-40B4-BE49-F238E27FC236}">
+                <a16:creationId xmlns:a16="http://schemas.microsoft.com/office/drawing/2014/main" id="{D5C8F9B8-B995-4EF9-A38E-B298D807527F}"/>
+              </a:ext>
+            </a:extLst>
+          </p:cNvPr>
+          <p:cNvPicPr>
+            <a:picLocks noGrp="1" noChangeAspect="1"/>
+          </p:cNvPicPr>
+          <p:nvPr>
+            <p:ph idx="1"/>
+          </p:nvPr>
+        </p:nvPicPr>
+        <p:blipFill>
+          <a:blip r:embed="rId2"/>
+          <a:stretch>
+            <a:fillRect/>
+          </a:stretch>
+        </p:blipFill>
+        <p:spPr>
+          <a:xfrm>
+            <a:off x="956498" y="1690688"/>
+            <a:ext cx="5248275" cy="1647825"/>
+          </a:xfrm>
+        </p:spPr>
+      </p:pic>
+      <p:pic>
+        <p:nvPicPr>
+          <p:cNvPr id="5" name="Picture 4">
+            <a:extLst>
+              <a:ext uri="{FF2B5EF4-FFF2-40B4-BE49-F238E27FC236}">
+                <a16:creationId xmlns:a16="http://schemas.microsoft.com/office/drawing/2014/main" id="{027052AC-024F-1943-8B77-E2C0B2D262EE}"/>
+              </a:ext>
+            </a:extLst>
+          </p:cNvPr>
+          <p:cNvPicPr>
+            <a:picLocks noChangeAspect="1"/>
+          </p:cNvPicPr>
+          <p:nvPr/>
+        </p:nvPicPr>
+        <p:blipFill>
+          <a:blip r:embed="rId3">
+            <a:extLst>
+              <a:ext uri="{28A0092B-C50C-407E-A947-70E740481C1C}">
+                <a14:useLocalDpi xmlns:a14="http://schemas.microsoft.com/office/drawing/2010/main" val="0"/>
+              </a:ext>
+            </a:extLst>
+          </a:blip>
+          <a:stretch>
+            <a:fillRect/>
+          </a:stretch>
+        </p:blipFill>
+        <p:spPr>
+          <a:xfrm>
+            <a:off x="6658386" y="1377950"/>
+            <a:ext cx="4241800" cy="4102100"/>
+          </a:xfrm>
+          <a:prstGeom prst="rect">
+            <a:avLst/>
+          </a:prstGeom>
+        </p:spPr>
+      </p:pic>
+    </p:spTree>
+    <p:extLst>
+      <p:ext uri="{BB962C8B-B14F-4D97-AF65-F5344CB8AC3E}">
+        <p14:creationId xmlns:p14="http://schemas.microsoft.com/office/powerpoint/2010/main" val="1826452686"/>
+      </p:ext>
+    </p:extLst>
+  </p:cSld>
+  <p:clrMapOvr>
+    <a:masterClrMapping/>
+  </p:clrMapOvr>
+</p:sld>
+</file>
+
+<file path=ppt/slides/slide3.xml><?xml version="1.0" encoding="utf-8"?>
+<p:sld xmlns:a="http://schemas.openxmlformats.org/drawingml/2006/main" xmlns:r="http://schemas.openxmlformats.org/officeDocument/2006/relationships" xmlns:p="http://schemas.openxmlformats.org/presentationml/2006/main">
+  <p:cSld>
+    <p:spTree>
+      <p:nvGrpSpPr>
+        <p:cNvPr id="1" name=""/>
+        <p:cNvGrpSpPr/>
+        <p:nvPr/>
+      </p:nvGrpSpPr>
+      <p:grpSpPr>
+        <a:xfrm>
+          <a:off x="0" y="0"/>
+          <a:ext cx="0" cy="0"/>
+          <a:chOff x="0" y="0"/>
+          <a:chExt cx="0" cy="0"/>
+        </a:xfrm>
+      </p:grpSpPr>
+      <p:sp>
+        <p:nvSpPr>
+          <p:cNvPr id="2" name="Title 1">
+            <a:extLst>
+              <a:ext uri="{FF2B5EF4-FFF2-40B4-BE49-F238E27FC236}">
                 <a16:creationId xmlns:a16="http://schemas.microsoft.com/office/drawing/2014/main" id="{E0C48C80-925A-47F8-B3CC-652D98966866}"/>
               </a:ext>
             </a:extLst>
@@ -3964,108 +4102,6 @@
 </p:sld>
 </file>
 
-<file path=ppt/slides/slide3.xml><?xml version="1.0" encoding="utf-8"?>
-<p:sld xmlns:a="http://schemas.openxmlformats.org/drawingml/2006/main" xmlns:r="http://schemas.openxmlformats.org/officeDocument/2006/relationships" xmlns:p="http://schemas.openxmlformats.org/presentationml/2006/main">
-  <p:cSld>
-    <p:spTree>
-      <p:nvGrpSpPr>
-        <p:cNvPr id="1" name=""/>
-        <p:cNvGrpSpPr/>
-        <p:nvPr/>
-      </p:nvGrpSpPr>
-      <p:grpSpPr>
-        <a:xfrm>
-          <a:off x="0" y="0"/>
-          <a:ext cx="0" cy="0"/>
-          <a:chOff x="0" y="0"/>
-          <a:chExt cx="0" cy="0"/>
-        </a:xfrm>
-      </p:grpSpPr>
-      <p:sp>
-        <p:nvSpPr>
-          <p:cNvPr id="2" name="Title 1">
-            <a:extLst>
-              <a:ext uri="{FF2B5EF4-FFF2-40B4-BE49-F238E27FC236}">
-                <a16:creationId xmlns:a16="http://schemas.microsoft.com/office/drawing/2014/main" id="{A7975F15-912D-4F75-AED8-3F985A1FC6BB}"/>
-              </a:ext>
-            </a:extLst>
-          </p:cNvPr>
-          <p:cNvSpPr>
-            <a:spLocks noGrp="1"/>
-          </p:cNvSpPr>
-          <p:nvPr>
-            <p:ph type="title"/>
-          </p:nvPr>
-        </p:nvSpPr>
-        <p:spPr/>
-        <p:txBody>
-          <a:bodyPr/>
-          <a:lstStyle/>
-          <a:p>
-            <a:r>
-              <a:rPr lang="en-US" dirty="0" err="1">
-                <a:cs typeface="Calibri Light"/>
-              </a:rPr>
-              <a:t>Rozdelenie</a:t>
-            </a:r>
-            <a:r>
-              <a:rPr lang="en-US" dirty="0">
-                <a:cs typeface="Calibri Light"/>
-              </a:rPr>
-              <a:t> </a:t>
-            </a:r>
-            <a:r>
-              <a:rPr lang="en-US" dirty="0" err="1">
-                <a:cs typeface="Calibri Light"/>
-              </a:rPr>
-              <a:t>práce</a:t>
-            </a:r>
-            <a:endParaRPr lang="en-US" dirty="0" err="1"/>
-          </a:p>
-        </p:txBody>
-      </p:sp>
-      <p:pic>
-        <p:nvPicPr>
-          <p:cNvPr id="4" name="Picture 4" descr="Text&#10;&#10;Description automatically generated">
-            <a:extLst>
-              <a:ext uri="{FF2B5EF4-FFF2-40B4-BE49-F238E27FC236}">
-                <a16:creationId xmlns:a16="http://schemas.microsoft.com/office/drawing/2014/main" id="{D5C8F9B8-B995-4EF9-A38E-B298D807527F}"/>
-              </a:ext>
-            </a:extLst>
-          </p:cNvPr>
-          <p:cNvPicPr>
-            <a:picLocks noGrp="1" noChangeAspect="1"/>
-          </p:cNvPicPr>
-          <p:nvPr>
-            <p:ph idx="1"/>
-          </p:nvPr>
-        </p:nvPicPr>
-        <p:blipFill>
-          <a:blip r:embed="rId2"/>
-          <a:stretch>
-            <a:fillRect/>
-          </a:stretch>
-        </p:blipFill>
-        <p:spPr>
-          <a:xfrm>
-            <a:off x="776984" y="1783479"/>
-            <a:ext cx="5248275" cy="1647825"/>
-          </a:xfrm>
-        </p:spPr>
-      </p:pic>
-    </p:spTree>
-    <p:extLst>
-      <p:ext uri="{BB962C8B-B14F-4D97-AF65-F5344CB8AC3E}">
-        <p14:creationId xmlns:p14="http://schemas.microsoft.com/office/powerpoint/2010/main" val="1826452686"/>
-      </p:ext>
-    </p:extLst>
-  </p:cSld>
-  <p:clrMapOvr>
-    <a:masterClrMapping/>
-  </p:clrMapOvr>
-</p:sld>
-</file>
-
 <file path=ppt/slides/slide4.xml><?xml version="1.0" encoding="utf-8"?>
 <p:sld xmlns:a="http://schemas.openxmlformats.org/drawingml/2006/main" xmlns:r="http://schemas.openxmlformats.org/officeDocument/2006/relationships" xmlns:p="http://schemas.openxmlformats.org/presentationml/2006/main">
   <p:cSld>
@@ -4148,7 +4184,7 @@
         </p:blipFill>
         <p:spPr>
           <a:xfrm>
-            <a:off x="6898889" y="2416196"/>
+            <a:off x="1165657" y="3407963"/>
             <a:ext cx="3124200" cy="2239338"/>
           </a:xfrm>
           <a:prstGeom prst="rect">
@@ -4156,6 +4192,131 @@
           </a:prstGeom>
         </p:spPr>
       </p:pic>
+      <p:sp>
+        <p:nvSpPr>
+          <p:cNvPr id="3" name="TextBox 2">
+            <a:extLst>
+              <a:ext uri="{FF2B5EF4-FFF2-40B4-BE49-F238E27FC236}">
+                <a16:creationId xmlns:a16="http://schemas.microsoft.com/office/drawing/2014/main" id="{52E2C29F-BB72-434A-8293-4AF1A2C6D112}"/>
+              </a:ext>
+            </a:extLst>
+          </p:cNvPr>
+          <p:cNvSpPr txBox="1"/>
+          <p:nvPr/>
+        </p:nvSpPr>
+        <p:spPr>
+          <a:xfrm>
+            <a:off x="886351" y="2137340"/>
+            <a:ext cx="3938771" cy="646331"/>
+          </a:xfrm>
+          <a:prstGeom prst="rect">
+            <a:avLst/>
+          </a:prstGeom>
+          <a:noFill/>
+        </p:spPr>
+        <p:txBody>
+          <a:bodyPr wrap="none" rtlCol="0">
+            <a:spAutoFit/>
+          </a:bodyPr>
+          <a:lstStyle/>
+          <a:p>
+            <a:pPr marL="285750" indent="-285750">
+              <a:buFontTx/>
+              <a:buChar char="-"/>
+            </a:pPr>
+            <a:r>
+              <a:rPr lang="en-GB" dirty="0" err="1"/>
+              <a:t>Deterministický</a:t>
+            </a:r>
+            <a:r>
+              <a:rPr lang="en-GB" dirty="0"/>
+              <a:t> </a:t>
+            </a:r>
+            <a:r>
+              <a:rPr lang="en-GB" dirty="0" err="1"/>
+              <a:t>konečný</a:t>
+            </a:r>
+            <a:r>
+              <a:rPr lang="en-GB" dirty="0"/>
+              <a:t> automat</a:t>
+            </a:r>
+          </a:p>
+          <a:p>
+            <a:pPr marL="285750" indent="-285750">
+              <a:buFontTx/>
+              <a:buChar char="-"/>
+            </a:pPr>
+            <a:r>
+              <a:rPr lang="en-GB" dirty="0" err="1"/>
+              <a:t>Ukladanie</a:t>
+            </a:r>
+            <a:r>
+              <a:rPr lang="en-GB" dirty="0"/>
+              <a:t> </a:t>
+            </a:r>
+            <a:r>
+              <a:rPr lang="en-GB" dirty="0" err="1"/>
+              <a:t>zistených</a:t>
+            </a:r>
+            <a:r>
+              <a:rPr lang="en-GB" dirty="0"/>
+              <a:t> </a:t>
+            </a:r>
+            <a:r>
+              <a:rPr lang="en-GB" dirty="0" err="1"/>
+              <a:t>atribútov</a:t>
+            </a:r>
+            <a:r>
+              <a:rPr lang="en-GB" dirty="0"/>
+              <a:t> </a:t>
+            </a:r>
+            <a:r>
+              <a:rPr lang="en-GB" dirty="0" err="1"/>
+              <a:t>toknov</a:t>
+            </a:r>
+            <a:endParaRPr lang="en-GB" dirty="0"/>
+          </a:p>
+        </p:txBody>
+      </p:sp>
+      <p:sp>
+        <p:nvSpPr>
+          <p:cNvPr id="4" name="TextBox 3">
+            <a:extLst>
+              <a:ext uri="{FF2B5EF4-FFF2-40B4-BE49-F238E27FC236}">
+                <a16:creationId xmlns:a16="http://schemas.microsoft.com/office/drawing/2014/main" id="{26871D94-2B78-204A-9A69-7D8D895B730F}"/>
+              </a:ext>
+            </a:extLst>
+          </p:cNvPr>
+          <p:cNvSpPr txBox="1"/>
+          <p:nvPr/>
+        </p:nvSpPr>
+        <p:spPr>
+          <a:xfrm>
+            <a:off x="8212770" y="3567843"/>
+            <a:ext cx="2636684" cy="369332"/>
+          </a:xfrm>
+          <a:prstGeom prst="rect">
+            <a:avLst/>
+          </a:prstGeom>
+          <a:noFill/>
+        </p:spPr>
+        <p:txBody>
+          <a:bodyPr wrap="none" rtlCol="0">
+            <a:spAutoFit/>
+          </a:bodyPr>
+          <a:lstStyle/>
+          <a:p>
+            <a:r>
+              <a:rPr lang="en-GB" dirty="0"/>
+              <a:t>O</a:t>
+            </a:r>
+            <a:r>
+              <a:rPr lang="en-SK" dirty="0"/>
+              <a:t>brazok konecny automat</a:t>
+            </a:r>
+          </a:p>
+        </p:txBody>
+      </p:sp>
     </p:spTree>
     <p:extLst>
       <p:ext uri="{BB962C8B-B14F-4D97-AF65-F5344CB8AC3E}">
@@ -4258,6 +4419,83 @@
           </a:xfrm>
         </p:spPr>
       </p:pic>
+      <p:sp>
+        <p:nvSpPr>
+          <p:cNvPr id="4" name="TextBox 3">
+            <a:extLst>
+              <a:ext uri="{FF2B5EF4-FFF2-40B4-BE49-F238E27FC236}">
+                <a16:creationId xmlns:a16="http://schemas.microsoft.com/office/drawing/2014/main" id="{3B41E830-1DCE-3E4C-B9FC-102485C9DC26}"/>
+              </a:ext>
+            </a:extLst>
+          </p:cNvPr>
+          <p:cNvSpPr txBox="1"/>
+          <p:nvPr/>
+        </p:nvSpPr>
+        <p:spPr>
+          <a:xfrm>
+            <a:off x="1514650" y="2384172"/>
+            <a:ext cx="3898375" cy="923330"/>
+          </a:xfrm>
+          <a:prstGeom prst="rect">
+            <a:avLst/>
+          </a:prstGeom>
+          <a:noFill/>
+        </p:spPr>
+        <p:txBody>
+          <a:bodyPr wrap="none" rtlCol="0">
+            <a:spAutoFit/>
+          </a:bodyPr>
+          <a:lstStyle/>
+          <a:p>
+            <a:r>
+              <a:rPr lang="en-SK" dirty="0"/>
+              <a:t>-  Hlavný modul prekladača</a:t>
+            </a:r>
+          </a:p>
+          <a:p>
+            <a:r>
+              <a:rPr lang="en-GB" dirty="0"/>
+              <a:t>- </a:t>
+            </a:r>
+            <a:r>
+              <a:rPr lang="en-GB" dirty="0" err="1"/>
+              <a:t>Metóda</a:t>
+            </a:r>
+            <a:r>
+              <a:rPr lang="en-GB" dirty="0"/>
+              <a:t> </a:t>
+            </a:r>
+            <a:r>
+              <a:rPr lang="en-GB" dirty="0" err="1"/>
+              <a:t>zhora</a:t>
+            </a:r>
+            <a:r>
+              <a:rPr lang="en-GB" dirty="0"/>
+              <a:t> dole - </a:t>
+            </a:r>
+            <a:r>
+              <a:rPr lang="en-GB" dirty="0" err="1"/>
+              <a:t>rekurzivny</a:t>
+            </a:r>
+            <a:r>
+              <a:rPr lang="en-GB" dirty="0"/>
+              <a:t> </a:t>
+            </a:r>
+            <a:r>
+              <a:rPr lang="en-GB" dirty="0" err="1"/>
+              <a:t>zostup</a:t>
+            </a:r>
+            <a:endParaRPr lang="en-GB" dirty="0"/>
+          </a:p>
+          <a:p>
+            <a:pPr marL="285750" indent="-285750">
+              <a:buFontTx/>
+              <a:buChar char="-"/>
+            </a:pPr>
+            <a:endParaRPr lang="en-GB" dirty="0"/>
+          </a:p>
+        </p:txBody>
+      </p:sp>
     </p:spTree>
     <p:extLst>
       <p:ext uri="{BB962C8B-B14F-4D97-AF65-F5344CB8AC3E}">
@@ -4365,7 +4603,7 @@
         </p:blipFill>
         <p:spPr>
           <a:xfrm>
-            <a:off x="4724400" y="2604837"/>
+            <a:off x="6196520" y="3110676"/>
             <a:ext cx="4257907" cy="2559008"/>
           </a:xfrm>
           <a:prstGeom prst="rect">
@@ -4375,26 +4613,97 @@
       </p:pic>
       <p:sp>
         <p:nvSpPr>
-          <p:cNvPr id="6" name="Content Placeholder 5">
+          <p:cNvPr id="4" name="TextBox 3">
             <a:extLst>
               <a:ext uri="{FF2B5EF4-FFF2-40B4-BE49-F238E27FC236}">
-                <a16:creationId xmlns:a16="http://schemas.microsoft.com/office/drawing/2014/main" id="{C739E650-E1FB-476E-8C4F-FF4B4AA2526C}"/>
+                <a16:creationId xmlns:a16="http://schemas.microsoft.com/office/drawing/2014/main" id="{2717F4EA-B734-D14F-895F-5BE310671C15}"/>
               </a:ext>
             </a:extLst>
           </p:cNvPr>
-          <p:cNvSpPr>
-            <a:spLocks noGrp="1"/>
-          </p:cNvSpPr>
-          <p:nvPr>
-            <p:ph idx="1"/>
-          </p:nvPr>
-        </p:nvSpPr>
-        <p:spPr/>
-        <p:txBody>
-          <a:bodyPr/>
-          <a:lstStyle/>
-          <a:p>
-            <a:endParaRPr lang="en-US"/>
+          <p:cNvSpPr txBox="1"/>
+          <p:nvPr/>
+        </p:nvSpPr>
+        <p:spPr>
+          <a:xfrm>
+            <a:off x="838200" y="1828800"/>
+            <a:ext cx="4431983" cy="1200329"/>
+          </a:xfrm>
+          <a:prstGeom prst="rect">
+            <a:avLst/>
+          </a:prstGeom>
+          <a:noFill/>
+        </p:spPr>
+        <p:txBody>
+          <a:bodyPr wrap="none" rtlCol="0">
+            <a:spAutoFit/>
+          </a:bodyPr>
+          <a:lstStyle/>
+          <a:p>
+            <a:pPr marL="285750" indent="-285750">
+              <a:buFontTx/>
+              <a:buChar char="-"/>
+            </a:pPr>
+            <a:r>
+              <a:rPr lang="en-SK" dirty="0"/>
+              <a:t>Modul na spracovanie vyrazu</a:t>
+            </a:r>
+          </a:p>
+          <a:p>
+            <a:pPr marL="285750" indent="-285750">
+              <a:buFontTx/>
+              <a:buChar char="-"/>
+            </a:pPr>
+            <a:r>
+              <a:rPr lang="en-GB" dirty="0" err="1"/>
+              <a:t>Metóda</a:t>
+            </a:r>
+            <a:r>
+              <a:rPr lang="en-GB" dirty="0"/>
+              <a:t> </a:t>
+            </a:r>
+            <a:r>
+              <a:rPr lang="en-GB" dirty="0" err="1"/>
+              <a:t>zdola</a:t>
+            </a:r>
+            <a:r>
+              <a:rPr lang="en-GB" dirty="0"/>
+              <a:t> </a:t>
+            </a:r>
+            <a:r>
+              <a:rPr lang="en-GB" dirty="0" err="1"/>
+              <a:t>hore</a:t>
+            </a:r>
+            <a:r>
+              <a:rPr lang="en-GB" dirty="0"/>
+              <a:t> – </a:t>
+            </a:r>
+            <a:r>
+              <a:rPr lang="en-GB" dirty="0" err="1"/>
+              <a:t>precedencna</a:t>
+            </a:r>
+            <a:r>
+              <a:rPr lang="en-GB" dirty="0"/>
+              <a:t> </a:t>
+            </a:r>
+            <a:r>
+              <a:rPr lang="en-GB" dirty="0" err="1"/>
+              <a:t>tabulka</a:t>
+            </a:r>
+            <a:endParaRPr lang="en-GB" dirty="0"/>
+          </a:p>
+          <a:p>
+            <a:pPr marL="285750" indent="-285750">
+              <a:buFontTx/>
+              <a:buChar char="-"/>
+            </a:pPr>
+            <a:endParaRPr lang="en-GB" dirty="0"/>
+          </a:p>
+          <a:p>
+            <a:pPr marL="285750" indent="-285750">
+              <a:buFontTx/>
+              <a:buChar char="-"/>
+            </a:pPr>
+            <a:endParaRPr lang="en-SK" dirty="0"/>
           </a:p>
         </p:txBody>
       </p:sp>
@@ -4453,7 +4762,7 @@
               <a:rPr lang="en-US" dirty="0" err="1">
                 <a:cs typeface="Calibri Light"/>
               </a:rPr>
-              <a:t>Tabuľka</a:t>
+              <a:t>Semtanticke</a:t>
             </a:r>
             <a:r>
               <a:rPr lang="en-US" dirty="0">
@@ -4465,9 +4774,9 @@
               <a:rPr lang="en-US" dirty="0" err="1">
                 <a:cs typeface="Calibri Light"/>
               </a:rPr>
-              <a:t>symbolov</a:t>
-            </a:r>
-            <a:endParaRPr lang="en-US" dirty="0" err="1"/>
+              <a:t>akcie</a:t>
+            </a:r>
+            <a:endParaRPr lang="en-US" dirty="0"/>
           </a:p>
         </p:txBody>
       </p:sp>
@@ -4495,11 +4804,50 @@
         </p:blipFill>
         <p:spPr>
           <a:xfrm>
-            <a:off x="6997663" y="1980998"/>
+            <a:off x="6018411" y="1812385"/>
             <a:ext cx="3743325" cy="3686175"/>
           </a:xfrm>
         </p:spPr>
       </p:pic>
+      <p:sp>
+        <p:nvSpPr>
+          <p:cNvPr id="3" name="TextBox 2">
+            <a:extLst>
+              <a:ext uri="{FF2B5EF4-FFF2-40B4-BE49-F238E27FC236}">
+                <a16:creationId xmlns:a16="http://schemas.microsoft.com/office/drawing/2014/main" id="{0248F213-8E81-5042-82A1-143C2D42254F}"/>
+              </a:ext>
+            </a:extLst>
+          </p:cNvPr>
+          <p:cNvSpPr txBox="1"/>
+          <p:nvPr/>
+        </p:nvSpPr>
+        <p:spPr>
+          <a:xfrm>
+            <a:off x="901430" y="1690688"/>
+            <a:ext cx="3604513" cy="369332"/>
+          </a:xfrm>
+          <a:prstGeom prst="rect">
+            <a:avLst/>
+          </a:prstGeom>
+          <a:noFill/>
+        </p:spPr>
+        <p:txBody>
+          <a:bodyPr wrap="none" rtlCol="0">
+            <a:spAutoFit/>
+          </a:bodyPr>
+          <a:lstStyle/>
+          <a:p>
+            <a:pPr marL="285750" indent="-285750">
+              <a:buFontTx/>
+              <a:buChar char="-"/>
+            </a:pPr>
+            <a:r>
+              <a:rPr lang="en-SK" dirty="0"/>
+              <a:t>Tabulka s rozptylenymi polozkami</a:t>
+            </a:r>
+          </a:p>
+        </p:txBody>
+      </p:sp>
     </p:spTree>
     <p:extLst>
       <p:ext uri="{BB962C8B-B14F-4D97-AF65-F5344CB8AC3E}">
@@ -4555,7 +4903,7 @@
               <a:rPr lang="en-US" dirty="0" err="1">
                 <a:cs typeface="Calibri Light"/>
               </a:rPr>
-              <a:t>Generátor</a:t>
+              <a:t>Generovanie</a:t>
             </a:r>
             <a:r>
               <a:rPr lang="en-US" dirty="0">
@@ -4569,7 +4917,7 @@
               </a:rPr>
               <a:t>kódu</a:t>
             </a:r>
-            <a:endParaRPr lang="en-US" dirty="0" err="1"/>
+            <a:endParaRPr lang="en-US" dirty="0"/>
           </a:p>
         </p:txBody>
       </p:sp>
@@ -4602,6 +4950,121 @@
           </a:xfrm>
         </p:spPr>
       </p:pic>
+      <p:sp>
+        <p:nvSpPr>
+          <p:cNvPr id="7" name="TextBox 6">
+            <a:extLst>
+              <a:ext uri="{FF2B5EF4-FFF2-40B4-BE49-F238E27FC236}">
+                <a16:creationId xmlns:a16="http://schemas.microsoft.com/office/drawing/2014/main" id="{34886D45-BEFE-9F4C-A320-375B3F54572B}"/>
+              </a:ext>
+            </a:extLst>
+          </p:cNvPr>
+          <p:cNvSpPr txBox="1"/>
+          <p:nvPr/>
+        </p:nvSpPr>
+        <p:spPr>
+          <a:xfrm>
+            <a:off x="1024648" y="2029838"/>
+            <a:ext cx="2568332" cy="1477328"/>
+          </a:xfrm>
+          <a:prstGeom prst="rect">
+            <a:avLst/>
+          </a:prstGeom>
+          <a:noFill/>
+        </p:spPr>
+        <p:txBody>
+          <a:bodyPr wrap="none" rtlCol="0">
+            <a:spAutoFit/>
+          </a:bodyPr>
+          <a:lstStyle/>
+          <a:p>
+            <a:r>
+              <a:rPr lang="en-SK" dirty="0"/>
+              <a:t>- </a:t>
+            </a:r>
+            <a:r>
+              <a:rPr lang="en-GB" dirty="0" err="1"/>
+              <a:t>Implementácia</a:t>
+            </a:r>
+            <a:r>
+              <a:rPr lang="en-GB" dirty="0"/>
+              <a:t> </a:t>
+            </a:r>
+          </a:p>
+          <a:p>
+            <a:r>
+              <a:rPr lang="en-SK" dirty="0"/>
+              <a:t>- </a:t>
+            </a:r>
+            <a:r>
+              <a:rPr lang="en-GB" dirty="0" err="1"/>
+              <a:t>Deklarácie</a:t>
+            </a:r>
+            <a:r>
+              <a:rPr lang="en-GB" dirty="0"/>
+              <a:t> </a:t>
+            </a:r>
+            <a:r>
+              <a:rPr lang="en-GB" dirty="0" err="1"/>
+              <a:t>premenných</a:t>
+            </a:r>
+            <a:r>
+              <a:rPr lang="en-GB" dirty="0"/>
+              <a:t> </a:t>
+            </a:r>
+          </a:p>
+          <a:p>
+            <a:r>
+              <a:rPr lang="en-SK" dirty="0"/>
+              <a:t>- </a:t>
+            </a:r>
+            <a:r>
+              <a:rPr lang="en-GB" dirty="0" err="1"/>
+              <a:t>Funkcie</a:t>
+            </a:r>
+            <a:r>
+              <a:rPr lang="en-GB" dirty="0"/>
+              <a:t> </a:t>
+            </a:r>
+          </a:p>
+          <a:p>
+            <a:r>
+              <a:rPr lang="en-SK" dirty="0"/>
+              <a:t>- </a:t>
+            </a:r>
+            <a:r>
+              <a:rPr lang="en-GB" dirty="0" err="1"/>
+              <a:t>Výrazy</a:t>
+            </a:r>
+            <a:r>
+              <a:rPr lang="en-GB" dirty="0"/>
+              <a:t> </a:t>
+            </a:r>
+          </a:p>
+          <a:p>
+            <a:r>
+              <a:rPr lang="en-SK" dirty="0"/>
+              <a:t>- </a:t>
+            </a:r>
+            <a:r>
+              <a:rPr lang="en-GB" dirty="0" err="1"/>
+              <a:t>Podmienky</a:t>
+            </a:r>
+            <a:r>
+              <a:rPr lang="en-GB" dirty="0"/>
+              <a:t> a </a:t>
+            </a:r>
+            <a:r>
+              <a:rPr lang="en-GB" dirty="0" err="1"/>
+              <a:t>cykly</a:t>
+            </a:r>
+            <a:r>
+              <a:rPr lang="en-GB" dirty="0"/>
+              <a:t> </a:t>
+            </a:r>
+          </a:p>
+        </p:txBody>
+      </p:sp>
     </p:spTree>
     <p:extLst>
       <p:ext uri="{BB962C8B-B14F-4D97-AF65-F5344CB8AC3E}">
@@ -4654,12 +5117,10 @@
           <a:lstStyle/>
           <a:p>
             <a:r>
-              <a:rPr lang="en-US" dirty="0" err="1">
-                <a:cs typeface="Calibri Light"/>
-              </a:rPr>
-              <a:t>Súhrn</a:t>
-            </a:r>
-            <a:endParaRPr lang="en-US" dirty="0" err="1"/>
+              <a:rPr lang="en-US" dirty="0" err="1"/>
+              <a:t>Zaver</a:t>
+            </a:r>
+            <a:endParaRPr lang="en-US" dirty="0"/>
           </a:p>
         </p:txBody>
       </p:sp>

--- a/documentation/Presentation.pptx
+++ b/documentation/Presentation.pptx
@@ -6,15 +6,13 @@
   </p:sldMasterIdLst>
   <p:sldIdLst>
     <p:sldId id="256" r:id="rId2"/>
-    <p:sldId id="258" r:id="rId3"/>
-    <p:sldId id="257" r:id="rId4"/>
-    <p:sldId id="259" r:id="rId5"/>
-    <p:sldId id="260" r:id="rId6"/>
-    <p:sldId id="261" r:id="rId7"/>
-    <p:sldId id="262" r:id="rId8"/>
-    <p:sldId id="263" r:id="rId9"/>
-    <p:sldId id="264" r:id="rId10"/>
-    <p:sldId id="265" r:id="rId11"/>
+    <p:sldId id="257" r:id="rId3"/>
+    <p:sldId id="259" r:id="rId4"/>
+    <p:sldId id="260" r:id="rId5"/>
+    <p:sldId id="261" r:id="rId6"/>
+    <p:sldId id="262" r:id="rId7"/>
+    <p:sldId id="263" r:id="rId8"/>
+    <p:sldId id="264" r:id="rId9"/>
   </p:sldIdLst>
   <p:sldSz cx="12192000" cy="6858000"/>
   <p:notesSz cx="6858000" cy="9144000"/>
@@ -126,6 +124,7 @@
   <p1510:revLst>
     <p1510:client id="{708B79C2-F4E8-4762-99D7-D6BBC320E1A0}" v="328" dt="2021-12-08T20:43:37.195"/>
     <p1510:client id="{824FA83B-A2DD-4695-AAE1-6FE2BB23FC05}" v="76" dt="2021-12-08T16:55:20.365"/>
+    <p1510:client id="{8657D687-9996-4D6E-BB7C-3F2CA8C71D43}" v="663" dt="2021-12-09T16:57:04.022"/>
     <p1510:client id="{D8F48007-FD94-44D9-9024-E1A435B4F43B}" v="547" dt="2021-12-08T16:52:53.286"/>
   </p1510:revLst>
 </p1510:revInfo>
@@ -262,7 +261,7 @@
           <a:p>
             <a:fld id="{846CE7D5-CF57-46EF-B807-FDD0502418D4}" type="datetimeFigureOut">
               <a:rPr lang="en-US" smtClean="0"/>
-              <a:t>12/9/21</a:t>
+              <a:t>12/9/2021</a:t>
             </a:fld>
             <a:endParaRPr lang="en-US"/>
           </a:p>
@@ -432,7 +431,7 @@
           <a:p>
             <a:fld id="{846CE7D5-CF57-46EF-B807-FDD0502418D4}" type="datetimeFigureOut">
               <a:rPr lang="en-US" smtClean="0"/>
-              <a:t>12/9/21</a:t>
+              <a:t>12/9/2021</a:t>
             </a:fld>
             <a:endParaRPr lang="en-US"/>
           </a:p>
@@ -612,7 +611,7 @@
           <a:p>
             <a:fld id="{846CE7D5-CF57-46EF-B807-FDD0502418D4}" type="datetimeFigureOut">
               <a:rPr lang="en-US" smtClean="0"/>
-              <a:t>12/9/21</a:t>
+              <a:t>12/9/2021</a:t>
             </a:fld>
             <a:endParaRPr lang="en-US"/>
           </a:p>
@@ -782,7 +781,7 @@
           <a:p>
             <a:fld id="{846CE7D5-CF57-46EF-B807-FDD0502418D4}" type="datetimeFigureOut">
               <a:rPr lang="en-US" smtClean="0"/>
-              <a:t>12/9/21</a:t>
+              <a:t>12/9/2021</a:t>
             </a:fld>
             <a:endParaRPr lang="en-US"/>
           </a:p>
@@ -1028,7 +1027,7 @@
           <a:p>
             <a:fld id="{846CE7D5-CF57-46EF-B807-FDD0502418D4}" type="datetimeFigureOut">
               <a:rPr lang="en-US" smtClean="0"/>
-              <a:t>12/9/21</a:t>
+              <a:t>12/9/2021</a:t>
             </a:fld>
             <a:endParaRPr lang="en-US"/>
           </a:p>
@@ -1260,7 +1259,7 @@
           <a:p>
             <a:fld id="{846CE7D5-CF57-46EF-B807-FDD0502418D4}" type="datetimeFigureOut">
               <a:rPr lang="en-US" smtClean="0"/>
-              <a:t>12/9/21</a:t>
+              <a:t>12/9/2021</a:t>
             </a:fld>
             <a:endParaRPr lang="en-US"/>
           </a:p>
@@ -1627,7 +1626,7 @@
           <a:p>
             <a:fld id="{846CE7D5-CF57-46EF-B807-FDD0502418D4}" type="datetimeFigureOut">
               <a:rPr lang="en-US" smtClean="0"/>
-              <a:t>12/9/21</a:t>
+              <a:t>12/9/2021</a:t>
             </a:fld>
             <a:endParaRPr lang="en-US"/>
           </a:p>
@@ -1745,7 +1744,7 @@
           <a:p>
             <a:fld id="{846CE7D5-CF57-46EF-B807-FDD0502418D4}" type="datetimeFigureOut">
               <a:rPr lang="en-US" smtClean="0"/>
-              <a:t>12/9/21</a:t>
+              <a:t>12/9/2021</a:t>
             </a:fld>
             <a:endParaRPr lang="en-US"/>
           </a:p>
@@ -1840,7 +1839,7 @@
           <a:p>
             <a:fld id="{846CE7D5-CF57-46EF-B807-FDD0502418D4}" type="datetimeFigureOut">
               <a:rPr lang="en-US" smtClean="0"/>
-              <a:t>12/9/21</a:t>
+              <a:t>12/9/2021</a:t>
             </a:fld>
             <a:endParaRPr lang="en-US"/>
           </a:p>
@@ -2117,7 +2116,7 @@
           <a:p>
             <a:fld id="{846CE7D5-CF57-46EF-B807-FDD0502418D4}" type="datetimeFigureOut">
               <a:rPr lang="en-US" smtClean="0"/>
-              <a:t>12/9/21</a:t>
+              <a:t>12/9/2021</a:t>
             </a:fld>
             <a:endParaRPr lang="en-US"/>
           </a:p>
@@ -2374,7 +2373,7 @@
           <a:p>
             <a:fld id="{846CE7D5-CF57-46EF-B807-FDD0502418D4}" type="datetimeFigureOut">
               <a:rPr lang="en-US" smtClean="0"/>
-              <a:t>12/9/21</a:t>
+              <a:t>12/9/2021</a:t>
             </a:fld>
             <a:endParaRPr lang="en-US"/>
           </a:p>
@@ -2587,7 +2586,7 @@
           <a:p>
             <a:fld id="{846CE7D5-CF57-46EF-B807-FDD0502418D4}" type="datetimeFigureOut">
               <a:rPr lang="en-US" smtClean="0"/>
-              <a:t>12/9/21</a:t>
+              <a:t>12/9/2021</a:t>
             </a:fld>
             <a:endParaRPr lang="en-US"/>
           </a:p>
@@ -3012,121 +3011,159 @@
             <a:pPr algn="l"/>
             <a:r>
               <a:rPr lang="en-US" sz="4000" b="1" dirty="0" err="1">
+                <a:latin typeface="Tahoma"/>
+                <a:ea typeface="Cambria"/>
                 <a:cs typeface="Calibri Light"/>
               </a:rPr>
               <a:t>Formálne</a:t>
             </a:r>
             <a:r>
               <a:rPr lang="en-US" sz="4000" b="1" dirty="0">
+                <a:latin typeface="Tahoma"/>
+                <a:ea typeface="Cambria"/>
                 <a:cs typeface="Calibri Light"/>
               </a:rPr>
               <a:t> </a:t>
             </a:r>
             <a:r>
               <a:rPr lang="en-US" sz="4000" b="1" dirty="0" err="1">
+                <a:latin typeface="Tahoma"/>
+                <a:ea typeface="Cambria"/>
                 <a:cs typeface="Calibri Light"/>
               </a:rPr>
               <a:t>jazyky</a:t>
             </a:r>
             <a:r>
               <a:rPr lang="en-US" sz="4000" b="1" dirty="0">
+                <a:latin typeface="Tahoma"/>
+                <a:ea typeface="Cambria"/>
                 <a:cs typeface="Calibri Light"/>
               </a:rPr>
               <a:t> a </a:t>
             </a:r>
             <a:r>
               <a:rPr lang="en-US" sz="4000" b="1" dirty="0" err="1">
+                <a:latin typeface="Tahoma"/>
+                <a:ea typeface="Cambria"/>
                 <a:cs typeface="Calibri Light"/>
               </a:rPr>
               <a:t>prekladače</a:t>
             </a:r>
             <a:br>
               <a:rPr lang="en-US" sz="4000" b="1" dirty="0">
+                <a:latin typeface="Tahoma"/>
                 <a:cs typeface="Calibri Light"/>
               </a:rPr>
             </a:br>
             <a:br>
               <a:rPr lang="en-US" sz="4000" b="1" dirty="0">
+                <a:latin typeface="Tahoma"/>
                 <a:cs typeface="Calibri Light"/>
               </a:rPr>
             </a:br>
             <a:r>
               <a:rPr lang="en-US" sz="3100" dirty="0" err="1">
+                <a:latin typeface="Tahoma"/>
+                <a:ea typeface="Cambria"/>
                 <a:cs typeface="Calibri Light"/>
               </a:rPr>
               <a:t>Implementácia</a:t>
             </a:r>
             <a:r>
               <a:rPr lang="en-US" sz="3100" dirty="0">
+                <a:latin typeface="Tahoma"/>
+                <a:ea typeface="Cambria"/>
                 <a:cs typeface="Calibri Light"/>
               </a:rPr>
               <a:t> </a:t>
             </a:r>
             <a:r>
               <a:rPr lang="en-US" sz="3100" dirty="0" err="1">
+                <a:latin typeface="Tahoma"/>
+                <a:ea typeface="Cambria"/>
                 <a:cs typeface="Calibri Light"/>
               </a:rPr>
               <a:t>prekladača</a:t>
             </a:r>
             <a:r>
               <a:rPr lang="en-US" sz="3100" dirty="0">
+                <a:latin typeface="Tahoma"/>
+                <a:ea typeface="Cambria"/>
                 <a:cs typeface="Calibri Light"/>
               </a:rPr>
               <a:t> </a:t>
             </a:r>
             <a:r>
               <a:rPr lang="en-US" sz="3100" dirty="0" err="1">
+                <a:latin typeface="Tahoma"/>
+                <a:ea typeface="Cambria"/>
                 <a:cs typeface="Calibri Light"/>
               </a:rPr>
               <a:t>jazyka</a:t>
             </a:r>
             <a:r>
               <a:rPr lang="en-US" sz="3100" dirty="0">
+                <a:latin typeface="Tahoma"/>
+                <a:ea typeface="Cambria"/>
                 <a:cs typeface="Calibri Light"/>
               </a:rPr>
               <a:t> IFJ21.</a:t>
             </a:r>
             <a:br>
               <a:rPr lang="en-US" sz="3100" dirty="0">
+                <a:latin typeface="Tahoma"/>
                 <a:cs typeface="Calibri Light"/>
               </a:rPr>
             </a:br>
             <a:r>
               <a:rPr lang="en-US" sz="3100" dirty="0" err="1">
+                <a:latin typeface="Tahoma"/>
+                <a:ea typeface="Cambria"/>
                 <a:cs typeface="Calibri Light"/>
               </a:rPr>
               <a:t>Tím</a:t>
             </a:r>
             <a:r>
               <a:rPr lang="en-US" sz="3100" dirty="0">
+                <a:latin typeface="Tahoma"/>
+                <a:ea typeface="Cambria"/>
                 <a:cs typeface="Calibri Light"/>
               </a:rPr>
               <a:t> 082, </a:t>
             </a:r>
             <a:r>
               <a:rPr lang="en-US" sz="3100" dirty="0" err="1">
+                <a:latin typeface="Tahoma"/>
+                <a:ea typeface="Cambria"/>
                 <a:cs typeface="Calibri Light"/>
               </a:rPr>
               <a:t>zadanie</a:t>
             </a:r>
             <a:r>
               <a:rPr lang="en-US" sz="3100" dirty="0">
+                <a:latin typeface="Tahoma"/>
+                <a:ea typeface="Cambria"/>
                 <a:cs typeface="Calibri Light"/>
               </a:rPr>
               <a:t> č. 2</a:t>
             </a:r>
             <a:r>
               <a:rPr lang="en-US" sz="4000" b="1" dirty="0">
+                <a:latin typeface="Tahoma"/>
+                <a:ea typeface="Cambria"/>
                 <a:cs typeface="Calibri Light"/>
               </a:rPr>
               <a:t> </a:t>
             </a:r>
             <a:br>
               <a:rPr lang="en-US" sz="4000" b="1" dirty="0">
+                <a:latin typeface="Franklin Gothic Medium"/>
                 <a:cs typeface="Calibri Light"/>
               </a:rPr>
             </a:br>
-            <a:endParaRPr lang="en-US" sz="4000" b="1" dirty="0">
+            <a:endParaRPr lang="en-US" sz="4000" b="1">
+              <a:latin typeface="Franklin Gothic Medium"/>
+              <a:ea typeface="Cambria"/>
               <a:cs typeface="Calibri Light"/>
             </a:endParaRPr>
           </a:p>
@@ -3152,63 +3189,97 @@
             <a:pPr algn="just"/>
             <a:r>
               <a:rPr lang="en-US" dirty="0">
+                <a:latin typeface="Tahoma"/>
+                <a:ea typeface="Tahoma"/>
                 <a:cs typeface="Calibri"/>
               </a:rPr>
               <a:t>Andrei </a:t>
             </a:r>
             <a:r>
               <a:rPr lang="en-US" dirty="0" err="1">
+                <a:latin typeface="Tahoma"/>
+                <a:ea typeface="Tahoma"/>
                 <a:cs typeface="Calibri"/>
               </a:rPr>
               <a:t>Shchapaniak</a:t>
             </a:r>
             <a:r>
               <a:rPr lang="en-US" dirty="0">
+                <a:latin typeface="Tahoma"/>
+                <a:ea typeface="Tahoma"/>
                 <a:cs typeface="Calibri"/>
               </a:rPr>
-              <a:t>       </a:t>
+              <a:t>       </a:t>
             </a:r>
           </a:p>
           <a:p>
             <a:pPr algn="just"/>
             <a:r>
               <a:rPr lang="en-US" dirty="0">
+                <a:latin typeface="Tahoma"/>
+                <a:ea typeface="Tahoma"/>
                 <a:cs typeface="Calibri"/>
               </a:rPr>
               <a:t>Andrej </a:t>
             </a:r>
             <a:r>
               <a:rPr lang="en-US" dirty="0" err="1">
+                <a:latin typeface="Tahoma"/>
+                <a:ea typeface="Tahoma"/>
                 <a:cs typeface="Calibri"/>
               </a:rPr>
-              <a:t>Binovsky</a:t>
+              <a:t>Bínovský</a:t>
             </a:r>
             <a:r>
               <a:rPr lang="en-US" dirty="0">
+                <a:latin typeface="Tahoma"/>
+                <a:ea typeface="Tahoma"/>
                 <a:cs typeface="Calibri"/>
               </a:rPr>
-              <a:t>              </a:t>
+              <a:t>             </a:t>
             </a:r>
           </a:p>
           <a:p>
             <a:pPr algn="just"/>
             <a:r>
               <a:rPr lang="en-US" dirty="0">
+                <a:latin typeface="Tahoma"/>
+                <a:ea typeface="Tahoma"/>
                 <a:cs typeface="Calibri"/>
               </a:rPr>
-              <a:t>Zdenek Lapes                  </a:t>
+              <a:t>Zdeněk </a:t>
+            </a:r>
+            <a:r>
+              <a:rPr lang="en-US" dirty="0" err="1">
+                <a:latin typeface="Tahoma"/>
+                <a:ea typeface="Tahoma"/>
+                <a:cs typeface="Calibri"/>
+              </a:rPr>
+              <a:t>Lapeš</a:t>
+            </a:r>
+            <a:r>
+              <a:rPr lang="en-US" dirty="0">
+                <a:latin typeface="Tahoma"/>
+                <a:ea typeface="Tahoma"/>
+                <a:cs typeface="Calibri"/>
+              </a:rPr>
+              <a:t>                  </a:t>
             </a:r>
           </a:p>
           <a:p>
             <a:pPr algn="just"/>
             <a:r>
               <a:rPr lang="en-US" dirty="0">
+                <a:latin typeface="Tahoma"/>
+                <a:ea typeface="Tahoma"/>
                 <a:cs typeface="Calibri"/>
               </a:rPr>
               <a:t>Richard </a:t>
             </a:r>
             <a:r>
               <a:rPr lang="en-US" dirty="0" err="1">
+                <a:latin typeface="Tahoma"/>
+                <a:ea typeface="Tahoma"/>
                 <a:cs typeface="Calibri"/>
               </a:rPr>
               <a:t>Gajdošík</a:t>
@@ -3285,12 +3356,14 @@
           <a:p>
             <a:r>
               <a:rPr lang="en-US" sz="2400" dirty="0">
+                <a:latin typeface="Tahoma"/>
                 <a:ea typeface="+mn-lt"/>
                 <a:cs typeface="+mn-lt"/>
               </a:rPr>
               <a:t>(xgajdo33)</a:t>
             </a:r>
-            <a:endParaRPr lang="en-US" dirty="0">
+            <a:endParaRPr lang="en-US">
+              <a:latin typeface="Tahoma"/>
               <a:ea typeface="+mn-lt"/>
               <a:cs typeface="+mn-lt"/>
             </a:endParaRPr>
@@ -3330,7 +3403,11 @@
           <a:p>
             <a:pPr algn="l"/>
             <a:r>
-              <a:rPr lang="en-US" sz="2400" dirty="0"/>
+              <a:rPr lang="en-US" sz="2400" dirty="0">
+                <a:latin typeface="Tahoma"/>
+                <a:ea typeface="Tahoma"/>
+                <a:cs typeface="Tahoma"/>
+              </a:rPr>
               <a:t>(xbinov00)</a:t>
             </a:r>
           </a:p>
@@ -3369,11 +3446,17 @@
           <a:p>
             <a:pPr algn="l"/>
             <a:r>
-              <a:rPr lang="en-US" sz="2400" dirty="0"/>
+              <a:rPr lang="en-US" sz="2400" dirty="0">
+                <a:latin typeface="Tahoma"/>
+                <a:ea typeface="Tahoma"/>
+                <a:cs typeface="Tahoma"/>
+              </a:rPr>
               <a:t>(xlapes02)</a:t>
             </a:r>
             <a:endParaRPr lang="en-US" sz="2400">
-              <a:cs typeface="Calibri"/>
+              <a:latin typeface="Tahoma"/>
+              <a:ea typeface="Tahoma"/>
+              <a:cs typeface="Tahoma"/>
             </a:endParaRPr>
           </a:p>
         </p:txBody>
@@ -3411,11 +3494,17 @@
           <a:p>
             <a:pPr algn="l"/>
             <a:r>
-              <a:rPr lang="en-US" sz="2400" dirty="0"/>
+              <a:rPr lang="en-US" sz="2400" dirty="0">
+                <a:latin typeface="Tahoma"/>
+                <a:ea typeface="Tahoma"/>
+                <a:cs typeface="Tahoma"/>
+              </a:rPr>
               <a:t>(xshcha00)</a:t>
             </a:r>
-            <a:endParaRPr lang="en-US" sz="2400" dirty="0">
-              <a:cs typeface="Calibri"/>
+            <a:endParaRPr lang="en-US" sz="2400">
+              <a:latin typeface="Tahoma"/>
+              <a:ea typeface="Tahoma"/>
+              <a:cs typeface="Tahoma"/>
             </a:endParaRPr>
           </a:p>
         </p:txBody>
@@ -3424,92 +3513,6 @@
     <p:extLst>
       <p:ext uri="{BB962C8B-B14F-4D97-AF65-F5344CB8AC3E}">
         <p14:creationId xmlns:p14="http://schemas.microsoft.com/office/powerpoint/2010/main" val="109857222"/>
-      </p:ext>
-    </p:extLst>
-  </p:cSld>
-  <p:clrMapOvr>
-    <a:masterClrMapping/>
-  </p:clrMapOvr>
-</p:sld>
-</file>
-
-<file path=ppt/slides/slide10.xml><?xml version="1.0" encoding="utf-8"?>
-<p:sld xmlns:a="http://schemas.openxmlformats.org/drawingml/2006/main" xmlns:r="http://schemas.openxmlformats.org/officeDocument/2006/relationships" xmlns:p="http://schemas.openxmlformats.org/presentationml/2006/main">
-  <p:cSld>
-    <p:spTree>
-      <p:nvGrpSpPr>
-        <p:cNvPr id="1" name=""/>
-        <p:cNvGrpSpPr/>
-        <p:nvPr/>
-      </p:nvGrpSpPr>
-      <p:grpSpPr>
-        <a:xfrm>
-          <a:off x="0" y="0"/>
-          <a:ext cx="0" cy="0"/>
-          <a:chOff x="0" y="0"/>
-          <a:chExt cx="0" cy="0"/>
-        </a:xfrm>
-      </p:grpSpPr>
-      <p:sp>
-        <p:nvSpPr>
-          <p:cNvPr id="2" name="Title 1">
-            <a:extLst>
-              <a:ext uri="{FF2B5EF4-FFF2-40B4-BE49-F238E27FC236}">
-                <a16:creationId xmlns:a16="http://schemas.microsoft.com/office/drawing/2014/main" id="{F363E8CE-82F4-4799-AB3B-D0D35F9B9609}"/>
-              </a:ext>
-            </a:extLst>
-          </p:cNvPr>
-          <p:cNvSpPr>
-            <a:spLocks noGrp="1"/>
-          </p:cNvSpPr>
-          <p:nvPr>
-            <p:ph type="title"/>
-          </p:nvPr>
-        </p:nvSpPr>
-        <p:spPr/>
-        <p:txBody>
-          <a:bodyPr/>
-          <a:lstStyle/>
-          <a:p>
-            <a:r>
-              <a:rPr lang="en-US" dirty="0" err="1">
-                <a:cs typeface="Calibri Light"/>
-              </a:rPr>
-              <a:t>Záver</a:t>
-            </a:r>
-            <a:endParaRPr lang="en-US" dirty="0" err="1"/>
-          </a:p>
-        </p:txBody>
-      </p:sp>
-      <p:sp>
-        <p:nvSpPr>
-          <p:cNvPr id="3" name="Content Placeholder 2">
-            <a:extLst>
-              <a:ext uri="{FF2B5EF4-FFF2-40B4-BE49-F238E27FC236}">
-                <a16:creationId xmlns:a16="http://schemas.microsoft.com/office/drawing/2014/main" id="{8FFA9B5B-3FF2-412B-A122-999D7B32E361}"/>
-              </a:ext>
-            </a:extLst>
-          </p:cNvPr>
-          <p:cNvSpPr>
-            <a:spLocks noGrp="1"/>
-          </p:cNvSpPr>
-          <p:nvPr>
-            <p:ph idx="1"/>
-          </p:nvPr>
-        </p:nvSpPr>
-        <p:spPr/>
-        <p:txBody>
-          <a:bodyPr/>
-          <a:lstStyle/>
-          <a:p>
-            <a:endParaRPr lang="en-US"/>
-          </a:p>
-        </p:txBody>
-      </p:sp>
-    </p:spTree>
-    <p:extLst>
-      <p:ext uri="{BB962C8B-B14F-4D97-AF65-F5344CB8AC3E}">
-        <p14:creationId xmlns:p14="http://schemas.microsoft.com/office/powerpoint/2010/main" val="513110900"/>
       </p:ext>
     </p:extLst>
   </p:cSld>
@@ -3541,7 +3544,7 @@
           <p:cNvPr id="2" name="Title 1">
             <a:extLst>
               <a:ext uri="{FF2B5EF4-FFF2-40B4-BE49-F238E27FC236}">
-                <a16:creationId xmlns:a16="http://schemas.microsoft.com/office/drawing/2014/main" id="{A7975F15-912D-4F75-AED8-3F985A1FC6BB}"/>
+                <a16:creationId xmlns:a16="http://schemas.microsoft.com/office/drawing/2014/main" id="{E0C48C80-925A-47F8-B3CC-652D98966866}"/>
               </a:ext>
             </a:extLst>
           </p:cNvPr>
@@ -3559,95 +3562,337 @@
           <a:p>
             <a:r>
               <a:rPr lang="en-US" dirty="0" err="1">
+                <a:latin typeface="Tahoma"/>
+                <a:ea typeface="Tahoma"/>
                 <a:cs typeface="Calibri Light"/>
               </a:rPr>
-              <a:t>Rozdelenie</a:t>
-            </a:r>
-            <a:r>
-              <a:rPr lang="en-US" dirty="0">
-                <a:cs typeface="Calibri Light"/>
-              </a:rPr>
-              <a:t> </a:t>
-            </a:r>
-            <a:r>
-              <a:rPr lang="en-US" dirty="0" err="1">
-                <a:cs typeface="Calibri Light"/>
-              </a:rPr>
-              <a:t>práce</a:t>
-            </a:r>
-            <a:endParaRPr lang="en-US" dirty="0" err="1"/>
-          </a:p>
-        </p:txBody>
-      </p:sp>
-      <p:pic>
-        <p:nvPicPr>
-          <p:cNvPr id="4" name="Picture 4" descr="Text&#10;&#10;Description automatically generated">
+              <a:t>Obsah</a:t>
+            </a:r>
+            <a:endParaRPr lang="en-US" dirty="0">
+              <a:latin typeface="Tahoma"/>
+              <a:ea typeface="Tahoma"/>
+              <a:cs typeface="Tahoma"/>
+            </a:endParaRPr>
+          </a:p>
+        </p:txBody>
+      </p:sp>
+      <p:sp>
+        <p:nvSpPr>
+          <p:cNvPr id="6" name="TextBox 5">
             <a:extLst>
               <a:ext uri="{FF2B5EF4-FFF2-40B4-BE49-F238E27FC236}">
-                <a16:creationId xmlns:a16="http://schemas.microsoft.com/office/drawing/2014/main" id="{D5C8F9B8-B995-4EF9-A38E-B298D807527F}"/>
+                <a16:creationId xmlns:a16="http://schemas.microsoft.com/office/drawing/2014/main" id="{767C4762-E9B5-4D44-8F06-3F3D159CA83E}"/>
               </a:ext>
             </a:extLst>
           </p:cNvPr>
-          <p:cNvPicPr>
-            <a:picLocks noGrp="1" noChangeAspect="1"/>
-          </p:cNvPicPr>
-          <p:nvPr>
-            <p:ph idx="1"/>
-          </p:nvPr>
-        </p:nvPicPr>
-        <p:blipFill>
-          <a:blip r:embed="rId2"/>
-          <a:stretch>
-            <a:fillRect/>
-          </a:stretch>
-        </p:blipFill>
+          <p:cNvSpPr txBox="1"/>
+          <p:nvPr/>
+        </p:nvSpPr>
         <p:spPr>
           <a:xfrm>
-            <a:off x="956498" y="1690688"/>
-            <a:ext cx="5248275" cy="1647825"/>
-          </a:xfrm>
-        </p:spPr>
-      </p:pic>
-      <p:pic>
-        <p:nvPicPr>
-          <p:cNvPr id="5" name="Picture 4">
-            <a:extLst>
-              <a:ext uri="{FF2B5EF4-FFF2-40B4-BE49-F238E27FC236}">
-                <a16:creationId xmlns:a16="http://schemas.microsoft.com/office/drawing/2014/main" id="{027052AC-024F-1943-8B77-E2C0B2D262EE}"/>
-              </a:ext>
-            </a:extLst>
-          </p:cNvPr>
-          <p:cNvPicPr>
-            <a:picLocks noChangeAspect="1"/>
-          </p:cNvPicPr>
-          <p:nvPr/>
-        </p:nvPicPr>
-        <p:blipFill>
-          <a:blip r:embed="rId3">
-            <a:extLst>
-              <a:ext uri="{28A0092B-C50C-407E-A947-70E740481C1C}">
-                <a14:useLocalDpi xmlns:a14="http://schemas.microsoft.com/office/drawing/2010/main" val="0"/>
-              </a:ext>
-            </a:extLst>
-          </a:blip>
-          <a:stretch>
-            <a:fillRect/>
-          </a:stretch>
-        </p:blipFill>
-        <p:spPr>
-          <a:xfrm>
-            <a:off x="6658386" y="1377950"/>
-            <a:ext cx="4241800" cy="4102100"/>
+            <a:off x="1507646" y="1660219"/>
+            <a:ext cx="4307394" cy="3754874"/>
           </a:xfrm>
           <a:prstGeom prst="rect">
             <a:avLst/>
           </a:prstGeom>
+          <a:noFill/>
         </p:spPr>
-      </p:pic>
+        <p:txBody>
+          <a:bodyPr rot="0" spcFirstLastPara="0" vertOverflow="overflow" horzOverflow="overflow" vert="horz" wrap="square" lIns="91440" tIns="45720" rIns="91440" bIns="45720" numCol="1" spcCol="0" rtlCol="0" fromWordArt="0" anchor="t" anchorCtr="0" forceAA="0" compatLnSpc="1">
+            <a:prstTxWarp prst="textNoShape">
+              <a:avLst/>
+            </a:prstTxWarp>
+            <a:spAutoFit/>
+          </a:bodyPr>
+          <a:lstStyle/>
+          <a:p>
+            <a:pPr marL="342900" indent="-342900">
+              <a:buAutoNum type="arabicPeriod"/>
+            </a:pPr>
+            <a:r>
+              <a:rPr lang="en-US" sz="2000" dirty="0" err="1">
+                <a:latin typeface="Tahoma"/>
+                <a:ea typeface="Tahoma"/>
+                <a:cs typeface="Calibri"/>
+              </a:rPr>
+              <a:t>Lexikálna</a:t>
+            </a:r>
+            <a:r>
+              <a:rPr lang="en-US" sz="2000" dirty="0">
+                <a:latin typeface="Tahoma"/>
+                <a:ea typeface="Tahoma"/>
+                <a:cs typeface="Calibri"/>
+              </a:rPr>
+              <a:t> </a:t>
+            </a:r>
+            <a:r>
+              <a:rPr lang="en-US" sz="2000" dirty="0" err="1">
+                <a:latin typeface="Tahoma"/>
+                <a:ea typeface="Tahoma"/>
+                <a:cs typeface="Calibri"/>
+              </a:rPr>
+              <a:t>analýza</a:t>
+            </a:r>
+            <a:endParaRPr lang="en-US" sz="2000" dirty="0">
+              <a:latin typeface="Tahoma"/>
+              <a:ea typeface="Tahoma"/>
+              <a:cs typeface="Calibri"/>
+            </a:endParaRPr>
+          </a:p>
+          <a:p>
+            <a:pPr marL="342900" indent="-342900">
+              <a:buAutoNum type="arabicPeriod"/>
+            </a:pPr>
+            <a:endParaRPr lang="en-US" sz="2000" dirty="0">
+              <a:latin typeface="Tahoma"/>
+              <a:ea typeface="Tahoma"/>
+              <a:cs typeface="Calibri"/>
+            </a:endParaRPr>
+          </a:p>
+          <a:p>
+            <a:pPr marL="342900" indent="-342900">
+              <a:buAutoNum type="arabicPeriod"/>
+            </a:pPr>
+            <a:r>
+              <a:rPr lang="en-US" sz="2000" dirty="0" err="1">
+                <a:latin typeface="Tahoma"/>
+                <a:ea typeface="Tahoma"/>
+                <a:cs typeface="Calibri"/>
+              </a:rPr>
+              <a:t>Syntaktická</a:t>
+            </a:r>
+            <a:r>
+              <a:rPr lang="en-US" sz="2000" dirty="0">
+                <a:latin typeface="Tahoma"/>
+                <a:ea typeface="Tahoma"/>
+                <a:cs typeface="Calibri"/>
+              </a:rPr>
+              <a:t> </a:t>
+            </a:r>
+            <a:r>
+              <a:rPr lang="en-US" sz="2000" dirty="0" err="1">
+                <a:latin typeface="Tahoma"/>
+                <a:ea typeface="Tahoma"/>
+                <a:cs typeface="Calibri"/>
+              </a:rPr>
+              <a:t>analýza</a:t>
+            </a:r>
+            <a:endParaRPr lang="en-US" sz="2000" dirty="0">
+              <a:latin typeface="Tahoma"/>
+              <a:ea typeface="Tahoma"/>
+              <a:cs typeface="Calibri"/>
+            </a:endParaRPr>
+          </a:p>
+          <a:p>
+            <a:pPr marL="342900" indent="-342900">
+              <a:buAutoNum type="arabicPeriod"/>
+            </a:pPr>
+            <a:endParaRPr lang="en-US" sz="2000" dirty="0">
+              <a:latin typeface="Tahoma"/>
+              <a:ea typeface="Tahoma"/>
+              <a:cs typeface="Calibri"/>
+            </a:endParaRPr>
+          </a:p>
+          <a:p>
+            <a:pPr marL="342900" indent="-342900">
+              <a:buAutoNum type="arabicPeriod"/>
+            </a:pPr>
+            <a:r>
+              <a:rPr lang="en-US" sz="2000" dirty="0" err="1">
+                <a:latin typeface="Tahoma"/>
+                <a:ea typeface="Tahoma"/>
+                <a:cs typeface="Calibri"/>
+              </a:rPr>
+              <a:t>Precedenčná</a:t>
+            </a:r>
+            <a:r>
+              <a:rPr lang="en-US" sz="2000" dirty="0">
+                <a:latin typeface="Tahoma"/>
+                <a:ea typeface="+mn-lt"/>
+                <a:cs typeface="+mn-lt"/>
+              </a:rPr>
+              <a:t> </a:t>
+            </a:r>
+            <a:r>
+              <a:rPr lang="en-US" sz="2000" dirty="0" err="1">
+                <a:latin typeface="Tahoma"/>
+                <a:ea typeface="+mn-lt"/>
+                <a:cs typeface="+mn-lt"/>
+              </a:rPr>
+              <a:t>syntaktická</a:t>
+            </a:r>
+            <a:r>
+              <a:rPr lang="en-US" sz="2000" dirty="0">
+                <a:latin typeface="Tahoma"/>
+                <a:ea typeface="+mn-lt"/>
+                <a:cs typeface="+mn-lt"/>
+              </a:rPr>
+              <a:t> </a:t>
+            </a:r>
+            <a:r>
+              <a:rPr lang="en-US" sz="2000" dirty="0" err="1">
+                <a:latin typeface="Tahoma"/>
+                <a:ea typeface="+mn-lt"/>
+                <a:cs typeface="+mn-lt"/>
+              </a:rPr>
+              <a:t>analýza</a:t>
+            </a:r>
+            <a:endParaRPr lang="en-US" sz="2000" dirty="0">
+              <a:latin typeface="Tahoma"/>
+              <a:ea typeface="+mn-lt"/>
+              <a:cs typeface="+mn-lt"/>
+            </a:endParaRPr>
+          </a:p>
+          <a:p>
+            <a:pPr marL="342900" indent="-342900">
+              <a:buAutoNum type="arabicPeriod"/>
+            </a:pPr>
+            <a:endParaRPr lang="en-US" sz="2000" dirty="0">
+              <a:latin typeface="Tahoma"/>
+              <a:ea typeface="+mn-lt"/>
+              <a:cs typeface="+mn-lt"/>
+            </a:endParaRPr>
+          </a:p>
+          <a:p>
+            <a:pPr marL="342900" indent="-342900">
+              <a:buFontTx/>
+              <a:buAutoNum type="arabicPeriod"/>
+            </a:pPr>
+            <a:r>
+              <a:rPr lang="en-US" sz="2000" dirty="0" err="1">
+                <a:latin typeface="Tahoma"/>
+                <a:ea typeface="Tahoma"/>
+                <a:cs typeface="+mn-lt"/>
+              </a:rPr>
+              <a:t>Sémantické</a:t>
+            </a:r>
+            <a:r>
+              <a:rPr lang="en-US" sz="2000" dirty="0">
+                <a:latin typeface="Tahoma"/>
+                <a:ea typeface="Tahoma"/>
+                <a:cs typeface="+mn-lt"/>
+              </a:rPr>
+              <a:t> </a:t>
+            </a:r>
+            <a:r>
+              <a:rPr lang="en-US" sz="2000" dirty="0" err="1">
+                <a:latin typeface="Tahoma"/>
+                <a:ea typeface="Tahoma"/>
+                <a:cs typeface="+mn-lt"/>
+              </a:rPr>
+              <a:t>akcie</a:t>
+            </a:r>
+            <a:endParaRPr lang="en-US" sz="2000" dirty="0" err="1">
+              <a:latin typeface="Tahoma"/>
+              <a:ea typeface="Tahoma"/>
+              <a:cs typeface="Calibri"/>
+            </a:endParaRPr>
+          </a:p>
+          <a:p>
+            <a:pPr marL="342900" indent="-342900">
+              <a:buAutoNum type="arabicPeriod"/>
+            </a:pPr>
+            <a:endParaRPr lang="en-US" sz="2000" dirty="0">
+              <a:latin typeface="Tahoma"/>
+              <a:ea typeface="Tahoma"/>
+              <a:cs typeface="Calibri"/>
+            </a:endParaRPr>
+          </a:p>
+          <a:p>
+            <a:pPr marL="342900" indent="-342900">
+              <a:buAutoNum type="arabicPeriod"/>
+            </a:pPr>
+            <a:r>
+              <a:rPr lang="en-US" sz="2000" dirty="0" err="1">
+                <a:latin typeface="Tahoma"/>
+                <a:ea typeface="Tahoma"/>
+                <a:cs typeface="Calibri"/>
+              </a:rPr>
+              <a:t>Generovanie</a:t>
+            </a:r>
+            <a:r>
+              <a:rPr lang="en-US" sz="2000" dirty="0">
+                <a:latin typeface="Tahoma"/>
+                <a:ea typeface="Tahoma"/>
+                <a:cs typeface="Calibri"/>
+              </a:rPr>
+              <a:t> </a:t>
+            </a:r>
+            <a:r>
+              <a:rPr lang="en-US" sz="2000" dirty="0" err="1">
+                <a:latin typeface="Tahoma"/>
+                <a:ea typeface="Tahoma"/>
+                <a:cs typeface="Calibri"/>
+              </a:rPr>
+              <a:t>kódu</a:t>
+            </a:r>
+            <a:endParaRPr lang="en-US" sz="2000" dirty="0">
+              <a:latin typeface="Tahoma"/>
+              <a:ea typeface="Tahoma"/>
+              <a:cs typeface="Calibri"/>
+            </a:endParaRPr>
+          </a:p>
+          <a:p>
+            <a:pPr marL="342900" indent="-342900">
+              <a:buAutoNum type="arabicPeriod"/>
+            </a:pPr>
+            <a:endParaRPr lang="en-US" sz="2000" dirty="0">
+              <a:latin typeface="Tahoma"/>
+              <a:ea typeface="Tahoma"/>
+              <a:cs typeface="Calibri"/>
+            </a:endParaRPr>
+          </a:p>
+          <a:p>
+            <a:pPr marL="342900" indent="-342900">
+              <a:buAutoNum type="arabicPeriod"/>
+            </a:pPr>
+            <a:r>
+              <a:rPr lang="en-US" sz="2000" dirty="0" err="1">
+                <a:latin typeface="Tahoma"/>
+                <a:ea typeface="Tahoma"/>
+                <a:cs typeface="Calibri"/>
+              </a:rPr>
+              <a:t>Záver</a:t>
+            </a:r>
+            <a:r>
+              <a:rPr lang="en-US" sz="2000" dirty="0">
+                <a:latin typeface="Tahoma"/>
+                <a:ea typeface="Tahoma"/>
+                <a:cs typeface="Calibri"/>
+              </a:rPr>
+              <a:t> + </a:t>
+            </a:r>
+            <a:r>
+              <a:rPr lang="en-US" sz="2000" dirty="0" err="1">
+                <a:latin typeface="Tahoma"/>
+                <a:ea typeface="Tahoma"/>
+                <a:cs typeface="Calibri"/>
+              </a:rPr>
+              <a:t>otázky</a:t>
+            </a:r>
+            <a:endParaRPr lang="en-US" sz="2000">
+              <a:latin typeface="Tahoma"/>
+              <a:ea typeface="Tahoma"/>
+              <a:cs typeface="Calibri"/>
+            </a:endParaRPr>
+          </a:p>
+          <a:p>
+            <a:pPr marL="342900" indent="-342900">
+              <a:buAutoNum type="arabicPeriod"/>
+            </a:pPr>
+            <a:endParaRPr lang="en-US" sz="2000" dirty="0">
+              <a:latin typeface="Tahoma"/>
+              <a:ea typeface="Tahoma"/>
+              <a:cs typeface="Calibri"/>
+            </a:endParaRPr>
+          </a:p>
+        </p:txBody>
+      </p:sp>
     </p:spTree>
     <p:extLst>
       <p:ext uri="{BB962C8B-B14F-4D97-AF65-F5344CB8AC3E}">
-        <p14:creationId xmlns:p14="http://schemas.microsoft.com/office/powerpoint/2010/main" val="1826452686"/>
+        <p14:creationId xmlns:p14="http://schemas.microsoft.com/office/powerpoint/2010/main" val="116660394"/>
       </p:ext>
     </p:extLst>
   </p:cSld>
@@ -3679,7 +3924,7 @@
           <p:cNvPr id="2" name="Title 1">
             <a:extLst>
               <a:ext uri="{FF2B5EF4-FFF2-40B4-BE49-F238E27FC236}">
-                <a16:creationId xmlns:a16="http://schemas.microsoft.com/office/drawing/2014/main" id="{E0C48C80-925A-47F8-B3CC-652D98966866}"/>
+                <a16:creationId xmlns:a16="http://schemas.microsoft.com/office/drawing/2014/main" id="{B6DA41EB-856E-4E7E-922D-2A18E45DC16F}"/>
               </a:ext>
             </a:extLst>
           </p:cNvPr>
@@ -3690,361 +3935,61 @@
             <p:ph type="title"/>
           </p:nvPr>
         </p:nvSpPr>
-        <p:spPr/>
+        <p:spPr>
+          <a:xfrm>
+            <a:off x="838200" y="365125"/>
+            <a:ext cx="10515600" cy="1325563"/>
+          </a:xfrm>
+        </p:spPr>
         <p:txBody>
           <a:bodyPr/>
           <a:lstStyle/>
           <a:p>
             <a:r>
               <a:rPr lang="en-US" dirty="0" err="1">
+                <a:latin typeface="Tahoma"/>
+                <a:ea typeface="Tahoma"/>
                 <a:cs typeface="Calibri Light"/>
               </a:rPr>
-              <a:t>Obsah</a:t>
-            </a:r>
-            <a:endParaRPr lang="en-US" dirty="0" err="1"/>
-          </a:p>
-        </p:txBody>
-      </p:sp>
-      <p:sp>
-        <p:nvSpPr>
-          <p:cNvPr id="5" name="TextBox 4">
+              <a:t>Lexikálna</a:t>
+            </a:r>
+            <a:r>
+              <a:rPr lang="en-US" dirty="0">
+                <a:latin typeface="Tahoma"/>
+                <a:ea typeface="Tahoma"/>
+                <a:cs typeface="Calibri Light"/>
+              </a:rPr>
+              <a:t> </a:t>
+            </a:r>
+            <a:r>
+              <a:rPr lang="en-US" dirty="0" err="1">
+                <a:latin typeface="Tahoma"/>
+                <a:ea typeface="Tahoma"/>
+                <a:cs typeface="Calibri Light"/>
+              </a:rPr>
+              <a:t>analýza</a:t>
+            </a:r>
+            <a:endParaRPr lang="en-US">
+              <a:latin typeface="Tahoma"/>
+              <a:ea typeface="Tahoma"/>
+              <a:cs typeface="Tahoma"/>
+            </a:endParaRPr>
+          </a:p>
+        </p:txBody>
+      </p:sp>
+      <p:pic>
+        <p:nvPicPr>
+          <p:cNvPr id="9" name="Picture 9" descr="Diagram&#10;&#10;Description automatically generated">
             <a:extLst>
               <a:ext uri="{FF2B5EF4-FFF2-40B4-BE49-F238E27FC236}">
-                <a16:creationId xmlns:a16="http://schemas.microsoft.com/office/drawing/2014/main" id="{8E1D1960-36E0-440E-AE25-AC956AFCEEC2}"/>
-              </a:ext>
-            </a:extLst>
-          </p:cNvPr>
-          <p:cNvSpPr txBox="1"/>
-          <p:nvPr/>
-        </p:nvSpPr>
-        <p:spPr>
-          <a:xfrm>
-            <a:off x="4724400" y="3200400"/>
-            <a:ext cx="2743200" cy="369332"/>
-          </a:xfrm>
-          <a:prstGeom prst="rect">
-            <a:avLst/>
-          </a:prstGeom>
-          <a:noFill/>
-        </p:spPr>
-        <p:txBody>
-          <a:bodyPr rot="0" spcFirstLastPara="0" vertOverflow="overflow" horzOverflow="overflow" vert="horz" wrap="square" lIns="91440" tIns="45720" rIns="91440" bIns="45720" numCol="1" spcCol="0" rtlCol="0" fromWordArt="0" anchor="t" anchorCtr="0" forceAA="0" compatLnSpc="1">
-            <a:prstTxWarp prst="textNoShape">
-              <a:avLst/>
-            </a:prstTxWarp>
-            <a:spAutoFit/>
-          </a:bodyPr>
-          <a:lstStyle/>
-          <a:p>
-            <a:pPr algn="l"/>
-            <a:r>
-              <a:rPr lang="en-US"/>
-              <a:t>Click to add text</a:t>
-            </a:r>
-          </a:p>
-        </p:txBody>
-      </p:sp>
-      <p:sp>
-        <p:nvSpPr>
-          <p:cNvPr id="6" name="TextBox 5">
-            <a:extLst>
-              <a:ext uri="{FF2B5EF4-FFF2-40B4-BE49-F238E27FC236}">
-                <a16:creationId xmlns:a16="http://schemas.microsoft.com/office/drawing/2014/main" id="{767C4762-E9B5-4D44-8F06-3F3D159CA83E}"/>
-              </a:ext>
-            </a:extLst>
-          </p:cNvPr>
-          <p:cNvSpPr txBox="1"/>
-          <p:nvPr/>
-        </p:nvSpPr>
-        <p:spPr>
-          <a:xfrm>
-            <a:off x="834251" y="1447568"/>
-            <a:ext cx="3988418" cy="2308324"/>
-          </a:xfrm>
-          <a:prstGeom prst="rect">
-            <a:avLst/>
-          </a:prstGeom>
-          <a:noFill/>
-        </p:spPr>
-        <p:txBody>
-          <a:bodyPr rot="0" spcFirstLastPara="0" vertOverflow="overflow" horzOverflow="overflow" vert="horz" wrap="square" lIns="91440" tIns="45720" rIns="91440" bIns="45720" numCol="1" spcCol="0" rtlCol="0" fromWordArt="0" anchor="t" anchorCtr="0" forceAA="0" compatLnSpc="1">
-            <a:prstTxWarp prst="textNoShape">
-              <a:avLst/>
-            </a:prstTxWarp>
-            <a:spAutoFit/>
-          </a:bodyPr>
-          <a:lstStyle/>
-          <a:p>
-            <a:r>
-              <a:rPr lang="en-US" dirty="0"/>
-              <a:t>1. </a:t>
-            </a:r>
-            <a:r>
-              <a:rPr lang="en-US" dirty="0" err="1"/>
-              <a:t>Rozdelenie</a:t>
-            </a:r>
-            <a:r>
-              <a:rPr lang="en-US" dirty="0"/>
-              <a:t> </a:t>
-            </a:r>
-            <a:r>
-              <a:rPr lang="en-US" dirty="0" err="1"/>
-              <a:t>práce</a:t>
-            </a:r>
-            <a:endParaRPr lang="en-US" dirty="0" err="1">
-              <a:cs typeface="Calibri"/>
-            </a:endParaRPr>
-          </a:p>
-          <a:p>
-            <a:r>
-              <a:rPr lang="en-US" dirty="0">
-                <a:cs typeface="Calibri"/>
-              </a:rPr>
-              <a:t>2. </a:t>
-            </a:r>
-            <a:r>
-              <a:rPr lang="en-US" dirty="0" err="1">
-                <a:cs typeface="Calibri"/>
-              </a:rPr>
-              <a:t>Štruktúra</a:t>
-            </a:r>
-            <a:r>
-              <a:rPr lang="en-US" dirty="0">
-                <a:cs typeface="Calibri"/>
-              </a:rPr>
-              <a:t> </a:t>
-            </a:r>
-            <a:r>
-              <a:rPr lang="en-US" dirty="0" err="1">
-                <a:cs typeface="Calibri"/>
-              </a:rPr>
-              <a:t>programu</a:t>
-            </a:r>
-            <a:endParaRPr lang="en-US" dirty="0">
-              <a:cs typeface="Calibri"/>
-            </a:endParaRPr>
-          </a:p>
-          <a:p>
-            <a:r>
-              <a:rPr lang="en-US" dirty="0">
-                <a:cs typeface="Calibri"/>
-              </a:rPr>
-              <a:t>3. </a:t>
-            </a:r>
-            <a:r>
-              <a:rPr lang="en-US" dirty="0" err="1">
-                <a:cs typeface="Calibri"/>
-              </a:rPr>
-              <a:t>Lexikálna</a:t>
-            </a:r>
-            <a:r>
-              <a:rPr lang="en-US" dirty="0">
-                <a:cs typeface="Calibri"/>
-              </a:rPr>
-              <a:t> </a:t>
-            </a:r>
-            <a:r>
-              <a:rPr lang="en-US" dirty="0" err="1">
-                <a:cs typeface="Calibri"/>
-              </a:rPr>
-              <a:t>analýza</a:t>
-            </a:r>
-            <a:endParaRPr lang="en-US">
-              <a:cs typeface="Calibri"/>
-            </a:endParaRPr>
-          </a:p>
-          <a:p>
-            <a:r>
-              <a:rPr lang="en-US" dirty="0">
-                <a:cs typeface="Calibri"/>
-              </a:rPr>
-              <a:t>4. </a:t>
-            </a:r>
-            <a:r>
-              <a:rPr lang="en-US" dirty="0" err="1">
-                <a:cs typeface="Calibri"/>
-              </a:rPr>
-              <a:t>Syntaktická</a:t>
-            </a:r>
-            <a:r>
-              <a:rPr lang="en-US" dirty="0">
-                <a:cs typeface="Calibri"/>
-              </a:rPr>
-              <a:t> </a:t>
-            </a:r>
-            <a:r>
-              <a:rPr lang="en-US" dirty="0" err="1">
-                <a:cs typeface="Calibri"/>
-              </a:rPr>
-              <a:t>analýza</a:t>
-            </a:r>
-            <a:endParaRPr lang="en-US" dirty="0">
-              <a:cs typeface="Calibri"/>
-            </a:endParaRPr>
-          </a:p>
-          <a:p>
-            <a:r>
-              <a:rPr lang="en-US" dirty="0">
-                <a:cs typeface="Calibri"/>
-              </a:rPr>
-              <a:t>5. </a:t>
-            </a:r>
-            <a:r>
-              <a:rPr lang="en-US" dirty="0" err="1">
-                <a:ea typeface="+mn-lt"/>
-                <a:cs typeface="+mn-lt"/>
-              </a:rPr>
-              <a:t>Precedenčná</a:t>
-            </a:r>
-            <a:r>
-              <a:rPr lang="en-US" dirty="0">
-                <a:ea typeface="+mn-lt"/>
-                <a:cs typeface="+mn-lt"/>
-              </a:rPr>
-              <a:t> </a:t>
-            </a:r>
-            <a:r>
-              <a:rPr lang="en-US" dirty="0" err="1">
-                <a:ea typeface="+mn-lt"/>
-                <a:cs typeface="+mn-lt"/>
-              </a:rPr>
-              <a:t>syntaktická</a:t>
-            </a:r>
-            <a:r>
-              <a:rPr lang="en-US" dirty="0">
-                <a:ea typeface="+mn-lt"/>
-                <a:cs typeface="+mn-lt"/>
-              </a:rPr>
-              <a:t> </a:t>
-            </a:r>
-            <a:r>
-              <a:rPr lang="en-US" dirty="0" err="1">
-                <a:ea typeface="+mn-lt"/>
-                <a:cs typeface="+mn-lt"/>
-              </a:rPr>
-              <a:t>analýza</a:t>
-            </a:r>
-            <a:endParaRPr lang="en-US">
-              <a:ea typeface="+mn-lt"/>
-              <a:cs typeface="+mn-lt"/>
-            </a:endParaRPr>
-          </a:p>
-          <a:p>
-            <a:r>
-              <a:rPr lang="en-US" dirty="0">
-                <a:cs typeface="Calibri"/>
-              </a:rPr>
-              <a:t>6. </a:t>
-            </a:r>
-            <a:r>
-              <a:rPr lang="en-US" dirty="0" err="1">
-                <a:cs typeface="Calibri"/>
-              </a:rPr>
-              <a:t>Tabuľka</a:t>
-            </a:r>
-            <a:r>
-              <a:rPr lang="en-US" dirty="0">
-                <a:cs typeface="Calibri"/>
-              </a:rPr>
-              <a:t> </a:t>
-            </a:r>
-            <a:r>
-              <a:rPr lang="en-US" dirty="0" err="1">
-                <a:cs typeface="Calibri"/>
-              </a:rPr>
-              <a:t>symbolov</a:t>
-            </a:r>
-            <a:endParaRPr lang="en-US" dirty="0">
-              <a:cs typeface="Calibri"/>
-            </a:endParaRPr>
-          </a:p>
-          <a:p>
-            <a:r>
-              <a:rPr lang="en-US" dirty="0">
-                <a:cs typeface="Calibri"/>
-              </a:rPr>
-              <a:t>7. </a:t>
-            </a:r>
-            <a:r>
-              <a:rPr lang="en-US" dirty="0" err="1">
-                <a:cs typeface="Calibri"/>
-              </a:rPr>
-              <a:t>Generovanie</a:t>
-            </a:r>
-            <a:r>
-              <a:rPr lang="en-US" dirty="0">
-                <a:cs typeface="Calibri"/>
-              </a:rPr>
-              <a:t> </a:t>
-            </a:r>
-            <a:r>
-              <a:rPr lang="en-US" dirty="0" err="1">
-                <a:cs typeface="Calibri"/>
-              </a:rPr>
-              <a:t>kódu</a:t>
-            </a:r>
-            <a:endParaRPr lang="en-US" dirty="0">
-              <a:cs typeface="Calibri"/>
-            </a:endParaRPr>
-          </a:p>
-          <a:p>
-            <a:r>
-              <a:rPr lang="en-US" dirty="0">
-                <a:cs typeface="Calibri"/>
-              </a:rPr>
-              <a:t>8. </a:t>
-            </a:r>
-            <a:r>
-              <a:rPr lang="en-US" dirty="0" err="1">
-                <a:cs typeface="Calibri"/>
-              </a:rPr>
-              <a:t>Záver</a:t>
-            </a:r>
-            <a:r>
-              <a:rPr lang="en-US" dirty="0">
-                <a:cs typeface="Calibri"/>
-              </a:rPr>
-              <a:t> + </a:t>
-            </a:r>
-            <a:r>
-              <a:rPr lang="en-US" dirty="0" err="1">
-                <a:cs typeface="Calibri"/>
-              </a:rPr>
-              <a:t>súhrn</a:t>
-            </a:r>
-            <a:r>
-              <a:rPr lang="en-US" dirty="0">
-                <a:cs typeface="Calibri"/>
-              </a:rPr>
-              <a:t> + </a:t>
-            </a:r>
-            <a:r>
-              <a:rPr lang="en-US" dirty="0" err="1">
-                <a:cs typeface="Calibri"/>
-              </a:rPr>
-              <a:t>otázky</a:t>
-            </a:r>
-            <a:endParaRPr lang="en-US" dirty="0">
-              <a:cs typeface="Calibri"/>
-            </a:endParaRPr>
-          </a:p>
-        </p:txBody>
-      </p:sp>
-      <p:pic>
-        <p:nvPicPr>
-          <p:cNvPr id="3" name="Picture 3" descr="Text, whiteboard&#10;&#10;Description automatically generated">
-            <a:extLst>
-              <a:ext uri="{FF2B5EF4-FFF2-40B4-BE49-F238E27FC236}">
-                <a16:creationId xmlns:a16="http://schemas.microsoft.com/office/drawing/2014/main" id="{A455C9C7-6BC3-48CA-97E1-704B094472AD}"/>
+                <a16:creationId xmlns:a16="http://schemas.microsoft.com/office/drawing/2014/main" id="{026659A5-36D9-4E90-A06B-59E7E8536391}"/>
               </a:ext>
             </a:extLst>
           </p:cNvPr>
           <p:cNvPicPr>
-            <a:picLocks noGrp="1" noChangeAspect="1"/>
+            <a:picLocks noChangeAspect="1"/>
           </p:cNvPicPr>
-          <p:nvPr>
-            <p:ph idx="1"/>
-          </p:nvPr>
+          <p:nvPr/>
         </p:nvPicPr>
         <p:blipFill>
           <a:blip r:embed="rId2"/>
@@ -4054,45 +3999,166 @@
         </p:blipFill>
         <p:spPr>
           <a:xfrm>
-            <a:off x="4816210" y="952113"/>
-            <a:ext cx="3265823" cy="4351338"/>
-          </a:xfrm>
-        </p:spPr>
-      </p:pic>
-      <p:pic>
-        <p:nvPicPr>
-          <p:cNvPr id="4" name="Picture 6" descr="Text&#10;&#10;Description automatically generated">
-            <a:extLst>
-              <a:ext uri="{FF2B5EF4-FFF2-40B4-BE49-F238E27FC236}">
-                <a16:creationId xmlns:a16="http://schemas.microsoft.com/office/drawing/2014/main" id="{D8B0293A-97CF-4B59-A86A-A7DEDD421A24}"/>
-              </a:ext>
-            </a:extLst>
-          </p:cNvPr>
-          <p:cNvPicPr>
-            <a:picLocks noChangeAspect="1"/>
-          </p:cNvPicPr>
-          <p:nvPr/>
-        </p:nvPicPr>
-        <p:blipFill>
-          <a:blip r:embed="rId3"/>
-          <a:stretch>
-            <a:fillRect/>
-          </a:stretch>
-        </p:blipFill>
-        <p:spPr>
-          <a:xfrm>
-            <a:off x="1090961" y="4768191"/>
-            <a:ext cx="10781370" cy="1884322"/>
+            <a:off x="7536331" y="2637103"/>
+            <a:ext cx="3124200" cy="2239338"/>
           </a:xfrm>
           <a:prstGeom prst="rect">
             <a:avLst/>
           </a:prstGeom>
         </p:spPr>
       </p:pic>
+      <p:sp>
+        <p:nvSpPr>
+          <p:cNvPr id="3" name="TextBox 2">
+            <a:extLst>
+              <a:ext uri="{FF2B5EF4-FFF2-40B4-BE49-F238E27FC236}">
+                <a16:creationId xmlns:a16="http://schemas.microsoft.com/office/drawing/2014/main" id="{52E2C29F-BB72-434A-8293-4AF1A2C6D112}"/>
+              </a:ext>
+            </a:extLst>
+          </p:cNvPr>
+          <p:cNvSpPr txBox="1"/>
+          <p:nvPr/>
+        </p:nvSpPr>
+        <p:spPr>
+          <a:xfrm>
+            <a:off x="842048" y="2039875"/>
+            <a:ext cx="5795176" cy="1200329"/>
+          </a:xfrm>
+          <a:prstGeom prst="rect">
+            <a:avLst/>
+          </a:prstGeom>
+          <a:noFill/>
+        </p:spPr>
+        <p:txBody>
+          <a:bodyPr wrap="none" lIns="91440" tIns="45720" rIns="91440" bIns="45720" rtlCol="0" anchor="t">
+            <a:spAutoFit/>
+          </a:bodyPr>
+          <a:lstStyle/>
+          <a:p>
+            <a:pPr marL="457200" indent="-457200">
+              <a:buFont typeface="Wingdings"/>
+              <a:buChar char="§"/>
+            </a:pPr>
+            <a:r>
+              <a:rPr lang="en-GB" sz="2400" dirty="0" err="1">
+                <a:latin typeface="Tahoma"/>
+                <a:ea typeface="Tahoma"/>
+                <a:cs typeface="Tahoma"/>
+              </a:rPr>
+              <a:t>Deterministický</a:t>
+            </a:r>
+            <a:r>
+              <a:rPr lang="en-GB" sz="2400" dirty="0">
+                <a:latin typeface="Tahoma"/>
+                <a:ea typeface="Tahoma"/>
+                <a:cs typeface="Tahoma"/>
+              </a:rPr>
+              <a:t> </a:t>
+            </a:r>
+            <a:r>
+              <a:rPr lang="en-GB" sz="2400" dirty="0" err="1">
+                <a:latin typeface="Tahoma"/>
+                <a:ea typeface="Tahoma"/>
+                <a:cs typeface="Tahoma"/>
+              </a:rPr>
+              <a:t>konečný</a:t>
+            </a:r>
+            <a:r>
+              <a:rPr lang="en-GB" sz="2400" dirty="0">
+                <a:latin typeface="Tahoma"/>
+                <a:ea typeface="Tahoma"/>
+                <a:cs typeface="Tahoma"/>
+              </a:rPr>
+              <a:t> automat</a:t>
+            </a:r>
+            <a:endParaRPr lang="en-US" sz="2400">
+              <a:cs typeface="Calibri"/>
+            </a:endParaRPr>
+          </a:p>
+          <a:p>
+            <a:pPr marL="457200" indent="-457200">
+              <a:buFont typeface="Wingdings"/>
+              <a:buChar char="§"/>
+            </a:pPr>
+            <a:endParaRPr lang="en-GB" sz="2400" dirty="0">
+              <a:latin typeface="Tahoma"/>
+              <a:ea typeface="Tahoma"/>
+              <a:cs typeface="Tahoma"/>
+            </a:endParaRPr>
+          </a:p>
+          <a:p>
+            <a:pPr marL="457200" indent="-457200">
+              <a:buFont typeface="Wingdings"/>
+              <a:buChar char="§"/>
+            </a:pPr>
+            <a:r>
+              <a:rPr lang="en-GB" sz="2400" dirty="0" err="1">
+                <a:latin typeface="Tahoma"/>
+                <a:ea typeface="Tahoma"/>
+                <a:cs typeface="Tahoma"/>
+              </a:rPr>
+              <a:t>Ukladanie</a:t>
+            </a:r>
+            <a:r>
+              <a:rPr lang="en-GB" sz="2400" dirty="0">
+                <a:latin typeface="Tahoma"/>
+                <a:ea typeface="Tahoma"/>
+                <a:cs typeface="Tahoma"/>
+              </a:rPr>
+              <a:t> </a:t>
+            </a:r>
+            <a:r>
+              <a:rPr lang="en-GB" sz="2400" dirty="0" err="1">
+                <a:latin typeface="Tahoma"/>
+                <a:ea typeface="Tahoma"/>
+                <a:cs typeface="Tahoma"/>
+              </a:rPr>
+              <a:t>zistených</a:t>
+            </a:r>
+            <a:r>
+              <a:rPr lang="en-GB" sz="2400" dirty="0">
+                <a:latin typeface="Tahoma"/>
+                <a:ea typeface="Tahoma"/>
+                <a:cs typeface="Tahoma"/>
+              </a:rPr>
+              <a:t> </a:t>
+            </a:r>
+            <a:r>
+              <a:rPr lang="en-GB" sz="2400" dirty="0" err="1">
+                <a:latin typeface="Tahoma"/>
+                <a:ea typeface="Tahoma"/>
+                <a:cs typeface="Tahoma"/>
+              </a:rPr>
+              <a:t>atribútov</a:t>
+            </a:r>
+            <a:r>
+              <a:rPr lang="en-GB" sz="2400" dirty="0">
+                <a:latin typeface="Tahoma"/>
+                <a:ea typeface="Tahoma"/>
+                <a:cs typeface="Tahoma"/>
+              </a:rPr>
+              <a:t> </a:t>
+            </a:r>
+            <a:r>
+              <a:rPr lang="en-GB" sz="2400" dirty="0" err="1">
+                <a:latin typeface="Tahoma"/>
+                <a:ea typeface="Tahoma"/>
+                <a:cs typeface="Tahoma"/>
+              </a:rPr>
+              <a:t>tokenov</a:t>
+            </a:r>
+            <a:endParaRPr lang="en-GB" sz="2400" dirty="0">
+              <a:latin typeface="Tahoma"/>
+              <a:ea typeface="Tahoma"/>
+              <a:cs typeface="Tahoma"/>
+            </a:endParaRPr>
+          </a:p>
+        </p:txBody>
+      </p:sp>
     </p:spTree>
     <p:extLst>
       <p:ext uri="{BB962C8B-B14F-4D97-AF65-F5344CB8AC3E}">
-        <p14:creationId xmlns:p14="http://schemas.microsoft.com/office/powerpoint/2010/main" val="116660394"/>
+        <p14:creationId xmlns:p14="http://schemas.microsoft.com/office/powerpoint/2010/main" val="3800555174"/>
       </p:ext>
     </p:extLst>
   </p:cSld>
@@ -4124,7 +4190,7 @@
           <p:cNvPr id="2" name="Title 1">
             <a:extLst>
               <a:ext uri="{FF2B5EF4-FFF2-40B4-BE49-F238E27FC236}">
-                <a16:creationId xmlns:a16="http://schemas.microsoft.com/office/drawing/2014/main" id="{B6DA41EB-856E-4E7E-922D-2A18E45DC16F}"/>
+                <a16:creationId xmlns:a16="http://schemas.microsoft.com/office/drawing/2014/main" id="{FCF24397-345F-4F73-AE0B-5923DE8A95F8}"/>
               </a:ext>
             </a:extLst>
           </p:cNvPr>
@@ -4142,39 +4208,51 @@
           <a:p>
             <a:r>
               <a:rPr lang="en-US" dirty="0" err="1">
+                <a:latin typeface="Tahoma"/>
+                <a:ea typeface="Tahoma"/>
                 <a:cs typeface="Calibri Light"/>
               </a:rPr>
-              <a:t>Lexikálna</a:t>
+              <a:t>Syntaktická</a:t>
             </a:r>
             <a:r>
               <a:rPr lang="en-US" dirty="0">
+                <a:latin typeface="Tahoma"/>
+                <a:ea typeface="Tahoma"/>
                 <a:cs typeface="Calibri Light"/>
               </a:rPr>
               <a:t> </a:t>
             </a:r>
             <a:r>
               <a:rPr lang="en-US" dirty="0" err="1">
+                <a:latin typeface="Tahoma"/>
+                <a:ea typeface="Tahoma"/>
                 <a:cs typeface="Calibri Light"/>
               </a:rPr>
               <a:t>analýza</a:t>
             </a:r>
-            <a:endParaRPr lang="en-US" dirty="0" err="1"/>
+            <a:endParaRPr lang="en-US">
+              <a:latin typeface="Tahoma"/>
+              <a:ea typeface="Tahoma"/>
+              <a:cs typeface="Tahoma"/>
+            </a:endParaRPr>
           </a:p>
         </p:txBody>
       </p:sp>
       <p:pic>
         <p:nvPicPr>
-          <p:cNvPr id="9" name="Picture 9" descr="Diagram&#10;&#10;Description automatically generated">
+          <p:cNvPr id="10" name="Picture 10" descr="A picture containing graphical user interface&#10;&#10;Description automatically generated">
             <a:extLst>
               <a:ext uri="{FF2B5EF4-FFF2-40B4-BE49-F238E27FC236}">
-                <a16:creationId xmlns:a16="http://schemas.microsoft.com/office/drawing/2014/main" id="{026659A5-36D9-4E90-A06B-59E7E8536391}"/>
+                <a16:creationId xmlns:a16="http://schemas.microsoft.com/office/drawing/2014/main" id="{5C5B4427-36D1-4382-AC96-2D42B2EE97B4}"/>
               </a:ext>
             </a:extLst>
           </p:cNvPr>
           <p:cNvPicPr>
-            <a:picLocks noChangeAspect="1"/>
+            <a:picLocks noGrp="1" noChangeAspect="1"/>
           </p:cNvPicPr>
-          <p:nvPr/>
+          <p:nvPr>
+            <p:ph idx="1"/>
+          </p:nvPr>
         </p:nvPicPr>
         <p:blipFill>
           <a:blip r:embed="rId2"/>
@@ -4184,20 +4262,17 @@
         </p:blipFill>
         <p:spPr>
           <a:xfrm>
-            <a:off x="1165657" y="3407963"/>
-            <a:ext cx="3124200" cy="2239338"/>
+            <a:off x="7269557" y="2416324"/>
+            <a:ext cx="3962400" cy="2571750"/>
           </a:xfrm>
-          <a:prstGeom prst="rect">
-            <a:avLst/>
-          </a:prstGeom>
         </p:spPr>
       </p:pic>
       <p:sp>
         <p:nvSpPr>
-          <p:cNvPr id="3" name="TextBox 2">
+          <p:cNvPr id="4" name="TextBox 3">
             <a:extLst>
               <a:ext uri="{FF2B5EF4-FFF2-40B4-BE49-F238E27FC236}">
-                <a16:creationId xmlns:a16="http://schemas.microsoft.com/office/drawing/2014/main" id="{52E2C29F-BB72-434A-8293-4AF1A2C6D112}"/>
+                <a16:creationId xmlns:a16="http://schemas.microsoft.com/office/drawing/2014/main" id="{3B41E830-1DCE-3E4C-B9FC-102485C9DC26}"/>
               </a:ext>
             </a:extLst>
           </p:cNvPr>
@@ -4206,8 +4281,8 @@
         </p:nvSpPr>
         <p:spPr>
           <a:xfrm>
-            <a:off x="886351" y="2137340"/>
-            <a:ext cx="3938771" cy="646331"/>
+            <a:off x="841255" y="2038614"/>
+            <a:ext cx="5824351" cy="1477328"/>
           </a:xfrm>
           <a:prstGeom prst="rect">
             <a:avLst/>
@@ -4215,112 +4290,154 @@
           <a:noFill/>
         </p:spPr>
         <p:txBody>
-          <a:bodyPr wrap="none" rtlCol="0">
+          <a:bodyPr wrap="none" lIns="91440" tIns="45720" rIns="91440" bIns="45720" rtlCol="0" anchor="t">
             <a:spAutoFit/>
           </a:bodyPr>
           <a:lstStyle/>
           <a:p>
+            <a:pPr marL="457200" indent="-457200">
+              <a:buFont typeface="Wingdings"/>
+              <a:buChar char="§"/>
+            </a:pPr>
+            <a:r>
+              <a:rPr lang="en-SK" sz="2400" dirty="0" err="1">
+                <a:latin typeface="Tahoma"/>
+                <a:ea typeface="Tahoma"/>
+                <a:cs typeface="Tahoma"/>
+              </a:rPr>
+              <a:t>Hlavný</a:t>
+            </a:r>
+            <a:r>
+              <a:rPr lang="en-SK" sz="2400" dirty="0">
+                <a:latin typeface="Tahoma"/>
+                <a:ea typeface="Tahoma"/>
+                <a:cs typeface="Tahoma"/>
+              </a:rPr>
+              <a:t> </a:t>
+            </a:r>
+            <a:r>
+              <a:rPr lang="en-SK" sz="2400" dirty="0" err="1">
+                <a:latin typeface="Tahoma"/>
+                <a:ea typeface="Tahoma"/>
+                <a:cs typeface="Tahoma"/>
+              </a:rPr>
+              <a:t>modul</a:t>
+            </a:r>
+            <a:r>
+              <a:rPr lang="en-SK" sz="2400" dirty="0">
+                <a:latin typeface="Tahoma"/>
+                <a:ea typeface="Tahoma"/>
+                <a:cs typeface="Tahoma"/>
+              </a:rPr>
+              <a:t> </a:t>
+            </a:r>
+            <a:r>
+              <a:rPr lang="en-SK" sz="2400" dirty="0" err="1">
+                <a:latin typeface="Tahoma"/>
+                <a:ea typeface="Tahoma"/>
+                <a:cs typeface="Tahoma"/>
+              </a:rPr>
+              <a:t>prekladača</a:t>
+            </a:r>
+            <a:endParaRPr lang="en-US" sz="2400" dirty="0">
+              <a:latin typeface="Tahoma"/>
+              <a:ea typeface="Tahoma"/>
+              <a:cs typeface="Tahoma"/>
+            </a:endParaRPr>
+          </a:p>
+          <a:p>
+            <a:pPr marL="457200" indent="-457200">
+              <a:buFont typeface="Wingdings"/>
+              <a:buChar char="§"/>
+            </a:pPr>
+            <a:endParaRPr lang="en-GB" sz="2400" dirty="0">
+              <a:latin typeface="Tahoma"/>
+              <a:ea typeface="Tahoma"/>
+              <a:cs typeface="Tahoma"/>
+            </a:endParaRPr>
+          </a:p>
+          <a:p>
+            <a:pPr marL="457200" indent="-457200">
+              <a:buFont typeface="Wingdings"/>
+              <a:buChar char="§"/>
+            </a:pPr>
+            <a:r>
+              <a:rPr lang="en-GB" sz="2400" dirty="0" err="1">
+                <a:latin typeface="Tahoma"/>
+                <a:ea typeface="Tahoma"/>
+                <a:cs typeface="Tahoma"/>
+              </a:rPr>
+              <a:t>Metóda</a:t>
+            </a:r>
+            <a:r>
+              <a:rPr lang="en-GB" sz="2400" dirty="0">
+                <a:latin typeface="Tahoma"/>
+                <a:ea typeface="Tahoma"/>
+                <a:cs typeface="Tahoma"/>
+              </a:rPr>
+              <a:t> </a:t>
+            </a:r>
+            <a:r>
+              <a:rPr lang="en-GB" sz="2400" dirty="0" err="1">
+                <a:latin typeface="Tahoma"/>
+                <a:ea typeface="Tahoma"/>
+                <a:cs typeface="Tahoma"/>
+              </a:rPr>
+              <a:t>zhora</a:t>
+            </a:r>
+            <a:r>
+              <a:rPr lang="en-GB" sz="2400" dirty="0">
+                <a:latin typeface="Tahoma"/>
+                <a:ea typeface="Tahoma"/>
+                <a:cs typeface="Tahoma"/>
+              </a:rPr>
+              <a:t> dole - </a:t>
+            </a:r>
+            <a:r>
+              <a:rPr lang="en-GB" sz="2400" dirty="0" err="1">
+                <a:latin typeface="Tahoma"/>
+                <a:ea typeface="Tahoma"/>
+                <a:cs typeface="Tahoma"/>
+              </a:rPr>
+              <a:t>rekurzívny</a:t>
+            </a:r>
+            <a:r>
+              <a:rPr lang="en-GB" sz="2400" dirty="0">
+                <a:latin typeface="Tahoma"/>
+                <a:ea typeface="Tahoma"/>
+                <a:cs typeface="Tahoma"/>
+              </a:rPr>
+              <a:t> </a:t>
+            </a:r>
+            <a:r>
+              <a:rPr lang="en-GB" sz="2400" dirty="0" err="1">
+                <a:latin typeface="Tahoma"/>
+                <a:ea typeface="Tahoma"/>
+                <a:cs typeface="Tahoma"/>
+              </a:rPr>
+              <a:t>zostup</a:t>
+            </a:r>
+            <a:endParaRPr lang="en-GB" sz="2400" dirty="0">
+              <a:latin typeface="Calibri" panose="020F0502020204030204"/>
+              <a:ea typeface="Tahoma"/>
+              <a:cs typeface="Calibri" panose="020F0502020204030204"/>
+            </a:endParaRPr>
+          </a:p>
+          <a:p>
             <a:pPr marL="285750" indent="-285750">
-              <a:buFontTx/>
-              <a:buChar char="-"/>
+              <a:buFont typeface="Wingdings"/>
+              <a:buChar char="§"/>
             </a:pPr>
-            <a:r>
-              <a:rPr lang="en-GB" dirty="0" err="1"/>
-              <a:t>Deterministický</a:t>
-            </a:r>
-            <a:r>
-              <a:rPr lang="en-GB" dirty="0"/>
-              <a:t> </a:t>
-            </a:r>
-            <a:r>
-              <a:rPr lang="en-GB" dirty="0" err="1"/>
-              <a:t>konečný</a:t>
-            </a:r>
-            <a:r>
-              <a:rPr lang="en-GB" dirty="0"/>
-              <a:t> automat</a:t>
-            </a:r>
-          </a:p>
-          <a:p>
-            <a:pPr marL="285750" indent="-285750">
-              <a:buFontTx/>
-              <a:buChar char="-"/>
-            </a:pPr>
-            <a:r>
-              <a:rPr lang="en-GB" dirty="0" err="1"/>
-              <a:t>Ukladanie</a:t>
-            </a:r>
-            <a:r>
-              <a:rPr lang="en-GB" dirty="0"/>
-              <a:t> </a:t>
-            </a:r>
-            <a:r>
-              <a:rPr lang="en-GB" dirty="0" err="1"/>
-              <a:t>zistených</a:t>
-            </a:r>
-            <a:r>
-              <a:rPr lang="en-GB" dirty="0"/>
-              <a:t> </a:t>
-            </a:r>
-            <a:r>
-              <a:rPr lang="en-GB" dirty="0" err="1"/>
-              <a:t>atribútov</a:t>
-            </a:r>
-            <a:r>
-              <a:rPr lang="en-GB" dirty="0"/>
-              <a:t> </a:t>
-            </a:r>
-            <a:r>
-              <a:rPr lang="en-GB" dirty="0" err="1"/>
-              <a:t>toknov</a:t>
-            </a:r>
-            <a:endParaRPr lang="en-GB" dirty="0"/>
-          </a:p>
-        </p:txBody>
-      </p:sp>
-      <p:sp>
-        <p:nvSpPr>
-          <p:cNvPr id="4" name="TextBox 3">
-            <a:extLst>
-              <a:ext uri="{FF2B5EF4-FFF2-40B4-BE49-F238E27FC236}">
-                <a16:creationId xmlns:a16="http://schemas.microsoft.com/office/drawing/2014/main" id="{26871D94-2B78-204A-9A69-7D8D895B730F}"/>
-              </a:ext>
-            </a:extLst>
-          </p:cNvPr>
-          <p:cNvSpPr txBox="1"/>
-          <p:nvPr/>
-        </p:nvSpPr>
-        <p:spPr>
-          <a:xfrm>
-            <a:off x="8212770" y="3567843"/>
-            <a:ext cx="2636684" cy="369332"/>
-          </a:xfrm>
-          <a:prstGeom prst="rect">
-            <a:avLst/>
-          </a:prstGeom>
-          <a:noFill/>
-        </p:spPr>
-        <p:txBody>
-          <a:bodyPr wrap="none" rtlCol="0">
-            <a:spAutoFit/>
-          </a:bodyPr>
-          <a:lstStyle/>
-          <a:p>
-            <a:r>
-              <a:rPr lang="en-GB" dirty="0"/>
-              <a:t>O</a:t>
-            </a:r>
-            <a:r>
-              <a:rPr lang="en-SK" dirty="0"/>
-              <a:t>brazok konecny automat</a:t>
-            </a:r>
+            <a:endParaRPr lang="en-GB" dirty="0">
+              <a:cs typeface="Calibri" panose="020F0502020204030204"/>
+            </a:endParaRPr>
           </a:p>
         </p:txBody>
       </p:sp>
     </p:spTree>
     <p:extLst>
       <p:ext uri="{BB962C8B-B14F-4D97-AF65-F5344CB8AC3E}">
-        <p14:creationId xmlns:p14="http://schemas.microsoft.com/office/powerpoint/2010/main" val="3800555174"/>
+        <p14:creationId xmlns:p14="http://schemas.microsoft.com/office/powerpoint/2010/main" val="3360263849"/>
       </p:ext>
     </p:extLst>
   </p:cSld>
@@ -4352,7 +4469,7 @@
           <p:cNvPr id="2" name="Title 1">
             <a:extLst>
               <a:ext uri="{FF2B5EF4-FFF2-40B4-BE49-F238E27FC236}">
-                <a16:creationId xmlns:a16="http://schemas.microsoft.com/office/drawing/2014/main" id="{FCF24397-345F-4F73-AE0B-5923DE8A95F8}"/>
+                <a16:creationId xmlns:a16="http://schemas.microsoft.com/office/drawing/2014/main" id="{594FD89F-3BAC-4785-9D93-3AC76CFAA927}"/>
               </a:ext>
             </a:extLst>
           </p:cNvPr>
@@ -4370,41 +4487,65 @@
           <a:p>
             <a:r>
               <a:rPr lang="en-US" dirty="0" err="1">
+                <a:latin typeface="Tahoma"/>
+                <a:ea typeface="Tahoma"/>
                 <a:cs typeface="Calibri Light"/>
               </a:rPr>
-              <a:t>Syntaktická</a:t>
+              <a:t>Precedenčná</a:t>
             </a:r>
             <a:r>
               <a:rPr lang="en-US" dirty="0">
+                <a:latin typeface="Tahoma"/>
+                <a:ea typeface="Tahoma"/>
                 <a:cs typeface="Calibri Light"/>
               </a:rPr>
               <a:t> </a:t>
             </a:r>
             <a:r>
               <a:rPr lang="en-US" dirty="0" err="1">
+                <a:latin typeface="Tahoma"/>
+                <a:ea typeface="Tahoma"/>
                 <a:cs typeface="Calibri Light"/>
               </a:rPr>
+              <a:t>syntaktická</a:t>
+            </a:r>
+            <a:r>
+              <a:rPr lang="en-US" dirty="0">
+                <a:latin typeface="Tahoma"/>
+                <a:ea typeface="Tahoma"/>
+                <a:cs typeface="Calibri Light"/>
+              </a:rPr>
+              <a:t> </a:t>
+            </a:r>
+            <a:r>
+              <a:rPr lang="en-US" dirty="0" err="1">
+                <a:latin typeface="Tahoma"/>
+                <a:ea typeface="Tahoma"/>
+                <a:cs typeface="Calibri Light"/>
+              </a:rPr>
               <a:t>analýza</a:t>
             </a:r>
-            <a:endParaRPr lang="en-US" dirty="0" err="1"/>
+            <a:endParaRPr lang="en-US">
+              <a:latin typeface="Tahoma"/>
+              <a:ea typeface="Tahoma"/>
+              <a:cs typeface="Tahoma"/>
+            </a:endParaRPr>
           </a:p>
         </p:txBody>
       </p:sp>
       <p:pic>
         <p:nvPicPr>
-          <p:cNvPr id="10" name="Picture 10" descr="A picture containing graphical user interface&#10;&#10;Description automatically generated">
+          <p:cNvPr id="3" name="Picture 4" descr="Graphical user interface&#10;&#10;Description automatically generated">
             <a:extLst>
               <a:ext uri="{FF2B5EF4-FFF2-40B4-BE49-F238E27FC236}">
-                <a16:creationId xmlns:a16="http://schemas.microsoft.com/office/drawing/2014/main" id="{5C5B4427-36D1-4382-AC96-2D42B2EE97B4}"/>
+                <a16:creationId xmlns:a16="http://schemas.microsoft.com/office/drawing/2014/main" id="{DD627D19-6904-4F4E-B8C4-F2B4F77B48E6}"/>
               </a:ext>
             </a:extLst>
           </p:cNvPr>
           <p:cNvPicPr>
-            <a:picLocks noGrp="1" noChangeAspect="1"/>
+            <a:picLocks noChangeAspect="1"/>
           </p:cNvPicPr>
-          <p:nvPr>
-            <p:ph idx="1"/>
-          </p:nvPr>
+          <p:nvPr/>
         </p:nvPicPr>
         <p:blipFill>
           <a:blip r:embed="rId2"/>
@@ -4414,17 +4555,20 @@
         </p:blipFill>
         <p:spPr>
           <a:xfrm>
-            <a:off x="6410093" y="2380882"/>
-            <a:ext cx="3962400" cy="2571750"/>
+            <a:off x="7312939" y="2428420"/>
+            <a:ext cx="4257907" cy="2559008"/>
           </a:xfrm>
+          <a:prstGeom prst="rect">
+            <a:avLst/>
+          </a:prstGeom>
         </p:spPr>
       </p:pic>
       <p:sp>
         <p:nvSpPr>
-          <p:cNvPr id="4" name="TextBox 3">
+          <p:cNvPr id="6" name="TextBox 5">
             <a:extLst>
               <a:ext uri="{FF2B5EF4-FFF2-40B4-BE49-F238E27FC236}">
-                <a16:creationId xmlns:a16="http://schemas.microsoft.com/office/drawing/2014/main" id="{3B41E830-1DCE-3E4C-B9FC-102485C9DC26}"/>
+                <a16:creationId xmlns:a16="http://schemas.microsoft.com/office/drawing/2014/main" id="{87270F11-48A4-45C9-93F5-E24085279D65}"/>
               </a:ext>
             </a:extLst>
           </p:cNvPr>
@@ -4433,8 +4577,8 @@
         </p:nvSpPr>
         <p:spPr>
           <a:xfrm>
-            <a:off x="1514650" y="2384172"/>
-            <a:ext cx="3898375" cy="923330"/>
+            <a:off x="841255" y="2038614"/>
+            <a:ext cx="6310125" cy="1477328"/>
           </a:xfrm>
           <a:prstGeom prst="rect">
             <a:avLst/>
@@ -4442,64 +4586,173 @@
           <a:noFill/>
         </p:spPr>
         <p:txBody>
-          <a:bodyPr wrap="none" rtlCol="0">
+          <a:bodyPr wrap="none" lIns="91440" tIns="45720" rIns="91440" bIns="45720" rtlCol="0" anchor="t">
             <a:spAutoFit/>
           </a:bodyPr>
           <a:lstStyle/>
           <a:p>
-            <a:r>
-              <a:rPr lang="en-SK" dirty="0"/>
-              <a:t>-  Hlavný modul prekladača</a:t>
-            </a:r>
-          </a:p>
-          <a:p>
-            <a:r>
-              <a:rPr lang="en-GB" dirty="0"/>
-              <a:t>- </a:t>
-            </a:r>
-            <a:r>
-              <a:rPr lang="en-GB" dirty="0" err="1"/>
+            <a:pPr marL="457200" indent="-457200">
+              <a:buFont typeface="Wingdings"/>
+              <a:buChar char="§"/>
+            </a:pPr>
+            <a:r>
+              <a:rPr lang="en-SK" sz="2400" dirty="0">
+                <a:latin typeface="Tahoma"/>
+                <a:ea typeface="Tahoma"/>
+                <a:cs typeface="Tahoma"/>
+              </a:rPr>
+              <a:t>Modul </a:t>
+            </a:r>
+            <a:r>
+              <a:rPr lang="en-SK" sz="2400" dirty="0" err="1">
+                <a:latin typeface="Tahoma"/>
+                <a:ea typeface="Tahoma"/>
+                <a:cs typeface="Tahoma"/>
+              </a:rPr>
+              <a:t>na</a:t>
+            </a:r>
+            <a:r>
+              <a:rPr lang="en-SK" sz="2400" dirty="0">
+                <a:latin typeface="Tahoma"/>
+                <a:ea typeface="Tahoma"/>
+                <a:cs typeface="Tahoma"/>
+              </a:rPr>
+              <a:t> </a:t>
+            </a:r>
+            <a:r>
+              <a:rPr lang="en-SK" sz="2400" dirty="0" err="1">
+                <a:latin typeface="Tahoma"/>
+                <a:ea typeface="Tahoma"/>
+                <a:cs typeface="Tahoma"/>
+              </a:rPr>
+              <a:t>spracovanie</a:t>
+            </a:r>
+            <a:r>
+              <a:rPr lang="en-SK" sz="2400" dirty="0">
+                <a:latin typeface="Tahoma"/>
+                <a:ea typeface="Tahoma"/>
+                <a:cs typeface="Tahoma"/>
+              </a:rPr>
+              <a:t> </a:t>
+            </a:r>
+            <a:r>
+              <a:rPr lang="en-SK" sz="2400" dirty="0" err="1">
+                <a:latin typeface="Tahoma"/>
+                <a:ea typeface="Tahoma"/>
+                <a:cs typeface="Tahoma"/>
+              </a:rPr>
+              <a:t>výrazov</a:t>
+            </a:r>
+            <a:endParaRPr lang="en-US" sz="2400" dirty="0" err="1">
+              <a:latin typeface="Tahoma"/>
+              <a:ea typeface="Tahoma"/>
+              <a:cs typeface="Tahoma"/>
+            </a:endParaRPr>
+          </a:p>
+          <a:p>
+            <a:pPr marL="457200" indent="-457200">
+              <a:buFont typeface="Wingdings"/>
+              <a:buChar char="§"/>
+            </a:pPr>
+            <a:endParaRPr lang="en-GB" sz="2400" dirty="0">
+              <a:latin typeface="Tahoma"/>
+              <a:ea typeface="Tahoma"/>
+              <a:cs typeface="Tahoma"/>
+            </a:endParaRPr>
+          </a:p>
+          <a:p>
+            <a:pPr marL="457200" indent="-457200">
+              <a:buFont typeface="Wingdings"/>
+              <a:buChar char="§"/>
+            </a:pPr>
+            <a:r>
+              <a:rPr lang="en-GB" sz="2400" dirty="0" err="1">
+                <a:latin typeface="Tahoma"/>
+                <a:ea typeface="Tahoma"/>
+                <a:cs typeface="Tahoma"/>
+              </a:rPr>
               <a:t>Metóda</a:t>
             </a:r>
             <a:r>
-              <a:rPr lang="en-GB" dirty="0"/>
+              <a:rPr lang="en-GB" sz="2400" dirty="0">
+                <a:latin typeface="Tahoma"/>
+                <a:ea typeface="Tahoma"/>
+                <a:cs typeface="Tahoma"/>
+              </a:rPr>
               <a:t> </a:t>
             </a:r>
             <a:r>
-              <a:rPr lang="en-GB" dirty="0" err="1"/>
-              <a:t>zhora</a:t>
-            </a:r>
-            <a:r>
-              <a:rPr lang="en-GB" dirty="0"/>
-              <a:t> dole - </a:t>
-            </a:r>
-            <a:r>
-              <a:rPr lang="en-GB" dirty="0" err="1"/>
-              <a:t>rekurzivny</a:t>
-            </a:r>
-            <a:r>
-              <a:rPr lang="en-GB" dirty="0"/>
+              <a:rPr lang="en-GB" sz="2400" dirty="0" err="1">
+                <a:latin typeface="Tahoma"/>
+                <a:ea typeface="Tahoma"/>
+                <a:cs typeface="Tahoma"/>
+              </a:rPr>
+              <a:t>zdola</a:t>
+            </a:r>
+            <a:r>
+              <a:rPr lang="en-GB" sz="2400" dirty="0">
+                <a:latin typeface="Tahoma"/>
+                <a:ea typeface="Tahoma"/>
+                <a:cs typeface="Tahoma"/>
+              </a:rPr>
               <a:t> </a:t>
             </a:r>
             <a:r>
-              <a:rPr lang="en-GB" dirty="0" err="1"/>
-              <a:t>zostup</a:t>
-            </a:r>
-            <a:endParaRPr lang="en-GB" dirty="0"/>
+              <a:rPr lang="en-GB" sz="2400" dirty="0" err="1">
+                <a:latin typeface="Tahoma"/>
+                <a:ea typeface="Tahoma"/>
+                <a:cs typeface="Tahoma"/>
+              </a:rPr>
+              <a:t>hore</a:t>
+            </a:r>
+            <a:r>
+              <a:rPr lang="en-GB" sz="2400" dirty="0">
+                <a:latin typeface="Tahoma"/>
+                <a:ea typeface="Tahoma"/>
+                <a:cs typeface="Tahoma"/>
+              </a:rPr>
+              <a:t> - </a:t>
+            </a:r>
+            <a:r>
+              <a:rPr lang="en-GB" sz="2400" dirty="0" err="1">
+                <a:latin typeface="Tahoma"/>
+                <a:ea typeface="Tahoma"/>
+                <a:cs typeface="Tahoma"/>
+              </a:rPr>
+              <a:t>precedenčná</a:t>
+            </a:r>
+            <a:r>
+              <a:rPr lang="en-GB" sz="2400" dirty="0">
+                <a:latin typeface="Tahoma"/>
+                <a:ea typeface="Tahoma"/>
+                <a:cs typeface="Tahoma"/>
+              </a:rPr>
+              <a:t> </a:t>
+            </a:r>
+            <a:r>
+              <a:rPr lang="en-GB" sz="2400" dirty="0" err="1">
+                <a:latin typeface="Tahoma"/>
+                <a:ea typeface="Tahoma"/>
+                <a:cs typeface="Tahoma"/>
+              </a:rPr>
+              <a:t>tabuľka</a:t>
+            </a:r>
           </a:p>
           <a:p>
             <a:pPr marL="285750" indent="-285750">
-              <a:buFontTx/>
-              <a:buChar char="-"/>
+              <a:buFont typeface="Wingdings"/>
+              <a:buChar char="§"/>
             </a:pPr>
-            <a:endParaRPr lang="en-GB" dirty="0"/>
+            <a:endParaRPr lang="en-GB" dirty="0">
+              <a:cs typeface="Calibri" panose="020F0502020204030204"/>
+            </a:endParaRPr>
           </a:p>
         </p:txBody>
       </p:sp>
     </p:spTree>
     <p:extLst>
       <p:ext uri="{BB962C8B-B14F-4D97-AF65-F5344CB8AC3E}">
-        <p14:creationId xmlns:p14="http://schemas.microsoft.com/office/powerpoint/2010/main" val="3360263849"/>
+        <p14:creationId xmlns:p14="http://schemas.microsoft.com/office/powerpoint/2010/main" val="3885767597"/>
       </p:ext>
     </p:extLst>
   </p:cSld>
@@ -4531,7 +4784,7 @@
           <p:cNvPr id="2" name="Title 1">
             <a:extLst>
               <a:ext uri="{FF2B5EF4-FFF2-40B4-BE49-F238E27FC236}">
-                <a16:creationId xmlns:a16="http://schemas.microsoft.com/office/drawing/2014/main" id="{594FD89F-3BAC-4785-9D93-3AC76CFAA927}"/>
+                <a16:creationId xmlns:a16="http://schemas.microsoft.com/office/drawing/2014/main" id="{6311DD34-C0A6-4599-9BCA-1968BCDB2398}"/>
               </a:ext>
             </a:extLst>
           </p:cNvPr>
@@ -4549,51 +4802,51 @@
           <a:p>
             <a:r>
               <a:rPr lang="en-US" dirty="0" err="1">
+                <a:latin typeface="Tahoma"/>
+                <a:ea typeface="Tahoma"/>
                 <a:cs typeface="Calibri Light"/>
               </a:rPr>
-              <a:t>Precedenčná</a:t>
+              <a:t>Sémantické</a:t>
             </a:r>
             <a:r>
               <a:rPr lang="en-US" dirty="0">
+                <a:latin typeface="Tahoma"/>
+                <a:ea typeface="Tahoma"/>
                 <a:cs typeface="Calibri Light"/>
               </a:rPr>
               <a:t> </a:t>
             </a:r>
             <a:r>
               <a:rPr lang="en-US" dirty="0" err="1">
+                <a:latin typeface="Tahoma"/>
+                <a:ea typeface="Tahoma"/>
                 <a:cs typeface="Calibri Light"/>
               </a:rPr>
-              <a:t>syntaktická</a:t>
-            </a:r>
-            <a:r>
-              <a:rPr lang="en-US" dirty="0">
-                <a:cs typeface="Calibri Light"/>
-              </a:rPr>
-              <a:t> </a:t>
-            </a:r>
-            <a:r>
-              <a:rPr lang="en-US" dirty="0" err="1">
-                <a:cs typeface="Calibri Light"/>
-              </a:rPr>
-              <a:t>analýza</a:t>
-            </a:r>
-            <a:endParaRPr lang="en-US" dirty="0" err="1"/>
+              <a:t>akcie</a:t>
+            </a:r>
+            <a:endParaRPr lang="en-US">
+              <a:latin typeface="Tahoma"/>
+              <a:ea typeface="Tahoma"/>
+              <a:cs typeface="Tahoma"/>
+            </a:endParaRPr>
           </a:p>
         </p:txBody>
       </p:sp>
       <p:pic>
         <p:nvPicPr>
-          <p:cNvPr id="3" name="Picture 4" descr="Graphical user interface&#10;&#10;Description automatically generated">
+          <p:cNvPr id="4" name="Picture 4">
             <a:extLst>
               <a:ext uri="{FF2B5EF4-FFF2-40B4-BE49-F238E27FC236}">
-                <a16:creationId xmlns:a16="http://schemas.microsoft.com/office/drawing/2014/main" id="{DD627D19-6904-4F4E-B8C4-F2B4F77B48E6}"/>
+                <a16:creationId xmlns:a16="http://schemas.microsoft.com/office/drawing/2014/main" id="{395D2FCA-E525-4621-A792-0736D63A87FB}"/>
               </a:ext>
             </a:extLst>
           </p:cNvPr>
           <p:cNvPicPr>
-            <a:picLocks noChangeAspect="1"/>
+            <a:picLocks noGrp="1" noChangeAspect="1"/>
           </p:cNvPicPr>
-          <p:nvPr/>
+          <p:nvPr>
+            <p:ph idx="1"/>
+          </p:nvPr>
         </p:nvPicPr>
         <p:blipFill>
           <a:blip r:embed="rId2"/>
@@ -4603,20 +4856,17 @@
         </p:blipFill>
         <p:spPr>
           <a:xfrm>
-            <a:off x="6196520" y="3110676"/>
-            <a:ext cx="4257907" cy="2559008"/>
+            <a:off x="6993062" y="1918711"/>
+            <a:ext cx="3743325" cy="3686175"/>
           </a:xfrm>
-          <a:prstGeom prst="rect">
-            <a:avLst/>
-          </a:prstGeom>
         </p:spPr>
       </p:pic>
       <p:sp>
         <p:nvSpPr>
-          <p:cNvPr id="4" name="TextBox 3">
+          <p:cNvPr id="6" name="TextBox 5">
             <a:extLst>
               <a:ext uri="{FF2B5EF4-FFF2-40B4-BE49-F238E27FC236}">
-                <a16:creationId xmlns:a16="http://schemas.microsoft.com/office/drawing/2014/main" id="{2717F4EA-B734-D14F-895F-5BE310671C15}"/>
+                <a16:creationId xmlns:a16="http://schemas.microsoft.com/office/drawing/2014/main" id="{6D964EB0-DF42-46C4-9D6F-6A8F01D789CC}"/>
               </a:ext>
             </a:extLst>
           </p:cNvPr>
@@ -4625,8 +4875,8 @@
         </p:nvSpPr>
         <p:spPr>
           <a:xfrm>
-            <a:off x="838200" y="1828800"/>
-            <a:ext cx="4431983" cy="1200329"/>
+            <a:off x="841255" y="2038614"/>
+            <a:ext cx="5227393" cy="830997"/>
           </a:xfrm>
           <a:prstGeom prst="rect">
             <a:avLst/>
@@ -4634,83 +4884,74 @@
           <a:noFill/>
         </p:spPr>
         <p:txBody>
-          <a:bodyPr wrap="none" rtlCol="0">
+          <a:bodyPr wrap="none" lIns="91440" tIns="45720" rIns="91440" bIns="45720" rtlCol="0" anchor="t">
             <a:spAutoFit/>
           </a:bodyPr>
           <a:lstStyle/>
           <a:p>
-            <a:pPr marL="285750" indent="-285750">
-              <a:buFontTx/>
-              <a:buChar char="-"/>
+            <a:pPr marL="457200" indent="-457200">
+              <a:buFont typeface="Wingdings"/>
+              <a:buChar char="§"/>
             </a:pPr>
             <a:r>
-              <a:rPr lang="en-SK" dirty="0"/>
-              <a:t>Modul na spracovanie vyrazu</a:t>
-            </a:r>
-          </a:p>
-          <a:p>
-            <a:pPr marL="285750" indent="-285750">
-              <a:buFontTx/>
-              <a:buChar char="-"/>
-            </a:pPr>
-            <a:r>
-              <a:rPr lang="en-GB" dirty="0" err="1"/>
-              <a:t>Metóda</a:t>
-            </a:r>
-            <a:r>
-              <a:rPr lang="en-GB" dirty="0"/>
+              <a:rPr lang="en-SK" sz="2400" dirty="0" err="1">
+                <a:latin typeface="Tahoma"/>
+                <a:ea typeface="Tahoma"/>
+                <a:cs typeface="Tahoma"/>
+              </a:rPr>
+              <a:t>Tabuľka</a:t>
+            </a:r>
+            <a:r>
+              <a:rPr lang="en-SK" sz="2400" dirty="0">
+                <a:latin typeface="Tahoma"/>
+                <a:ea typeface="Tahoma"/>
+                <a:cs typeface="Tahoma"/>
+              </a:rPr>
+              <a:t> s </a:t>
+            </a:r>
+            <a:r>
+              <a:rPr lang="en-SK" sz="2400" dirty="0" err="1">
+                <a:latin typeface="Tahoma"/>
+                <a:ea typeface="Tahoma"/>
+                <a:cs typeface="Tahoma"/>
+              </a:rPr>
+              <a:t>rozptýlenými</a:t>
+            </a:r>
+            <a:r>
+              <a:rPr lang="en-SK" sz="2400" dirty="0">
+                <a:latin typeface="Tahoma"/>
+                <a:ea typeface="Tahoma"/>
+                <a:cs typeface="Tahoma"/>
+              </a:rPr>
               <a:t> </a:t>
             </a:r>
             <a:r>
-              <a:rPr lang="en-GB" dirty="0" err="1"/>
-              <a:t>zdola</a:t>
-            </a:r>
-            <a:r>
-              <a:rPr lang="en-GB" dirty="0"/>
-              <a:t> </a:t>
-            </a:r>
-            <a:r>
-              <a:rPr lang="en-GB" dirty="0" err="1"/>
-              <a:t>hore</a:t>
-            </a:r>
-            <a:r>
-              <a:rPr lang="en-GB" dirty="0"/>
-              <a:t> – </a:t>
-            </a:r>
-            <a:r>
-              <a:rPr lang="en-GB" dirty="0" err="1"/>
-              <a:t>precedencna</a:t>
-            </a:r>
-            <a:r>
-              <a:rPr lang="en-GB" dirty="0"/>
-              <a:t> </a:t>
-            </a:r>
-            <a:r>
-              <a:rPr lang="en-GB" dirty="0" err="1"/>
-              <a:t>tabulka</a:t>
-            </a:r>
-            <a:endParaRPr lang="en-GB" dirty="0"/>
-          </a:p>
-          <a:p>
-            <a:pPr marL="285750" indent="-285750">
-              <a:buFontTx/>
-              <a:buChar char="-"/>
-            </a:pPr>
-            <a:endParaRPr lang="en-GB" dirty="0"/>
-          </a:p>
-          <a:p>
-            <a:pPr marL="285750" indent="-285750">
-              <a:buFontTx/>
-              <a:buChar char="-"/>
-            </a:pPr>
-            <a:endParaRPr lang="en-SK" dirty="0"/>
+              <a:rPr lang="en-SK" sz="2400" dirty="0" err="1">
+                <a:latin typeface="Tahoma"/>
+                <a:ea typeface="Tahoma"/>
+                <a:cs typeface="Tahoma"/>
+              </a:rPr>
+              <a:t>položkami</a:t>
+            </a:r>
+            <a:endParaRPr lang="en-US" sz="2400" dirty="0" err="1">
+              <a:latin typeface="Tahoma"/>
+              <a:ea typeface="Tahoma"/>
+              <a:cs typeface="Tahoma"/>
+            </a:endParaRPr>
+          </a:p>
+          <a:p>
+            <a:endParaRPr lang="en-GB" sz="2400" dirty="0">
+              <a:latin typeface="Tahoma"/>
+              <a:ea typeface="Tahoma"/>
+              <a:cs typeface="Tahoma"/>
+            </a:endParaRPr>
           </a:p>
         </p:txBody>
       </p:sp>
     </p:spTree>
     <p:extLst>
       <p:ext uri="{BB962C8B-B14F-4D97-AF65-F5344CB8AC3E}">
-        <p14:creationId xmlns:p14="http://schemas.microsoft.com/office/powerpoint/2010/main" val="3885767597"/>
+        <p14:creationId xmlns:p14="http://schemas.microsoft.com/office/powerpoint/2010/main" val="3710337630"/>
       </p:ext>
     </p:extLst>
   </p:cSld>
@@ -4742,7 +4983,7 @@
           <p:cNvPr id="2" name="Title 1">
             <a:extLst>
               <a:ext uri="{FF2B5EF4-FFF2-40B4-BE49-F238E27FC236}">
-                <a16:creationId xmlns:a16="http://schemas.microsoft.com/office/drawing/2014/main" id="{6311DD34-C0A6-4599-9BCA-1968BCDB2398}"/>
+                <a16:creationId xmlns:a16="http://schemas.microsoft.com/office/drawing/2014/main" id="{41E1E45A-C42E-4692-A857-122705977850}"/>
               </a:ext>
             </a:extLst>
           </p:cNvPr>
@@ -4760,32 +5001,42 @@
           <a:p>
             <a:r>
               <a:rPr lang="en-US" dirty="0" err="1">
+                <a:latin typeface="Tahoma"/>
+                <a:ea typeface="Tahoma"/>
                 <a:cs typeface="Calibri Light"/>
               </a:rPr>
-              <a:t>Semtanticke</a:t>
+              <a:t>Generovanie</a:t>
             </a:r>
             <a:r>
               <a:rPr lang="en-US" dirty="0">
+                <a:latin typeface="Tahoma"/>
+                <a:ea typeface="Tahoma"/>
                 <a:cs typeface="Calibri Light"/>
               </a:rPr>
               <a:t> </a:t>
             </a:r>
             <a:r>
               <a:rPr lang="en-US" dirty="0" err="1">
+                <a:latin typeface="Tahoma"/>
+                <a:ea typeface="Tahoma"/>
                 <a:cs typeface="Calibri Light"/>
               </a:rPr>
-              <a:t>akcie</a:t>
-            </a:r>
-            <a:endParaRPr lang="en-US" dirty="0"/>
+              <a:t>kódu</a:t>
+            </a:r>
+            <a:endParaRPr lang="en-US" dirty="0">
+              <a:latin typeface="Tahoma"/>
+              <a:ea typeface="Tahoma"/>
+              <a:cs typeface="Tahoma"/>
+            </a:endParaRPr>
           </a:p>
         </p:txBody>
       </p:sp>
       <p:pic>
         <p:nvPicPr>
-          <p:cNvPr id="4" name="Picture 4">
+          <p:cNvPr id="4" name="Picture 4" descr="A picture containing graphical user interface&#10;&#10;Description automatically generated">
             <a:extLst>
               <a:ext uri="{FF2B5EF4-FFF2-40B4-BE49-F238E27FC236}">
-                <a16:creationId xmlns:a16="http://schemas.microsoft.com/office/drawing/2014/main" id="{395D2FCA-E525-4621-A792-0736D63A87FB}"/>
+                <a16:creationId xmlns:a16="http://schemas.microsoft.com/office/drawing/2014/main" id="{36D068AC-13DE-4144-9C83-B08105DFC0C3}"/>
               </a:ext>
             </a:extLst>
           </p:cNvPr>
@@ -4804,17 +5055,17 @@
         </p:blipFill>
         <p:spPr>
           <a:xfrm>
-            <a:off x="6018411" y="1812385"/>
-            <a:ext cx="3743325" cy="3686175"/>
+            <a:off x="7729819" y="2503060"/>
+            <a:ext cx="3354587" cy="2411889"/>
           </a:xfrm>
         </p:spPr>
       </p:pic>
       <p:sp>
         <p:nvSpPr>
-          <p:cNvPr id="3" name="TextBox 2">
+          <p:cNvPr id="6" name="TextBox 5">
             <a:extLst>
               <a:ext uri="{FF2B5EF4-FFF2-40B4-BE49-F238E27FC236}">
-                <a16:creationId xmlns:a16="http://schemas.microsoft.com/office/drawing/2014/main" id="{0248F213-8E81-5042-82A1-143C2D42254F}"/>
+                <a16:creationId xmlns:a16="http://schemas.microsoft.com/office/drawing/2014/main" id="{0A1FCE2B-4974-47A8-877B-4C2923FFDD5A}"/>
               </a:ext>
             </a:extLst>
           </p:cNvPr>
@@ -4823,8 +5074,8 @@
         </p:nvSpPr>
         <p:spPr>
           <a:xfrm>
-            <a:off x="901430" y="1690688"/>
-            <a:ext cx="3604513" cy="369332"/>
+            <a:off x="841255" y="2038614"/>
+            <a:ext cx="3818802" cy="3693319"/>
           </a:xfrm>
           <a:prstGeom prst="rect">
             <a:avLst/>
@@ -4832,26 +5083,196 @@
           <a:noFill/>
         </p:spPr>
         <p:txBody>
-          <a:bodyPr wrap="none" rtlCol="0">
+          <a:bodyPr wrap="none" lIns="91440" tIns="45720" rIns="91440" bIns="45720" rtlCol="0" anchor="t">
             <a:spAutoFit/>
           </a:bodyPr>
           <a:lstStyle/>
           <a:p>
+            <a:pPr marL="457200" indent="-457200">
+              <a:buFont typeface="Wingdings"/>
+              <a:buChar char="§"/>
+            </a:pPr>
+            <a:r>
+              <a:rPr lang="en-SK" sz="2400" dirty="0" err="1">
+                <a:latin typeface="Tahoma"/>
+                <a:ea typeface="Tahoma"/>
+                <a:cs typeface="Tahoma"/>
+              </a:rPr>
+              <a:t>Implementácia</a:t>
+            </a:r>
+            <a:endParaRPr lang="en-US" sz="2400" dirty="0" err="1">
+              <a:latin typeface="Tahoma"/>
+              <a:ea typeface="Tahoma"/>
+              <a:cs typeface="Tahoma"/>
+            </a:endParaRPr>
+          </a:p>
+          <a:p>
+            <a:pPr marL="457200" indent="-457200">
+              <a:buFont typeface="Wingdings"/>
+              <a:buChar char="§"/>
+            </a:pPr>
+            <a:endParaRPr lang="en-GB" sz="2400" dirty="0">
+              <a:latin typeface="Tahoma"/>
+              <a:ea typeface="Tahoma"/>
+              <a:cs typeface="Tahoma"/>
+            </a:endParaRPr>
+          </a:p>
+          <a:p>
+            <a:pPr marL="457200" indent="-457200">
+              <a:buFont typeface="Wingdings"/>
+              <a:buChar char="§"/>
+            </a:pPr>
+            <a:r>
+              <a:rPr lang="en-GB" sz="2400" dirty="0" err="1">
+                <a:latin typeface="Tahoma"/>
+                <a:ea typeface="Tahoma"/>
+                <a:cs typeface="Tahoma"/>
+              </a:rPr>
+              <a:t>Deklarácie</a:t>
+            </a:r>
+            <a:r>
+              <a:rPr lang="en-GB" sz="2400" dirty="0">
+                <a:latin typeface="Tahoma"/>
+                <a:ea typeface="Tahoma"/>
+                <a:cs typeface="Tahoma"/>
+              </a:rPr>
+              <a:t> </a:t>
+            </a:r>
+            <a:r>
+              <a:rPr lang="en-GB" sz="2400" dirty="0" err="1">
+                <a:latin typeface="Tahoma"/>
+                <a:ea typeface="Tahoma"/>
+                <a:cs typeface="Tahoma"/>
+              </a:rPr>
+              <a:t>premenných</a:t>
+            </a:r>
+            <a:endParaRPr lang="en-GB" sz="2400" dirty="0">
+              <a:latin typeface="Tahoma"/>
+              <a:ea typeface="Tahoma"/>
+              <a:cs typeface="Tahoma"/>
+            </a:endParaRPr>
+          </a:p>
+          <a:p>
+            <a:pPr marL="457200" indent="-457200">
+              <a:buFont typeface="Wingdings"/>
+              <a:buChar char="§"/>
+            </a:pPr>
+            <a:endParaRPr lang="en-GB" sz="2400" dirty="0">
+              <a:latin typeface="Tahoma"/>
+              <a:ea typeface="Tahoma"/>
+              <a:cs typeface="Tahoma"/>
+            </a:endParaRPr>
+          </a:p>
+          <a:p>
+            <a:pPr marL="457200" indent="-457200">
+              <a:buFont typeface="Wingdings"/>
+              <a:buChar char="§"/>
+            </a:pPr>
+            <a:r>
+              <a:rPr lang="en-GB" sz="2400" dirty="0" err="1">
+                <a:latin typeface="Tahoma"/>
+                <a:ea typeface="Tahoma"/>
+                <a:cs typeface="Tahoma"/>
+              </a:rPr>
+              <a:t>Funkcie</a:t>
+            </a:r>
+            <a:endParaRPr lang="en-GB" sz="2400">
+              <a:latin typeface="Tahoma"/>
+              <a:ea typeface="Tahoma"/>
+              <a:cs typeface="Tahoma"/>
+            </a:endParaRPr>
+          </a:p>
+          <a:p>
+            <a:pPr marL="457200" indent="-457200">
+              <a:buFont typeface="Wingdings"/>
+              <a:buChar char="§"/>
+            </a:pPr>
+            <a:endParaRPr lang="en-GB" sz="2400" dirty="0">
+              <a:latin typeface="Tahoma"/>
+              <a:ea typeface="Tahoma"/>
+              <a:cs typeface="Tahoma"/>
+            </a:endParaRPr>
+          </a:p>
+          <a:p>
+            <a:pPr marL="457200" indent="-457200">
+              <a:buFont typeface="Wingdings"/>
+              <a:buChar char="§"/>
+            </a:pPr>
+            <a:r>
+              <a:rPr lang="en-GB" sz="2400" dirty="0" err="1">
+                <a:latin typeface="Tahoma"/>
+                <a:ea typeface="Tahoma"/>
+                <a:cs typeface="Tahoma"/>
+              </a:rPr>
+              <a:t>Výrazy</a:t>
+            </a:r>
+            <a:endParaRPr lang="en-GB" sz="2400">
+              <a:latin typeface="Tahoma"/>
+              <a:ea typeface="Tahoma"/>
+              <a:cs typeface="Tahoma"/>
+            </a:endParaRPr>
+          </a:p>
+          <a:p>
+            <a:pPr marL="457200" indent="-457200">
+              <a:buFont typeface="Wingdings"/>
+              <a:buChar char="§"/>
+            </a:pPr>
+            <a:endParaRPr lang="en-GB" sz="2400" dirty="0">
+              <a:latin typeface="Tahoma"/>
+              <a:ea typeface="Tahoma"/>
+              <a:cs typeface="Tahoma"/>
+            </a:endParaRPr>
+          </a:p>
+          <a:p>
+            <a:pPr marL="457200" indent="-457200">
+              <a:buFont typeface="Wingdings"/>
+              <a:buChar char="§"/>
+            </a:pPr>
+            <a:r>
+              <a:rPr lang="en-GB" sz="2400" dirty="0" err="1">
+                <a:latin typeface="Tahoma"/>
+                <a:ea typeface="Tahoma"/>
+                <a:cs typeface="Tahoma"/>
+              </a:rPr>
+              <a:t>Podmienky</a:t>
+            </a:r>
+            <a:r>
+              <a:rPr lang="en-GB" sz="2400" dirty="0">
+                <a:latin typeface="Tahoma"/>
+                <a:ea typeface="Tahoma"/>
+                <a:cs typeface="Tahoma"/>
+              </a:rPr>
+              <a:t> a </a:t>
+            </a:r>
+            <a:r>
+              <a:rPr lang="en-GB" sz="2400" dirty="0" err="1">
+                <a:latin typeface="Tahoma"/>
+                <a:ea typeface="Tahoma"/>
+                <a:cs typeface="Tahoma"/>
+              </a:rPr>
+              <a:t>cykly</a:t>
+            </a:r>
+            <a:endParaRPr lang="en-GB" sz="2400">
+              <a:latin typeface="Tahoma"/>
+              <a:ea typeface="Tahoma"/>
+              <a:cs typeface="Tahoma"/>
+            </a:endParaRPr>
+          </a:p>
+          <a:p>
             <a:pPr marL="285750" indent="-285750">
-              <a:buFontTx/>
-              <a:buChar char="-"/>
+              <a:buFont typeface="Wingdings"/>
+              <a:buChar char="§"/>
             </a:pPr>
-            <a:r>
-              <a:rPr lang="en-SK" dirty="0"/>
-              <a:t>Tabulka s rozptylenymi polozkami</a:t>
-            </a:r>
+            <a:endParaRPr lang="en-GB" dirty="0">
+              <a:cs typeface="Calibri" panose="020F0502020204030204"/>
+            </a:endParaRPr>
           </a:p>
         </p:txBody>
       </p:sp>
     </p:spTree>
     <p:extLst>
       <p:ext uri="{BB962C8B-B14F-4D97-AF65-F5344CB8AC3E}">
-        <p14:creationId xmlns:p14="http://schemas.microsoft.com/office/powerpoint/2010/main" val="3710337630"/>
+        <p14:creationId xmlns:p14="http://schemas.microsoft.com/office/powerpoint/2010/main" val="3545112533"/>
       </p:ext>
     </p:extLst>
   </p:cSld>
@@ -4883,223 +5304,6 @@
           <p:cNvPr id="2" name="Title 1">
             <a:extLst>
               <a:ext uri="{FF2B5EF4-FFF2-40B4-BE49-F238E27FC236}">
-                <a16:creationId xmlns:a16="http://schemas.microsoft.com/office/drawing/2014/main" id="{41E1E45A-C42E-4692-A857-122705977850}"/>
-              </a:ext>
-            </a:extLst>
-          </p:cNvPr>
-          <p:cNvSpPr>
-            <a:spLocks noGrp="1"/>
-          </p:cNvSpPr>
-          <p:nvPr>
-            <p:ph type="title"/>
-          </p:nvPr>
-        </p:nvSpPr>
-        <p:spPr/>
-        <p:txBody>
-          <a:bodyPr/>
-          <a:lstStyle/>
-          <a:p>
-            <a:r>
-              <a:rPr lang="en-US" dirty="0" err="1">
-                <a:cs typeface="Calibri Light"/>
-              </a:rPr>
-              <a:t>Generovanie</a:t>
-            </a:r>
-            <a:r>
-              <a:rPr lang="en-US" dirty="0">
-                <a:cs typeface="Calibri Light"/>
-              </a:rPr>
-              <a:t> </a:t>
-            </a:r>
-            <a:r>
-              <a:rPr lang="en-US" dirty="0" err="1">
-                <a:cs typeface="Calibri Light"/>
-              </a:rPr>
-              <a:t>kódu</a:t>
-            </a:r>
-            <a:endParaRPr lang="en-US" dirty="0"/>
-          </a:p>
-        </p:txBody>
-      </p:sp>
-      <p:pic>
-        <p:nvPicPr>
-          <p:cNvPr id="4" name="Picture 4" descr="A picture containing graphical user interface&#10;&#10;Description automatically generated">
-            <a:extLst>
-              <a:ext uri="{FF2B5EF4-FFF2-40B4-BE49-F238E27FC236}">
-                <a16:creationId xmlns:a16="http://schemas.microsoft.com/office/drawing/2014/main" id="{36D068AC-13DE-4144-9C83-B08105DFC0C3}"/>
-              </a:ext>
-            </a:extLst>
-          </p:cNvPr>
-          <p:cNvPicPr>
-            <a:picLocks noGrp="1" noChangeAspect="1"/>
-          </p:cNvPicPr>
-          <p:nvPr>
-            <p:ph idx="1"/>
-          </p:nvPr>
-        </p:nvPicPr>
-        <p:blipFill>
-          <a:blip r:embed="rId2"/>
-          <a:stretch>
-            <a:fillRect/>
-          </a:stretch>
-        </p:blipFill>
-        <p:spPr>
-          <a:xfrm>
-            <a:off x="7526028" y="2857480"/>
-            <a:ext cx="2929285" cy="2101772"/>
-          </a:xfrm>
-        </p:spPr>
-      </p:pic>
-      <p:sp>
-        <p:nvSpPr>
-          <p:cNvPr id="7" name="TextBox 6">
-            <a:extLst>
-              <a:ext uri="{FF2B5EF4-FFF2-40B4-BE49-F238E27FC236}">
-                <a16:creationId xmlns:a16="http://schemas.microsoft.com/office/drawing/2014/main" id="{34886D45-BEFE-9F4C-A320-375B3F54572B}"/>
-              </a:ext>
-            </a:extLst>
-          </p:cNvPr>
-          <p:cNvSpPr txBox="1"/>
-          <p:nvPr/>
-        </p:nvSpPr>
-        <p:spPr>
-          <a:xfrm>
-            <a:off x="1024648" y="2029838"/>
-            <a:ext cx="2568332" cy="1477328"/>
-          </a:xfrm>
-          <a:prstGeom prst="rect">
-            <a:avLst/>
-          </a:prstGeom>
-          <a:noFill/>
-        </p:spPr>
-        <p:txBody>
-          <a:bodyPr wrap="none" rtlCol="0">
-            <a:spAutoFit/>
-          </a:bodyPr>
-          <a:lstStyle/>
-          <a:p>
-            <a:r>
-              <a:rPr lang="en-SK" dirty="0"/>
-              <a:t>- </a:t>
-            </a:r>
-            <a:r>
-              <a:rPr lang="en-GB" dirty="0" err="1"/>
-              <a:t>Implementácia</a:t>
-            </a:r>
-            <a:r>
-              <a:rPr lang="en-GB" dirty="0"/>
-              <a:t> </a:t>
-            </a:r>
-          </a:p>
-          <a:p>
-            <a:r>
-              <a:rPr lang="en-SK" dirty="0"/>
-              <a:t>- </a:t>
-            </a:r>
-            <a:r>
-              <a:rPr lang="en-GB" dirty="0" err="1"/>
-              <a:t>Deklarácie</a:t>
-            </a:r>
-            <a:r>
-              <a:rPr lang="en-GB" dirty="0"/>
-              <a:t> </a:t>
-            </a:r>
-            <a:r>
-              <a:rPr lang="en-GB" dirty="0" err="1"/>
-              <a:t>premenných</a:t>
-            </a:r>
-            <a:r>
-              <a:rPr lang="en-GB" dirty="0"/>
-              <a:t> </a:t>
-            </a:r>
-          </a:p>
-          <a:p>
-            <a:r>
-              <a:rPr lang="en-SK" dirty="0"/>
-              <a:t>- </a:t>
-            </a:r>
-            <a:r>
-              <a:rPr lang="en-GB" dirty="0" err="1"/>
-              <a:t>Funkcie</a:t>
-            </a:r>
-            <a:r>
-              <a:rPr lang="en-GB" dirty="0"/>
-              <a:t> </a:t>
-            </a:r>
-          </a:p>
-          <a:p>
-            <a:r>
-              <a:rPr lang="en-SK" dirty="0"/>
-              <a:t>- </a:t>
-            </a:r>
-            <a:r>
-              <a:rPr lang="en-GB" dirty="0" err="1"/>
-              <a:t>Výrazy</a:t>
-            </a:r>
-            <a:r>
-              <a:rPr lang="en-GB" dirty="0"/>
-              <a:t> </a:t>
-            </a:r>
-          </a:p>
-          <a:p>
-            <a:r>
-              <a:rPr lang="en-SK" dirty="0"/>
-              <a:t>- </a:t>
-            </a:r>
-            <a:r>
-              <a:rPr lang="en-GB" dirty="0" err="1"/>
-              <a:t>Podmienky</a:t>
-            </a:r>
-            <a:r>
-              <a:rPr lang="en-GB" dirty="0"/>
-              <a:t> a </a:t>
-            </a:r>
-            <a:r>
-              <a:rPr lang="en-GB" dirty="0" err="1"/>
-              <a:t>cykly</a:t>
-            </a:r>
-            <a:r>
-              <a:rPr lang="en-GB" dirty="0"/>
-              <a:t> </a:t>
-            </a:r>
-          </a:p>
-        </p:txBody>
-      </p:sp>
-    </p:spTree>
-    <p:extLst>
-      <p:ext uri="{BB962C8B-B14F-4D97-AF65-F5344CB8AC3E}">
-        <p14:creationId xmlns:p14="http://schemas.microsoft.com/office/powerpoint/2010/main" val="3545112533"/>
-      </p:ext>
-    </p:extLst>
-  </p:cSld>
-  <p:clrMapOvr>
-    <a:masterClrMapping/>
-  </p:clrMapOvr>
-</p:sld>
-</file>
-
-<file path=ppt/slides/slide9.xml><?xml version="1.0" encoding="utf-8"?>
-<p:sld xmlns:a="http://schemas.openxmlformats.org/drawingml/2006/main" xmlns:r="http://schemas.openxmlformats.org/officeDocument/2006/relationships" xmlns:p="http://schemas.openxmlformats.org/presentationml/2006/main">
-  <p:cSld>
-    <p:spTree>
-      <p:nvGrpSpPr>
-        <p:cNvPr id="1" name=""/>
-        <p:cNvGrpSpPr/>
-        <p:nvPr/>
-      </p:nvGrpSpPr>
-      <p:grpSpPr>
-        <a:xfrm>
-          <a:off x="0" y="0"/>
-          <a:ext cx="0" cy="0"/>
-          <a:chOff x="0" y="0"/>
-          <a:chExt cx="0" cy="0"/>
-        </a:xfrm>
-      </p:grpSpPr>
-      <p:sp>
-        <p:nvSpPr>
-          <p:cNvPr id="2" name="Title 1">
-            <a:extLst>
-              <a:ext uri="{FF2B5EF4-FFF2-40B4-BE49-F238E27FC236}">
                 <a16:creationId xmlns:a16="http://schemas.microsoft.com/office/drawing/2014/main" id="{2A245E96-14B7-46C9-BDEA-92D1A37AAA31}"/>
               </a:ext>
             </a:extLst>
@@ -5117,10 +5321,18 @@
           <a:lstStyle/>
           <a:p>
             <a:r>
-              <a:rPr lang="en-US" dirty="0" err="1"/>
-              <a:t>Zaver</a:t>
-            </a:r>
-            <a:endParaRPr lang="en-US" dirty="0"/>
+              <a:rPr lang="en-US" dirty="0" err="1">
+                <a:latin typeface="Tahoma"/>
+                <a:ea typeface="Tahoma"/>
+                <a:cs typeface="Tahoma"/>
+              </a:rPr>
+              <a:t>Záver</a:t>
+            </a:r>
+            <a:endParaRPr lang="en-US">
+              <a:latin typeface="Tahoma"/>
+              <a:ea typeface="Tahoma"/>
+              <a:cs typeface="Tahoma"/>
+            </a:endParaRPr>
           </a:p>
         </p:txBody>
       </p:sp>
@@ -5148,11 +5360,347 @@
         </p:blipFill>
         <p:spPr>
           <a:xfrm>
-            <a:off x="2287741" y="1825625"/>
+            <a:off x="4575686" y="1640204"/>
             <a:ext cx="7616518" cy="4351338"/>
           </a:xfrm>
         </p:spPr>
       </p:pic>
+      <p:sp>
+        <p:nvSpPr>
+          <p:cNvPr id="6" name="TextBox 5">
+            <a:extLst>
+              <a:ext uri="{FF2B5EF4-FFF2-40B4-BE49-F238E27FC236}">
+                <a16:creationId xmlns:a16="http://schemas.microsoft.com/office/drawing/2014/main" id="{FFB9002C-DB16-4204-A125-113677B51ABD}"/>
+              </a:ext>
+            </a:extLst>
+          </p:cNvPr>
+          <p:cNvSpPr txBox="1"/>
+          <p:nvPr/>
+        </p:nvSpPr>
+        <p:spPr>
+          <a:xfrm>
+            <a:off x="841255" y="2038614"/>
+            <a:ext cx="6019918" cy="3170099"/>
+          </a:xfrm>
+          <a:prstGeom prst="rect">
+            <a:avLst/>
+          </a:prstGeom>
+          <a:noFill/>
+        </p:spPr>
+        <p:txBody>
+          <a:bodyPr wrap="none" lIns="91440" tIns="45720" rIns="91440" bIns="45720" rtlCol="0" anchor="t">
+            <a:spAutoFit/>
+          </a:bodyPr>
+          <a:lstStyle/>
+          <a:p>
+            <a:pPr marL="457200" indent="-457200">
+              <a:buFont typeface="Wingdings"/>
+              <a:buChar char="§"/>
+            </a:pPr>
+            <a:r>
+              <a:rPr lang="en-SK" sz="2000" dirty="0">
+                <a:latin typeface="Tahoma"/>
+                <a:ea typeface="Tahoma"/>
+                <a:cs typeface="Tahoma"/>
+              </a:rPr>
+              <a:t>Andrei</a:t>
+            </a:r>
+            <a:endParaRPr lang="en-US" sz="2000" dirty="0">
+              <a:latin typeface="Tahoma"/>
+              <a:ea typeface="Tahoma"/>
+              <a:cs typeface="Tahoma"/>
+            </a:endParaRPr>
+          </a:p>
+          <a:p>
+            <a:pPr marL="800100" lvl="1" indent="-342900">
+              <a:buFont typeface="Arial"/>
+              <a:buChar char="•"/>
+            </a:pPr>
+            <a:r>
+              <a:rPr lang="en-GB" sz="2000" dirty="0" err="1">
+                <a:latin typeface="Tahoma"/>
+                <a:ea typeface="Tahoma"/>
+                <a:cs typeface="Tahoma"/>
+              </a:rPr>
+              <a:t>Lexikálna</a:t>
+            </a:r>
+            <a:r>
+              <a:rPr lang="en-GB" sz="2000" dirty="0">
+                <a:latin typeface="Tahoma"/>
+                <a:ea typeface="Tahoma"/>
+                <a:cs typeface="Tahoma"/>
+              </a:rPr>
+              <a:t>, </a:t>
+            </a:r>
+            <a:r>
+              <a:rPr lang="en-GB" sz="2000" dirty="0" err="1">
+                <a:latin typeface="Tahoma"/>
+                <a:ea typeface="Tahoma"/>
+                <a:cs typeface="Tahoma"/>
+              </a:rPr>
+              <a:t>sémantická</a:t>
+            </a:r>
+            <a:r>
+              <a:rPr lang="en-GB" sz="2000" dirty="0">
+                <a:latin typeface="Tahoma"/>
+                <a:ea typeface="Tahoma"/>
+                <a:cs typeface="Tahoma"/>
+              </a:rPr>
+              <a:t> a </a:t>
+            </a:r>
+            <a:r>
+              <a:rPr lang="en-GB" sz="2000" dirty="0" err="1">
+                <a:latin typeface="Tahoma"/>
+                <a:ea typeface="Tahoma"/>
+                <a:cs typeface="Tahoma"/>
+              </a:rPr>
+              <a:t>obecná</a:t>
+            </a:r>
+            <a:r>
+              <a:rPr lang="en-GB" sz="2000" dirty="0">
+                <a:latin typeface="Tahoma"/>
+                <a:ea typeface="Tahoma"/>
+                <a:cs typeface="Tahoma"/>
+              </a:rPr>
+              <a:t> </a:t>
+            </a:r>
+            <a:r>
+              <a:rPr lang="en-GB" sz="2000" dirty="0" err="1">
+                <a:latin typeface="Tahoma"/>
+                <a:ea typeface="Tahoma"/>
+                <a:cs typeface="Tahoma"/>
+              </a:rPr>
+              <a:t>analýza</a:t>
+            </a:r>
+            <a:endParaRPr lang="en-GB" sz="2000" dirty="0">
+              <a:latin typeface="Tahoma"/>
+              <a:ea typeface="Tahoma"/>
+              <a:cs typeface="Tahoma"/>
+            </a:endParaRPr>
+          </a:p>
+          <a:p>
+            <a:pPr marL="800100" lvl="1" indent="-342900">
+              <a:buFont typeface="Arial"/>
+              <a:buChar char="•"/>
+            </a:pPr>
+            <a:r>
+              <a:rPr lang="en-GB" sz="2000" dirty="0" err="1">
+                <a:latin typeface="Tahoma"/>
+                <a:ea typeface="Tahoma"/>
+                <a:cs typeface="Tahoma"/>
+              </a:rPr>
+              <a:t>Tabuľka</a:t>
+            </a:r>
+            <a:r>
+              <a:rPr lang="en-GB" sz="2000" dirty="0">
+                <a:latin typeface="Tahoma"/>
+                <a:ea typeface="Tahoma"/>
+                <a:cs typeface="Tahoma"/>
+              </a:rPr>
+              <a:t> </a:t>
+            </a:r>
+            <a:r>
+              <a:rPr lang="en-GB" sz="2000" dirty="0" err="1">
+                <a:latin typeface="Tahoma"/>
+                <a:ea typeface="Tahoma"/>
+                <a:cs typeface="Tahoma"/>
+              </a:rPr>
+              <a:t>symbolov</a:t>
+            </a:r>
+            <a:endParaRPr lang="en-GB" sz="2000" dirty="0">
+              <a:latin typeface="Tahoma"/>
+              <a:ea typeface="Tahoma"/>
+              <a:cs typeface="Tahoma"/>
+            </a:endParaRPr>
+          </a:p>
+          <a:p>
+            <a:pPr marL="457200" indent="-457200">
+              <a:buFont typeface="Wingdings"/>
+              <a:buChar char="§"/>
+            </a:pPr>
+            <a:endParaRPr lang="en-GB" sz="2000" dirty="0">
+              <a:latin typeface="Tahoma"/>
+              <a:ea typeface="Tahoma"/>
+              <a:cs typeface="Tahoma"/>
+            </a:endParaRPr>
+          </a:p>
+          <a:p>
+            <a:pPr marL="457200" indent="-457200">
+              <a:buFont typeface="Wingdings"/>
+              <a:buChar char="§"/>
+            </a:pPr>
+            <a:r>
+              <a:rPr lang="en-GB" sz="2000" dirty="0">
+                <a:latin typeface="Tahoma"/>
+                <a:ea typeface="Tahoma"/>
+                <a:cs typeface="Tahoma"/>
+              </a:rPr>
+              <a:t>Richard</a:t>
+            </a:r>
+          </a:p>
+          <a:p>
+            <a:pPr marL="800100" lvl="1" indent="-342900">
+              <a:buFont typeface="Arial,Sans-Serif"/>
+              <a:buChar char="•"/>
+            </a:pPr>
+            <a:r>
+              <a:rPr lang="en-GB" sz="2000" dirty="0" err="1">
+                <a:latin typeface="Tahoma"/>
+                <a:ea typeface="Tahoma"/>
+                <a:cs typeface="Tahoma"/>
+              </a:rPr>
+              <a:t>Syntaktická</a:t>
+            </a:r>
+            <a:r>
+              <a:rPr lang="en-GB" sz="2000" dirty="0">
+                <a:latin typeface="Tahoma"/>
+                <a:ea typeface="Tahoma"/>
+                <a:cs typeface="Tahoma"/>
+              </a:rPr>
+              <a:t> a </a:t>
+            </a:r>
+            <a:r>
+              <a:rPr lang="en-GB" sz="2000" dirty="0" err="1">
+                <a:latin typeface="Tahoma"/>
+                <a:ea typeface="Tahoma"/>
+                <a:cs typeface="Tahoma"/>
+              </a:rPr>
+              <a:t>sémantická</a:t>
+            </a:r>
+            <a:r>
+              <a:rPr lang="en-GB" sz="2000" dirty="0">
+                <a:latin typeface="Tahoma"/>
+                <a:ea typeface="Tahoma"/>
+                <a:cs typeface="Tahoma"/>
+              </a:rPr>
+              <a:t> </a:t>
+            </a:r>
+            <a:r>
+              <a:rPr lang="en-GB" sz="2000" dirty="0" err="1">
+                <a:latin typeface="Tahoma"/>
+                <a:ea typeface="Tahoma"/>
+                <a:cs typeface="Tahoma"/>
+              </a:rPr>
+              <a:t>analýza</a:t>
+            </a:r>
+            <a:r>
+              <a:rPr lang="en-GB" sz="2000" dirty="0">
+                <a:latin typeface="Tahoma"/>
+                <a:ea typeface="Tahoma"/>
+                <a:cs typeface="Tahoma"/>
+              </a:rPr>
+              <a:t> pre </a:t>
+            </a:r>
+            <a:r>
+              <a:rPr lang="en-GB" sz="2000" dirty="0" err="1">
+                <a:latin typeface="Tahoma"/>
+                <a:ea typeface="Tahoma"/>
+                <a:cs typeface="Tahoma"/>
+              </a:rPr>
+              <a:t>výrazy</a:t>
+            </a:r>
+            <a:endParaRPr lang="en-GB" sz="2000" dirty="0">
+              <a:latin typeface="Tahoma"/>
+              <a:ea typeface="Tahoma"/>
+              <a:cs typeface="Tahoma"/>
+            </a:endParaRPr>
+          </a:p>
+          <a:p>
+            <a:pPr marL="800100" lvl="1" indent="-342900">
+              <a:buFont typeface="Arial,Sans-Serif"/>
+              <a:buChar char="•"/>
+            </a:pPr>
+            <a:r>
+              <a:rPr lang="en-GB" sz="2000" dirty="0" err="1">
+                <a:latin typeface="Tahoma"/>
+                <a:ea typeface="Tahoma"/>
+                <a:cs typeface="Tahoma"/>
+              </a:rPr>
+              <a:t>Precedenčná</a:t>
+            </a:r>
+            <a:r>
+              <a:rPr lang="en-GB" sz="2000" dirty="0">
+                <a:latin typeface="Tahoma"/>
+                <a:ea typeface="Tahoma"/>
+                <a:cs typeface="Tahoma"/>
+              </a:rPr>
+              <a:t> </a:t>
+            </a:r>
+            <a:r>
+              <a:rPr lang="en-GB" sz="2000" dirty="0" err="1">
+                <a:latin typeface="Tahoma"/>
+                <a:ea typeface="Tahoma"/>
+                <a:cs typeface="Tahoma"/>
+              </a:rPr>
+              <a:t>tabuľka</a:t>
+            </a:r>
+            <a:endParaRPr lang="en-GB" sz="2000" dirty="0">
+              <a:latin typeface="Tahoma"/>
+              <a:ea typeface="Tahoma"/>
+              <a:cs typeface="Tahoma"/>
+            </a:endParaRPr>
+          </a:p>
+          <a:p>
+            <a:pPr marL="457200" indent="-457200">
+              <a:buFont typeface="Wingdings"/>
+              <a:buChar char="§"/>
+            </a:pPr>
+            <a:endParaRPr lang="en-GB" sz="2000" dirty="0">
+              <a:latin typeface="Tahoma"/>
+              <a:ea typeface="Tahoma"/>
+              <a:cs typeface="Tahoma"/>
+            </a:endParaRPr>
+          </a:p>
+          <a:p>
+            <a:pPr marL="457200" indent="-457200">
+              <a:buFont typeface="Wingdings"/>
+              <a:buChar char="§"/>
+            </a:pPr>
+            <a:r>
+              <a:rPr lang="en-GB" sz="2000" dirty="0">
+                <a:latin typeface="Tahoma"/>
+                <a:ea typeface="Tahoma"/>
+                <a:cs typeface="Tahoma"/>
+              </a:rPr>
+              <a:t>Zdeněk a Andrej</a:t>
+            </a:r>
+          </a:p>
+          <a:p>
+            <a:pPr marL="800100" lvl="1" indent="-342900">
+              <a:buFont typeface="Arial,Sans-Serif"/>
+              <a:buChar char="•"/>
+            </a:pPr>
+            <a:r>
+              <a:rPr lang="en-GB" sz="2000" dirty="0" err="1">
+                <a:latin typeface="Tahoma"/>
+                <a:ea typeface="Tahoma"/>
+                <a:cs typeface="Tahoma"/>
+              </a:rPr>
+              <a:t>Generovanie</a:t>
+            </a:r>
+            <a:r>
+              <a:rPr lang="en-GB" sz="2000" dirty="0">
+                <a:latin typeface="Tahoma"/>
+                <a:ea typeface="Tahoma"/>
+                <a:cs typeface="Tahoma"/>
+              </a:rPr>
+              <a:t> </a:t>
+            </a:r>
+            <a:r>
+              <a:rPr lang="en-GB" sz="2000" dirty="0" err="1">
+                <a:latin typeface="Tahoma"/>
+                <a:ea typeface="Tahoma"/>
+                <a:cs typeface="Tahoma"/>
+              </a:rPr>
+              <a:t>kódu</a:t>
+            </a:r>
+            <a:endParaRPr lang="en-US" sz="2000">
+              <a:ea typeface="+mn-lt"/>
+              <a:cs typeface="+mn-lt"/>
+            </a:endParaRPr>
+          </a:p>
+        </p:txBody>
+      </p:sp>
     </p:spTree>
     <p:extLst>
       <p:ext uri="{BB962C8B-B14F-4D97-AF65-F5344CB8AC3E}">

--- a/documentation/Presentation.pptx
+++ b/documentation/Presentation.pptx
@@ -124,7 +124,7 @@
   <p1510:revLst>
     <p1510:client id="{708B79C2-F4E8-4762-99D7-D6BBC320E1A0}" v="328" dt="2021-12-08T20:43:37.195"/>
     <p1510:client id="{824FA83B-A2DD-4695-AAE1-6FE2BB23FC05}" v="76" dt="2021-12-08T16:55:20.365"/>
-    <p1510:client id="{8657D687-9996-4D6E-BB7C-3F2CA8C71D43}" v="663" dt="2021-12-09T16:57:04.022"/>
+    <p1510:client id="{8657D687-9996-4D6E-BB7C-3F2CA8C71D43}" v="849" dt="2021-12-09T19:29:38.144"/>
     <p1510:client id="{D8F48007-FD94-44D9-9024-E1A435B4F43B}" v="547" dt="2021-12-08T16:52:53.286"/>
   </p1510:revLst>
 </p1510:revInfo>
@@ -3855,27 +3855,6 @@
               </a:rPr>
               <a:t>Záver</a:t>
             </a:r>
-            <a:r>
-              <a:rPr lang="en-US" sz="2000" dirty="0">
-                <a:latin typeface="Tahoma"/>
-                <a:ea typeface="Tahoma"/>
-                <a:cs typeface="Calibri"/>
-              </a:rPr>
-              <a:t> + </a:t>
-            </a:r>
-            <a:r>
-              <a:rPr lang="en-US" sz="2000" dirty="0" err="1">
-                <a:latin typeface="Tahoma"/>
-                <a:ea typeface="Tahoma"/>
-                <a:cs typeface="Calibri"/>
-              </a:rPr>
-              <a:t>otázky</a:t>
-            </a:r>
-            <a:endParaRPr lang="en-US" sz="2000">
-              <a:latin typeface="Tahoma"/>
-              <a:ea typeface="Tahoma"/>
-              <a:cs typeface="Calibri"/>
-            </a:endParaRPr>
           </a:p>
           <a:p>
             <a:pPr marL="342900" indent="-342900">
@@ -3977,12 +3956,160 @@
           </a:p>
         </p:txBody>
       </p:sp>
+      <p:sp>
+        <p:nvSpPr>
+          <p:cNvPr id="3" name="TextBox 2">
+            <a:extLst>
+              <a:ext uri="{FF2B5EF4-FFF2-40B4-BE49-F238E27FC236}">
+                <a16:creationId xmlns:a16="http://schemas.microsoft.com/office/drawing/2014/main" id="{52E2C29F-BB72-434A-8293-4AF1A2C6D112}"/>
+              </a:ext>
+            </a:extLst>
+          </p:cNvPr>
+          <p:cNvSpPr txBox="1"/>
+          <p:nvPr/>
+        </p:nvSpPr>
+        <p:spPr>
+          <a:xfrm>
+            <a:off x="842048" y="2039875"/>
+            <a:ext cx="5795176" cy="1200329"/>
+          </a:xfrm>
+          <a:prstGeom prst="rect">
+            <a:avLst/>
+          </a:prstGeom>
+          <a:noFill/>
+        </p:spPr>
+        <p:txBody>
+          <a:bodyPr wrap="none" lIns="91440" tIns="45720" rIns="91440" bIns="45720" rtlCol="0" anchor="t">
+            <a:spAutoFit/>
+          </a:bodyPr>
+          <a:lstStyle/>
+          <a:p>
+            <a:pPr marL="457200" indent="-457200">
+              <a:buFont typeface="Wingdings"/>
+              <a:buChar char="§"/>
+            </a:pPr>
+            <a:r>
+              <a:rPr lang="en-GB" sz="2400" dirty="0" err="1">
+                <a:latin typeface="Tahoma"/>
+                <a:ea typeface="Tahoma"/>
+                <a:cs typeface="Tahoma"/>
+              </a:rPr>
+              <a:t>Deterministický</a:t>
+            </a:r>
+            <a:r>
+              <a:rPr lang="en-GB" sz="2400" dirty="0">
+                <a:latin typeface="Tahoma"/>
+                <a:ea typeface="Tahoma"/>
+                <a:cs typeface="Tahoma"/>
+              </a:rPr>
+              <a:t> </a:t>
+            </a:r>
+            <a:r>
+              <a:rPr lang="en-GB" sz="2400" dirty="0" err="1">
+                <a:latin typeface="Tahoma"/>
+                <a:ea typeface="Tahoma"/>
+                <a:cs typeface="Tahoma"/>
+              </a:rPr>
+              <a:t>konečný</a:t>
+            </a:r>
+            <a:r>
+              <a:rPr lang="en-GB" sz="2400" dirty="0">
+                <a:latin typeface="Tahoma"/>
+                <a:ea typeface="Tahoma"/>
+                <a:cs typeface="Tahoma"/>
+              </a:rPr>
+              <a:t> automat</a:t>
+            </a:r>
+            <a:endParaRPr lang="en-US" sz="2400">
+              <a:cs typeface="Calibri"/>
+            </a:endParaRPr>
+          </a:p>
+          <a:p>
+            <a:pPr marL="457200" indent="-457200">
+              <a:buFont typeface="Wingdings"/>
+              <a:buChar char="§"/>
+            </a:pPr>
+            <a:endParaRPr lang="en-GB" sz="2400" dirty="0">
+              <a:latin typeface="Tahoma"/>
+              <a:ea typeface="Tahoma"/>
+              <a:cs typeface="Tahoma"/>
+            </a:endParaRPr>
+          </a:p>
+          <a:p>
+            <a:pPr marL="457200" indent="-457200">
+              <a:buFont typeface="Wingdings"/>
+              <a:buChar char="§"/>
+            </a:pPr>
+            <a:r>
+              <a:rPr lang="en-GB" sz="2400" dirty="0" err="1">
+                <a:latin typeface="Tahoma"/>
+                <a:ea typeface="Tahoma"/>
+                <a:cs typeface="Tahoma"/>
+              </a:rPr>
+              <a:t>Ukladanie</a:t>
+            </a:r>
+            <a:r>
+              <a:rPr lang="en-GB" sz="2400" dirty="0">
+                <a:latin typeface="Tahoma"/>
+                <a:ea typeface="Tahoma"/>
+                <a:cs typeface="Tahoma"/>
+              </a:rPr>
+              <a:t> </a:t>
+            </a:r>
+            <a:r>
+              <a:rPr lang="en-GB" sz="2400" dirty="0" err="1">
+                <a:latin typeface="Tahoma"/>
+                <a:ea typeface="Tahoma"/>
+                <a:cs typeface="Tahoma"/>
+              </a:rPr>
+              <a:t>zistených</a:t>
+            </a:r>
+            <a:r>
+              <a:rPr lang="en-GB" sz="2400" dirty="0">
+                <a:latin typeface="Tahoma"/>
+                <a:ea typeface="Tahoma"/>
+                <a:cs typeface="Tahoma"/>
+              </a:rPr>
+              <a:t> </a:t>
+            </a:r>
+            <a:r>
+              <a:rPr lang="en-GB" sz="2400" dirty="0" err="1">
+                <a:latin typeface="Tahoma"/>
+                <a:ea typeface="Tahoma"/>
+                <a:cs typeface="Tahoma"/>
+              </a:rPr>
+              <a:t>atribútov</a:t>
+            </a:r>
+            <a:r>
+              <a:rPr lang="en-GB" sz="2400" dirty="0">
+                <a:latin typeface="Tahoma"/>
+                <a:ea typeface="Tahoma"/>
+                <a:cs typeface="Tahoma"/>
+              </a:rPr>
+              <a:t> </a:t>
+            </a:r>
+            <a:r>
+              <a:rPr lang="en-GB" sz="2400" dirty="0" err="1">
+                <a:latin typeface="Tahoma"/>
+                <a:ea typeface="Tahoma"/>
+                <a:cs typeface="Tahoma"/>
+              </a:rPr>
+              <a:t>tokenov</a:t>
+            </a:r>
+            <a:endParaRPr lang="en-GB" sz="2400" dirty="0">
+              <a:latin typeface="Tahoma"/>
+              <a:ea typeface="Tahoma"/>
+              <a:cs typeface="Tahoma"/>
+            </a:endParaRPr>
+          </a:p>
+        </p:txBody>
+      </p:sp>
       <p:pic>
         <p:nvPicPr>
-          <p:cNvPr id="9" name="Picture 9" descr="Diagram&#10;&#10;Description automatically generated">
+          <p:cNvPr id="13" name="Picture 4" descr="A picture containing graphical user interface&#10;&#10;Description automatically generated">
             <a:extLst>
               <a:ext uri="{FF2B5EF4-FFF2-40B4-BE49-F238E27FC236}">
-                <a16:creationId xmlns:a16="http://schemas.microsoft.com/office/drawing/2014/main" id="{026659A5-36D9-4E90-A06B-59E7E8536391}"/>
+                <a16:creationId xmlns:a16="http://schemas.microsoft.com/office/drawing/2014/main" id="{340E1F2D-70A5-4984-951F-2A59888A34F7}"/>
               </a:ext>
             </a:extLst>
           </p:cNvPr>
@@ -3999,162 +4126,14 @@
         </p:blipFill>
         <p:spPr>
           <a:xfrm>
-            <a:off x="7536331" y="2637103"/>
-            <a:ext cx="3124200" cy="2239338"/>
+            <a:off x="7397799" y="2601064"/>
+            <a:ext cx="3144048" cy="2595648"/>
           </a:xfrm>
           <a:prstGeom prst="rect">
             <a:avLst/>
           </a:prstGeom>
         </p:spPr>
       </p:pic>
-      <p:sp>
-        <p:nvSpPr>
-          <p:cNvPr id="3" name="TextBox 2">
-            <a:extLst>
-              <a:ext uri="{FF2B5EF4-FFF2-40B4-BE49-F238E27FC236}">
-                <a16:creationId xmlns:a16="http://schemas.microsoft.com/office/drawing/2014/main" id="{52E2C29F-BB72-434A-8293-4AF1A2C6D112}"/>
-              </a:ext>
-            </a:extLst>
-          </p:cNvPr>
-          <p:cNvSpPr txBox="1"/>
-          <p:nvPr/>
-        </p:nvSpPr>
-        <p:spPr>
-          <a:xfrm>
-            <a:off x="842048" y="2039875"/>
-            <a:ext cx="5795176" cy="1200329"/>
-          </a:xfrm>
-          <a:prstGeom prst="rect">
-            <a:avLst/>
-          </a:prstGeom>
-          <a:noFill/>
-        </p:spPr>
-        <p:txBody>
-          <a:bodyPr wrap="none" lIns="91440" tIns="45720" rIns="91440" bIns="45720" rtlCol="0" anchor="t">
-            <a:spAutoFit/>
-          </a:bodyPr>
-          <a:lstStyle/>
-          <a:p>
-            <a:pPr marL="457200" indent="-457200">
-              <a:buFont typeface="Wingdings"/>
-              <a:buChar char="§"/>
-            </a:pPr>
-            <a:r>
-              <a:rPr lang="en-GB" sz="2400" dirty="0" err="1">
-                <a:latin typeface="Tahoma"/>
-                <a:ea typeface="Tahoma"/>
-                <a:cs typeface="Tahoma"/>
-              </a:rPr>
-              <a:t>Deterministický</a:t>
-            </a:r>
-            <a:r>
-              <a:rPr lang="en-GB" sz="2400" dirty="0">
-                <a:latin typeface="Tahoma"/>
-                <a:ea typeface="Tahoma"/>
-                <a:cs typeface="Tahoma"/>
-              </a:rPr>
-              <a:t> </a:t>
-            </a:r>
-            <a:r>
-              <a:rPr lang="en-GB" sz="2400" dirty="0" err="1">
-                <a:latin typeface="Tahoma"/>
-                <a:ea typeface="Tahoma"/>
-                <a:cs typeface="Tahoma"/>
-              </a:rPr>
-              <a:t>konečný</a:t>
-            </a:r>
-            <a:r>
-              <a:rPr lang="en-GB" sz="2400" dirty="0">
-                <a:latin typeface="Tahoma"/>
-                <a:ea typeface="Tahoma"/>
-                <a:cs typeface="Tahoma"/>
-              </a:rPr>
-              <a:t> automat</a:t>
-            </a:r>
-            <a:endParaRPr lang="en-US" sz="2400">
-              <a:cs typeface="Calibri"/>
-            </a:endParaRPr>
-          </a:p>
-          <a:p>
-            <a:pPr marL="457200" indent="-457200">
-              <a:buFont typeface="Wingdings"/>
-              <a:buChar char="§"/>
-            </a:pPr>
-            <a:endParaRPr lang="en-GB" sz="2400" dirty="0">
-              <a:latin typeface="Tahoma"/>
-              <a:ea typeface="Tahoma"/>
-              <a:cs typeface="Tahoma"/>
-            </a:endParaRPr>
-          </a:p>
-          <a:p>
-            <a:pPr marL="457200" indent="-457200">
-              <a:buFont typeface="Wingdings"/>
-              <a:buChar char="§"/>
-            </a:pPr>
-            <a:r>
-              <a:rPr lang="en-GB" sz="2400" dirty="0" err="1">
-                <a:latin typeface="Tahoma"/>
-                <a:ea typeface="Tahoma"/>
-                <a:cs typeface="Tahoma"/>
-              </a:rPr>
-              <a:t>Ukladanie</a:t>
-            </a:r>
-            <a:r>
-              <a:rPr lang="en-GB" sz="2400" dirty="0">
-                <a:latin typeface="Tahoma"/>
-                <a:ea typeface="Tahoma"/>
-                <a:cs typeface="Tahoma"/>
-              </a:rPr>
-              <a:t> </a:t>
-            </a:r>
-            <a:r>
-              <a:rPr lang="en-GB" sz="2400" dirty="0" err="1">
-                <a:latin typeface="Tahoma"/>
-                <a:ea typeface="Tahoma"/>
-                <a:cs typeface="Tahoma"/>
-              </a:rPr>
-              <a:t>zistených</a:t>
-            </a:r>
-            <a:r>
-              <a:rPr lang="en-GB" sz="2400" dirty="0">
-                <a:latin typeface="Tahoma"/>
-                <a:ea typeface="Tahoma"/>
-                <a:cs typeface="Tahoma"/>
-              </a:rPr>
-              <a:t> </a:t>
-            </a:r>
-            <a:r>
-              <a:rPr lang="en-GB" sz="2400" dirty="0" err="1">
-                <a:latin typeface="Tahoma"/>
-                <a:ea typeface="Tahoma"/>
-                <a:cs typeface="Tahoma"/>
-              </a:rPr>
-              <a:t>atribútov</a:t>
-            </a:r>
-            <a:r>
-              <a:rPr lang="en-GB" sz="2400" dirty="0">
-                <a:latin typeface="Tahoma"/>
-                <a:ea typeface="Tahoma"/>
-                <a:cs typeface="Tahoma"/>
-              </a:rPr>
-              <a:t> </a:t>
-            </a:r>
-            <a:r>
-              <a:rPr lang="en-GB" sz="2400" dirty="0" err="1">
-                <a:latin typeface="Tahoma"/>
-                <a:ea typeface="Tahoma"/>
-                <a:cs typeface="Tahoma"/>
-              </a:rPr>
-              <a:t>tokenov</a:t>
-            </a:r>
-            <a:endParaRPr lang="en-GB" sz="2400" dirty="0">
-              <a:latin typeface="Tahoma"/>
-              <a:ea typeface="Tahoma"/>
-              <a:cs typeface="Tahoma"/>
-            </a:endParaRPr>
-          </a:p>
-        </p:txBody>
-      </p:sp>
     </p:spTree>
     <p:extLst>
       <p:ext uri="{BB962C8B-B14F-4D97-AF65-F5344CB8AC3E}">
@@ -4238,35 +4217,6 @@
           </a:p>
         </p:txBody>
       </p:sp>
-      <p:pic>
-        <p:nvPicPr>
-          <p:cNvPr id="10" name="Picture 10" descr="A picture containing graphical user interface&#10;&#10;Description automatically generated">
-            <a:extLst>
-              <a:ext uri="{FF2B5EF4-FFF2-40B4-BE49-F238E27FC236}">
-                <a16:creationId xmlns:a16="http://schemas.microsoft.com/office/drawing/2014/main" id="{5C5B4427-36D1-4382-AC96-2D42B2EE97B4}"/>
-              </a:ext>
-            </a:extLst>
-          </p:cNvPr>
-          <p:cNvPicPr>
-            <a:picLocks noGrp="1" noChangeAspect="1"/>
-          </p:cNvPicPr>
-          <p:nvPr>
-            <p:ph idx="1"/>
-          </p:nvPr>
-        </p:nvPicPr>
-        <p:blipFill>
-          <a:blip r:embed="rId2"/>
-          <a:stretch>
-            <a:fillRect/>
-          </a:stretch>
-        </p:blipFill>
-        <p:spPr>
-          <a:xfrm>
-            <a:off x="7269557" y="2416324"/>
-            <a:ext cx="3962400" cy="2571750"/>
-          </a:xfrm>
-        </p:spPr>
-      </p:pic>
       <p:sp>
         <p:nvSpPr>
           <p:cNvPr id="4" name="TextBox 3">
@@ -4434,6 +4384,36 @@
           </a:p>
         </p:txBody>
       </p:sp>
+      <p:pic>
+        <p:nvPicPr>
+          <p:cNvPr id="9" name="Picture 4" descr="A picture containing graphical user interface&#10;&#10;Description automatically generated">
+            <a:extLst>
+              <a:ext uri="{FF2B5EF4-FFF2-40B4-BE49-F238E27FC236}">
+                <a16:creationId xmlns:a16="http://schemas.microsoft.com/office/drawing/2014/main" id="{F2BCB50A-739F-41E7-82B4-497FAC9B71EC}"/>
+              </a:ext>
+            </a:extLst>
+          </p:cNvPr>
+          <p:cNvPicPr>
+            <a:picLocks noChangeAspect="1"/>
+          </p:cNvPicPr>
+          <p:nvPr/>
+        </p:nvPicPr>
+        <p:blipFill>
+          <a:blip r:embed="rId2"/>
+          <a:stretch>
+            <a:fillRect/>
+          </a:stretch>
+        </p:blipFill>
+        <p:spPr>
+          <a:xfrm>
+            <a:off x="7396107" y="2666809"/>
+            <a:ext cx="3890383" cy="2530600"/>
+          </a:xfrm>
+          <a:prstGeom prst="rect">
+            <a:avLst/>
+          </a:prstGeom>
+        </p:spPr>
+      </p:pic>
     </p:spTree>
     <p:extLst>
       <p:ext uri="{BB962C8B-B14F-4D97-AF65-F5344CB8AC3E}">
@@ -4555,8 +4535,8 @@
         </p:blipFill>
         <p:spPr>
           <a:xfrm>
-            <a:off x="7312939" y="2428420"/>
-            <a:ext cx="4257907" cy="2559008"/>
+            <a:off x="7382472" y="2655890"/>
+            <a:ext cx="4251726" cy="2558478"/>
           </a:xfrm>
           <a:prstGeom prst="rect">
             <a:avLst/>
@@ -4856,8 +4836,8 @@
         </p:blipFill>
         <p:spPr>
           <a:xfrm>
-            <a:off x="6993062" y="1918711"/>
-            <a:ext cx="3743325" cy="3686175"/>
+            <a:off x="6948487" y="2039059"/>
+            <a:ext cx="3743325" cy="3676819"/>
           </a:xfrm>
         </p:spPr>
       </p:pic>
@@ -5055,8 +5035,8 @@
         </p:blipFill>
         <p:spPr>
           <a:xfrm>
-            <a:off x="7729819" y="2503060"/>
-            <a:ext cx="3354587" cy="2411889"/>
+            <a:off x="6788177" y="2601210"/>
+            <a:ext cx="3354913" cy="2437752"/>
           </a:xfrm>
         </p:spPr>
       </p:pic>
@@ -5360,8 +5340,8 @@
         </p:blipFill>
         <p:spPr>
           <a:xfrm>
-            <a:off x="4575686" y="1640204"/>
-            <a:ext cx="7616518" cy="4351338"/>
+            <a:off x="4433377" y="1701800"/>
+            <a:ext cx="7611494" cy="4351338"/>
           </a:xfrm>
         </p:spPr>
       </p:pic>

--- a/documentation/Presentation.pptx
+++ b/documentation/Presentation.pptx
@@ -124,7 +124,7 @@
   <p1510:revLst>
     <p1510:client id="{708B79C2-F4E8-4762-99D7-D6BBC320E1A0}" v="328" dt="2021-12-08T20:43:37.195"/>
     <p1510:client id="{824FA83B-A2DD-4695-AAE1-6FE2BB23FC05}" v="76" dt="2021-12-08T16:55:20.365"/>
-    <p1510:client id="{8657D687-9996-4D6E-BB7C-3F2CA8C71D43}" v="849" dt="2021-12-09T19:29:38.144"/>
+    <p1510:client id="{8657D687-9996-4D6E-BB7C-3F2CA8C71D43}" v="853" dt="2021-12-09T20:07:38.002"/>
     <p1510:client id="{D8F48007-FD94-44D9-9024-E1A435B4F43B}" v="547" dt="2021-12-08T16:52:53.286"/>
   </p1510:revLst>
 </p1510:revInfo>
@@ -5340,347 +5340,11 @@
         </p:blipFill>
         <p:spPr>
           <a:xfrm>
-            <a:off x="4433377" y="1701800"/>
-            <a:ext cx="7611494" cy="4351338"/>
+            <a:off x="948620" y="577385"/>
+            <a:ext cx="9971835" cy="5698777"/>
           </a:xfrm>
         </p:spPr>
       </p:pic>
-      <p:sp>
-        <p:nvSpPr>
-          <p:cNvPr id="6" name="TextBox 5">
-            <a:extLst>
-              <a:ext uri="{FF2B5EF4-FFF2-40B4-BE49-F238E27FC236}">
-                <a16:creationId xmlns:a16="http://schemas.microsoft.com/office/drawing/2014/main" id="{FFB9002C-DB16-4204-A125-113677B51ABD}"/>
-              </a:ext>
-            </a:extLst>
-          </p:cNvPr>
-          <p:cNvSpPr txBox="1"/>
-          <p:nvPr/>
-        </p:nvSpPr>
-        <p:spPr>
-          <a:xfrm>
-            <a:off x="841255" y="2038614"/>
-            <a:ext cx="6019918" cy="3170099"/>
-          </a:xfrm>
-          <a:prstGeom prst="rect">
-            <a:avLst/>
-          </a:prstGeom>
-          <a:noFill/>
-        </p:spPr>
-        <p:txBody>
-          <a:bodyPr wrap="none" lIns="91440" tIns="45720" rIns="91440" bIns="45720" rtlCol="0" anchor="t">
-            <a:spAutoFit/>
-          </a:bodyPr>
-          <a:lstStyle/>
-          <a:p>
-            <a:pPr marL="457200" indent="-457200">
-              <a:buFont typeface="Wingdings"/>
-              <a:buChar char="§"/>
-            </a:pPr>
-            <a:r>
-              <a:rPr lang="en-SK" sz="2000" dirty="0">
-                <a:latin typeface="Tahoma"/>
-                <a:ea typeface="Tahoma"/>
-                <a:cs typeface="Tahoma"/>
-              </a:rPr>
-              <a:t>Andrei</a:t>
-            </a:r>
-            <a:endParaRPr lang="en-US" sz="2000" dirty="0">
-              <a:latin typeface="Tahoma"/>
-              <a:ea typeface="Tahoma"/>
-              <a:cs typeface="Tahoma"/>
-            </a:endParaRPr>
-          </a:p>
-          <a:p>
-            <a:pPr marL="800100" lvl="1" indent="-342900">
-              <a:buFont typeface="Arial"/>
-              <a:buChar char="•"/>
-            </a:pPr>
-            <a:r>
-              <a:rPr lang="en-GB" sz="2000" dirty="0" err="1">
-                <a:latin typeface="Tahoma"/>
-                <a:ea typeface="Tahoma"/>
-                <a:cs typeface="Tahoma"/>
-              </a:rPr>
-              <a:t>Lexikálna</a:t>
-            </a:r>
-            <a:r>
-              <a:rPr lang="en-GB" sz="2000" dirty="0">
-                <a:latin typeface="Tahoma"/>
-                <a:ea typeface="Tahoma"/>
-                <a:cs typeface="Tahoma"/>
-              </a:rPr>
-              <a:t>, </a:t>
-            </a:r>
-            <a:r>
-              <a:rPr lang="en-GB" sz="2000" dirty="0" err="1">
-                <a:latin typeface="Tahoma"/>
-                <a:ea typeface="Tahoma"/>
-                <a:cs typeface="Tahoma"/>
-              </a:rPr>
-              <a:t>sémantická</a:t>
-            </a:r>
-            <a:r>
-              <a:rPr lang="en-GB" sz="2000" dirty="0">
-                <a:latin typeface="Tahoma"/>
-                <a:ea typeface="Tahoma"/>
-                <a:cs typeface="Tahoma"/>
-              </a:rPr>
-              <a:t> a </a:t>
-            </a:r>
-            <a:r>
-              <a:rPr lang="en-GB" sz="2000" dirty="0" err="1">
-                <a:latin typeface="Tahoma"/>
-                <a:ea typeface="Tahoma"/>
-                <a:cs typeface="Tahoma"/>
-              </a:rPr>
-              <a:t>obecná</a:t>
-            </a:r>
-            <a:r>
-              <a:rPr lang="en-GB" sz="2000" dirty="0">
-                <a:latin typeface="Tahoma"/>
-                <a:ea typeface="Tahoma"/>
-                <a:cs typeface="Tahoma"/>
-              </a:rPr>
-              <a:t> </a:t>
-            </a:r>
-            <a:r>
-              <a:rPr lang="en-GB" sz="2000" dirty="0" err="1">
-                <a:latin typeface="Tahoma"/>
-                <a:ea typeface="Tahoma"/>
-                <a:cs typeface="Tahoma"/>
-              </a:rPr>
-              <a:t>analýza</a:t>
-            </a:r>
-            <a:endParaRPr lang="en-GB" sz="2000" dirty="0">
-              <a:latin typeface="Tahoma"/>
-              <a:ea typeface="Tahoma"/>
-              <a:cs typeface="Tahoma"/>
-            </a:endParaRPr>
-          </a:p>
-          <a:p>
-            <a:pPr marL="800100" lvl="1" indent="-342900">
-              <a:buFont typeface="Arial"/>
-              <a:buChar char="•"/>
-            </a:pPr>
-            <a:r>
-              <a:rPr lang="en-GB" sz="2000" dirty="0" err="1">
-                <a:latin typeface="Tahoma"/>
-                <a:ea typeface="Tahoma"/>
-                <a:cs typeface="Tahoma"/>
-              </a:rPr>
-              <a:t>Tabuľka</a:t>
-            </a:r>
-            <a:r>
-              <a:rPr lang="en-GB" sz="2000" dirty="0">
-                <a:latin typeface="Tahoma"/>
-                <a:ea typeface="Tahoma"/>
-                <a:cs typeface="Tahoma"/>
-              </a:rPr>
-              <a:t> </a:t>
-            </a:r>
-            <a:r>
-              <a:rPr lang="en-GB" sz="2000" dirty="0" err="1">
-                <a:latin typeface="Tahoma"/>
-                <a:ea typeface="Tahoma"/>
-                <a:cs typeface="Tahoma"/>
-              </a:rPr>
-              <a:t>symbolov</a:t>
-            </a:r>
-            <a:endParaRPr lang="en-GB" sz="2000" dirty="0">
-              <a:latin typeface="Tahoma"/>
-              <a:ea typeface="Tahoma"/>
-              <a:cs typeface="Tahoma"/>
-            </a:endParaRPr>
-          </a:p>
-          <a:p>
-            <a:pPr marL="457200" indent="-457200">
-              <a:buFont typeface="Wingdings"/>
-              <a:buChar char="§"/>
-            </a:pPr>
-            <a:endParaRPr lang="en-GB" sz="2000" dirty="0">
-              <a:latin typeface="Tahoma"/>
-              <a:ea typeface="Tahoma"/>
-              <a:cs typeface="Tahoma"/>
-            </a:endParaRPr>
-          </a:p>
-          <a:p>
-            <a:pPr marL="457200" indent="-457200">
-              <a:buFont typeface="Wingdings"/>
-              <a:buChar char="§"/>
-            </a:pPr>
-            <a:r>
-              <a:rPr lang="en-GB" sz="2000" dirty="0">
-                <a:latin typeface="Tahoma"/>
-                <a:ea typeface="Tahoma"/>
-                <a:cs typeface="Tahoma"/>
-              </a:rPr>
-              <a:t>Richard</a:t>
-            </a:r>
-          </a:p>
-          <a:p>
-            <a:pPr marL="800100" lvl="1" indent="-342900">
-              <a:buFont typeface="Arial,Sans-Serif"/>
-              <a:buChar char="•"/>
-            </a:pPr>
-            <a:r>
-              <a:rPr lang="en-GB" sz="2000" dirty="0" err="1">
-                <a:latin typeface="Tahoma"/>
-                <a:ea typeface="Tahoma"/>
-                <a:cs typeface="Tahoma"/>
-              </a:rPr>
-              <a:t>Syntaktická</a:t>
-            </a:r>
-            <a:r>
-              <a:rPr lang="en-GB" sz="2000" dirty="0">
-                <a:latin typeface="Tahoma"/>
-                <a:ea typeface="Tahoma"/>
-                <a:cs typeface="Tahoma"/>
-              </a:rPr>
-              <a:t> a </a:t>
-            </a:r>
-            <a:r>
-              <a:rPr lang="en-GB" sz="2000" dirty="0" err="1">
-                <a:latin typeface="Tahoma"/>
-                <a:ea typeface="Tahoma"/>
-                <a:cs typeface="Tahoma"/>
-              </a:rPr>
-              <a:t>sémantická</a:t>
-            </a:r>
-            <a:r>
-              <a:rPr lang="en-GB" sz="2000" dirty="0">
-                <a:latin typeface="Tahoma"/>
-                <a:ea typeface="Tahoma"/>
-                <a:cs typeface="Tahoma"/>
-              </a:rPr>
-              <a:t> </a:t>
-            </a:r>
-            <a:r>
-              <a:rPr lang="en-GB" sz="2000" dirty="0" err="1">
-                <a:latin typeface="Tahoma"/>
-                <a:ea typeface="Tahoma"/>
-                <a:cs typeface="Tahoma"/>
-              </a:rPr>
-              <a:t>analýza</a:t>
-            </a:r>
-            <a:r>
-              <a:rPr lang="en-GB" sz="2000" dirty="0">
-                <a:latin typeface="Tahoma"/>
-                <a:ea typeface="Tahoma"/>
-                <a:cs typeface="Tahoma"/>
-              </a:rPr>
-              <a:t> pre </a:t>
-            </a:r>
-            <a:r>
-              <a:rPr lang="en-GB" sz="2000" dirty="0" err="1">
-                <a:latin typeface="Tahoma"/>
-                <a:ea typeface="Tahoma"/>
-                <a:cs typeface="Tahoma"/>
-              </a:rPr>
-              <a:t>výrazy</a:t>
-            </a:r>
-            <a:endParaRPr lang="en-GB" sz="2000" dirty="0">
-              <a:latin typeface="Tahoma"/>
-              <a:ea typeface="Tahoma"/>
-              <a:cs typeface="Tahoma"/>
-            </a:endParaRPr>
-          </a:p>
-          <a:p>
-            <a:pPr marL="800100" lvl="1" indent="-342900">
-              <a:buFont typeface="Arial,Sans-Serif"/>
-              <a:buChar char="•"/>
-            </a:pPr>
-            <a:r>
-              <a:rPr lang="en-GB" sz="2000" dirty="0" err="1">
-                <a:latin typeface="Tahoma"/>
-                <a:ea typeface="Tahoma"/>
-                <a:cs typeface="Tahoma"/>
-              </a:rPr>
-              <a:t>Precedenčná</a:t>
-            </a:r>
-            <a:r>
-              <a:rPr lang="en-GB" sz="2000" dirty="0">
-                <a:latin typeface="Tahoma"/>
-                <a:ea typeface="Tahoma"/>
-                <a:cs typeface="Tahoma"/>
-              </a:rPr>
-              <a:t> </a:t>
-            </a:r>
-            <a:r>
-              <a:rPr lang="en-GB" sz="2000" dirty="0" err="1">
-                <a:latin typeface="Tahoma"/>
-                <a:ea typeface="Tahoma"/>
-                <a:cs typeface="Tahoma"/>
-              </a:rPr>
-              <a:t>tabuľka</a:t>
-            </a:r>
-            <a:endParaRPr lang="en-GB" sz="2000" dirty="0">
-              <a:latin typeface="Tahoma"/>
-              <a:ea typeface="Tahoma"/>
-              <a:cs typeface="Tahoma"/>
-            </a:endParaRPr>
-          </a:p>
-          <a:p>
-            <a:pPr marL="457200" indent="-457200">
-              <a:buFont typeface="Wingdings"/>
-              <a:buChar char="§"/>
-            </a:pPr>
-            <a:endParaRPr lang="en-GB" sz="2000" dirty="0">
-              <a:latin typeface="Tahoma"/>
-              <a:ea typeface="Tahoma"/>
-              <a:cs typeface="Tahoma"/>
-            </a:endParaRPr>
-          </a:p>
-          <a:p>
-            <a:pPr marL="457200" indent="-457200">
-              <a:buFont typeface="Wingdings"/>
-              <a:buChar char="§"/>
-            </a:pPr>
-            <a:r>
-              <a:rPr lang="en-GB" sz="2000" dirty="0">
-                <a:latin typeface="Tahoma"/>
-                <a:ea typeface="Tahoma"/>
-                <a:cs typeface="Tahoma"/>
-              </a:rPr>
-              <a:t>Zdeněk a Andrej</a:t>
-            </a:r>
-          </a:p>
-          <a:p>
-            <a:pPr marL="800100" lvl="1" indent="-342900">
-              <a:buFont typeface="Arial,Sans-Serif"/>
-              <a:buChar char="•"/>
-            </a:pPr>
-            <a:r>
-              <a:rPr lang="en-GB" sz="2000" dirty="0" err="1">
-                <a:latin typeface="Tahoma"/>
-                <a:ea typeface="Tahoma"/>
-                <a:cs typeface="Tahoma"/>
-              </a:rPr>
-              <a:t>Generovanie</a:t>
-            </a:r>
-            <a:r>
-              <a:rPr lang="en-GB" sz="2000" dirty="0">
-                <a:latin typeface="Tahoma"/>
-                <a:ea typeface="Tahoma"/>
-                <a:cs typeface="Tahoma"/>
-              </a:rPr>
-              <a:t> </a:t>
-            </a:r>
-            <a:r>
-              <a:rPr lang="en-GB" sz="2000" dirty="0" err="1">
-                <a:latin typeface="Tahoma"/>
-                <a:ea typeface="Tahoma"/>
-                <a:cs typeface="Tahoma"/>
-              </a:rPr>
-              <a:t>kódu</a:t>
-            </a:r>
-            <a:endParaRPr lang="en-US" sz="2000">
-              <a:ea typeface="+mn-lt"/>
-              <a:cs typeface="+mn-lt"/>
-            </a:endParaRPr>
-          </a:p>
-        </p:txBody>
-      </p:sp>
     </p:spTree>
     <p:extLst>
       <p:ext uri="{BB962C8B-B14F-4D97-AF65-F5344CB8AC3E}">

--- a/documentation/Presentation.pptx
+++ b/documentation/Presentation.pptx
@@ -123,6 +123,7 @@
 <p1510:revInfo xmlns:a="http://schemas.openxmlformats.org/drawingml/2006/main" xmlns:r="http://schemas.openxmlformats.org/officeDocument/2006/relationships" xmlns:p1510="http://schemas.microsoft.com/office/powerpoint/2015/10/main">
   <p1510:revLst>
     <p1510:client id="{708B79C2-F4E8-4762-99D7-D6BBC320E1A0}" v="328" dt="2021-12-08T20:43:37.195"/>
+    <p1510:client id="{8226A7CE-9A46-4B7D-8502-86D258F60701}" v="372" dt="2021-12-09T21:54:33.509"/>
     <p1510:client id="{824FA83B-A2DD-4695-AAE1-6FE2BB23FC05}" v="76" dt="2021-12-08T16:55:20.365"/>
     <p1510:client id="{8657D687-9996-4D6E-BB7C-3F2CA8C71D43}" v="853" dt="2021-12-09T20:07:38.002"/>
     <p1510:client id="{D8F48007-FD94-44D9-9024-E1A435B4F43B}" v="547" dt="2021-12-08T16:52:53.286"/>
@@ -3971,7 +3972,7 @@
         <p:spPr>
           <a:xfrm>
             <a:off x="842048" y="2039875"/>
-            <a:ext cx="5795176" cy="1200329"/>
+            <a:ext cx="5160900" cy="1938992"/>
           </a:xfrm>
           <a:prstGeom prst="rect">
             <a:avLst/>
@@ -4020,7 +4021,7 @@
               </a:rPr>
               <a:t> automat</a:t>
             </a:r>
-            <a:endParaRPr lang="en-US" sz="2400">
+            <a:endParaRPr lang="en-US" sz="2400" dirty="0">
               <a:cs typeface="Calibri"/>
             </a:endParaRPr>
           </a:p>
@@ -4029,6 +4030,30 @@
               <a:buFont typeface="Wingdings"/>
               <a:buChar char="§"/>
             </a:pPr>
+            <a:r>
+              <a:rPr lang="en-GB" sz="2400" dirty="0" err="1">
+                <a:latin typeface="Tahoma"/>
+                <a:ea typeface="Tahoma"/>
+                <a:cs typeface="Tahoma"/>
+              </a:rPr>
+              <a:t>Hlavné</a:t>
+            </a:r>
+            <a:r>
+              <a:rPr lang="en-GB" sz="2400" dirty="0">
+                <a:latin typeface="Tahoma"/>
+                <a:ea typeface="Tahoma"/>
+                <a:cs typeface="Tahoma"/>
+              </a:rPr>
+              <a:t> </a:t>
+            </a:r>
+            <a:r>
+              <a:rPr lang="en-GB" sz="2400" dirty="0" err="1">
+                <a:latin typeface="Tahoma"/>
+                <a:ea typeface="Tahoma"/>
+                <a:cs typeface="Tahoma"/>
+              </a:rPr>
+              <a:t>akcie</a:t>
+            </a:r>
             <a:endParaRPr lang="en-GB" sz="2400" dirty="0">
               <a:latin typeface="Tahoma"/>
               <a:ea typeface="Tahoma"/>
@@ -4036,9 +4061,8 @@
             </a:endParaRPr>
           </a:p>
           <a:p>
-            <a:pPr marL="457200" indent="-457200">
-              <a:buFont typeface="Wingdings"/>
-              <a:buChar char="§"/>
+            <a:pPr marL="914400" lvl="1" indent="-457200">
+              <a:buAutoNum type="arabicPeriod"/>
             </a:pPr>
             <a:r>
               <a:rPr lang="en-GB" sz="2400" dirty="0" err="1">
@@ -4046,7 +4070,7 @@
                 <a:ea typeface="Tahoma"/>
                 <a:cs typeface="Tahoma"/>
               </a:rPr>
-              <a:t>Ukladanie</a:t>
+              <a:t>Načíta</a:t>
             </a:r>
             <a:r>
               <a:rPr lang="en-GB" sz="2400" dirty="0">
@@ -4054,6 +4078,27 @@
                 <a:ea typeface="Tahoma"/>
                 <a:cs typeface="Tahoma"/>
               </a:rPr>
+              <a:t> token</a:t>
+            </a:r>
+          </a:p>
+          <a:p>
+            <a:pPr marL="914400" lvl="1" indent="-457200">
+              <a:buAutoNum type="arabicPeriod"/>
+            </a:pPr>
+            <a:r>
+              <a:rPr lang="en-GB" sz="2400" dirty="0" err="1">
+                <a:latin typeface="Tahoma"/>
+                <a:ea typeface="Tahoma"/>
+                <a:cs typeface="Tahoma"/>
+              </a:rPr>
+              <a:t>Určí</a:t>
+            </a:r>
+            <a:r>
+              <a:rPr lang="en-GB" sz="2400" dirty="0">
+                <a:latin typeface="Tahoma"/>
+                <a:ea typeface="Tahoma"/>
+                <a:cs typeface="Tahoma"/>
+              </a:rPr>
               <a:t> </a:t>
             </a:r>
             <a:r>
@@ -4062,7 +4107,7 @@
                 <a:ea typeface="Tahoma"/>
                 <a:cs typeface="Tahoma"/>
               </a:rPr>
-              <a:t>zistených</a:t>
+              <a:t>jeho</a:t>
             </a:r>
             <a:r>
               <a:rPr lang="en-GB" sz="2400" dirty="0">
@@ -4078,7 +4123,20 @@
                 <a:ea typeface="Tahoma"/>
                 <a:cs typeface="Tahoma"/>
               </a:rPr>
-              <a:t>atribútov</a:t>
+              <a:t>typ</a:t>
+            </a:r>
+          </a:p>
+          <a:p>
+            <a:pPr marL="914400" lvl="1" indent="-457200">
+              <a:buAutoNum type="arabicPeriod"/>
+            </a:pPr>
+            <a:r>
+              <a:rPr lang="en-GB" sz="2400" dirty="0" err="1">
+                <a:latin typeface="Tahoma"/>
+                <a:ea typeface="Tahoma"/>
+                <a:cs typeface="Tahoma"/>
+              </a:rPr>
+              <a:t>Vyplní</a:t>
             </a:r>
             <a:r>
               <a:rPr lang="en-GB" sz="2400" dirty="0">
@@ -4094,7 +4152,7 @@
                 <a:ea typeface="Tahoma"/>
                 <a:cs typeface="Tahoma"/>
               </a:rPr>
-              <a:t>tokenov</a:t>
+              <a:t>atributy</a:t>
             </a:r>
             <a:endParaRPr lang="en-GB" sz="2400" dirty="0">
               <a:latin typeface="Tahoma"/>
@@ -4928,6 +4986,217 @@
           </a:p>
         </p:txBody>
       </p:sp>
+      <p:graphicFrame>
+        <p:nvGraphicFramePr>
+          <p:cNvPr id="11" name="Table 10">
+            <a:extLst>
+              <a:ext uri="{FF2B5EF4-FFF2-40B4-BE49-F238E27FC236}">
+                <a16:creationId xmlns:a16="http://schemas.microsoft.com/office/drawing/2014/main" id="{A93F6985-15AB-49D8-965D-1B8618322A00}"/>
+              </a:ext>
+            </a:extLst>
+          </p:cNvPr>
+          <p:cNvGraphicFramePr>
+            <a:graphicFrameLocks noGrp="1"/>
+          </p:cNvGraphicFramePr>
+          <p:nvPr>
+            <p:extLst>
+              <p:ext uri="{D42A27DB-BD31-4B8C-83A1-F6EECF244321}">
+                <p14:modId xmlns:p14="http://schemas.microsoft.com/office/powerpoint/2010/main" val="887865296"/>
+              </p:ext>
+            </p:extLst>
+          </p:nvPr>
+        </p:nvGraphicFramePr>
+        <p:xfrm>
+          <a:off x="1485845" y="2973656"/>
+          <a:ext cx="2871186" cy="1195950"/>
+        </p:xfrm>
+        <a:graphic>
+          <a:graphicData uri="http://schemas.openxmlformats.org/drawingml/2006/table">
+            <a:tbl>
+              <a:tblPr firstRow="1" bandRow="1">
+                <a:tableStyleId>{5C22544A-7EE6-4342-B048-85BDC9FD1C3A}</a:tableStyleId>
+              </a:tblPr>
+              <a:tblGrid>
+                <a:gridCol w="1435593">
+                  <a:extLst>
+                    <a:ext uri="{9D8B030D-6E8A-4147-A177-3AD203B41FA5}">
+                      <a16:colId xmlns:a16="http://schemas.microsoft.com/office/drawing/2014/main" val="4002697379"/>
+                    </a:ext>
+                  </a:extLst>
+                </a:gridCol>
+                <a:gridCol w="1435593">
+                  <a:extLst>
+                    <a:ext uri="{9D8B030D-6E8A-4147-A177-3AD203B41FA5}">
+                      <a16:colId xmlns:a16="http://schemas.microsoft.com/office/drawing/2014/main" val="143578642"/>
+                    </a:ext>
+                  </a:extLst>
+                </a:gridCol>
+              </a:tblGrid>
+              <a:tr h="398650">
+                <a:tc>
+                  <a:txBody>
+                    <a:bodyPr/>
+                    <a:lstStyle/>
+                    <a:p>
+                      <a:pPr algn="l" rtl="0" fontAlgn="base"/>
+                      <a:r>
+                        <a:rPr lang="en-US" dirty="0">
+                          <a:effectLst/>
+                        </a:rPr>
+                        <a:t>Dobre​</a:t>
+                      </a:r>
+                      <a:endParaRPr lang="en-US" b="1" i="0" dirty="0">
+                        <a:solidFill>
+                          <a:srgbClr val="FFFFFF"/>
+                        </a:solidFill>
+                        <a:effectLst/>
+                      </a:endParaRPr>
+                    </a:p>
+                  </a:txBody>
+                  <a:tcPr/>
+                </a:tc>
+                <a:tc>
+                  <a:txBody>
+                    <a:bodyPr/>
+                    <a:lstStyle/>
+                    <a:p>
+                      <a:pPr algn="l" rtl="0" fontAlgn="base"/>
+                      <a:r>
+                        <a:rPr lang="en-US" dirty="0" err="1">
+                          <a:effectLst/>
+                        </a:rPr>
+                        <a:t>Zle</a:t>
+                      </a:r>
+                      <a:r>
+                        <a:rPr lang="en-US" dirty="0">
+                          <a:effectLst/>
+                        </a:rPr>
+                        <a:t>​</a:t>
+                      </a:r>
+                      <a:endParaRPr lang="en-US" b="1" i="0" dirty="0">
+                        <a:solidFill>
+                          <a:srgbClr val="FFFFFF"/>
+                        </a:solidFill>
+                        <a:effectLst/>
+                      </a:endParaRPr>
+                    </a:p>
+                  </a:txBody>
+                  <a:tcPr/>
+                </a:tc>
+                <a:extLst>
+                  <a:ext uri="{0D108BD9-81ED-4DB2-BD59-A6C34878D82A}">
+                    <a16:rowId xmlns:a16="http://schemas.microsoft.com/office/drawing/2014/main" val="257180847"/>
+                  </a:ext>
+                </a:extLst>
+              </a:tr>
+              <a:tr h="398650">
+                <a:tc>
+                  <a:txBody>
+                    <a:bodyPr/>
+                    <a:lstStyle/>
+                    <a:p>
+                      <a:pPr algn="l" rtl="0" fontAlgn="base"/>
+                      <a:r>
+                        <a:rPr lang="en-US" dirty="0">
+                          <a:effectLst/>
+                        </a:rPr>
+                        <a:t>a = b c = d​</a:t>
+                      </a:r>
+                      <a:endParaRPr lang="en-US" b="0" i="0" dirty="0">
+                        <a:solidFill>
+                          <a:srgbClr val="000000"/>
+                        </a:solidFill>
+                        <a:effectLst/>
+                      </a:endParaRPr>
+                    </a:p>
+                  </a:txBody>
+                  <a:tcPr/>
+                </a:tc>
+                <a:tc>
+                  <a:txBody>
+                    <a:bodyPr/>
+                    <a:lstStyle/>
+                    <a:p>
+                      <a:pPr algn="l" rtl="0" fontAlgn="base"/>
+                      <a:r>
+                        <a:rPr lang="en-US" dirty="0">
+                          <a:effectLst/>
+                        </a:rPr>
+                        <a:t>a = b c​</a:t>
+                      </a:r>
+                      <a:endParaRPr lang="en-US" b="0" i="0" dirty="0">
+                        <a:solidFill>
+                          <a:srgbClr val="000000"/>
+                        </a:solidFill>
+                        <a:effectLst/>
+                      </a:endParaRPr>
+                    </a:p>
+                  </a:txBody>
+                  <a:tcPr/>
+                </a:tc>
+                <a:extLst>
+                  <a:ext uri="{0D108BD9-81ED-4DB2-BD59-A6C34878D82A}">
+                    <a16:rowId xmlns:a16="http://schemas.microsoft.com/office/drawing/2014/main" val="2199759985"/>
+                  </a:ext>
+                </a:extLst>
+              </a:tr>
+              <a:tr h="398650">
+                <a:tc>
+                  <a:txBody>
+                    <a:bodyPr/>
+                    <a:lstStyle/>
+                    <a:p>
+                      <a:pPr algn="l" rtl="0" fontAlgn="auto"/>
+                      <a:r>
+                        <a:rPr lang="en-US" dirty="0">
+                          <a:effectLst/>
+                        </a:rPr>
+                        <a:t>​a = (b)</a:t>
+                      </a:r>
+                      <a:endParaRPr lang="en-US" b="0" i="0" dirty="0">
+                        <a:solidFill>
+                          <a:srgbClr val="000000"/>
+                        </a:solidFill>
+                        <a:effectLst/>
+                        <a:latin typeface="Calibri" panose="020F0502020204030204" pitchFamily="34" charset="0"/>
+                      </a:endParaRPr>
+                    </a:p>
+                  </a:txBody>
+                  <a:tcPr/>
+                </a:tc>
+                <a:tc>
+                  <a:txBody>
+                    <a:bodyPr/>
+                    <a:lstStyle/>
+                    <a:p>
+                      <a:pPr algn="l" rtl="0" fontAlgn="auto"/>
+                      <a:r>
+                        <a:rPr lang="en-US" dirty="0">
+                          <a:effectLst/>
+                        </a:rPr>
+                        <a:t>​a = (b) c</a:t>
+                      </a:r>
+                      <a:endParaRPr lang="en-US" b="0" i="0" dirty="0">
+                        <a:solidFill>
+                          <a:srgbClr val="000000"/>
+                        </a:solidFill>
+                        <a:effectLst/>
+                        <a:latin typeface="Calibri" panose="020F0502020204030204" pitchFamily="34" charset="0"/>
+                      </a:endParaRPr>
+                    </a:p>
+                  </a:txBody>
+                  <a:tcPr/>
+                </a:tc>
+                <a:extLst>
+                  <a:ext uri="{0D108BD9-81ED-4DB2-BD59-A6C34878D82A}">
+                    <a16:rowId xmlns:a16="http://schemas.microsoft.com/office/drawing/2014/main" val="2514923729"/>
+                  </a:ext>
+                </a:extLst>
+              </a:tr>
+            </a:tbl>
+          </a:graphicData>
+        </a:graphic>
+      </p:graphicFrame>
     </p:spTree>
     <p:extLst>
       <p:ext uri="{BB962C8B-B14F-4D97-AF65-F5344CB8AC3E}">

--- a/documentation/Presentation.pptx
+++ b/documentation/Presentation.pptx
@@ -123,7 +123,7 @@
 <p1510:revInfo xmlns:a="http://schemas.openxmlformats.org/drawingml/2006/main" xmlns:r="http://schemas.openxmlformats.org/officeDocument/2006/relationships" xmlns:p1510="http://schemas.microsoft.com/office/powerpoint/2015/10/main">
   <p1510:revLst>
     <p1510:client id="{708B79C2-F4E8-4762-99D7-D6BBC320E1A0}" v="328" dt="2021-12-08T20:43:37.195"/>
-    <p1510:client id="{8226A7CE-9A46-4B7D-8502-86D258F60701}" v="372" dt="2021-12-09T21:54:33.509"/>
+    <p1510:client id="{8226A7CE-9A46-4B7D-8502-86D258F60701}" v="376" dt="2021-12-09T21:56:20.355"/>
     <p1510:client id="{824FA83B-A2DD-4695-AAE1-6FE2BB23FC05}" v="76" dt="2021-12-08T16:55:20.365"/>
     <p1510:client id="{8657D687-9996-4D6E-BB7C-3F2CA8C71D43}" v="853" dt="2021-12-09T20:07:38.002"/>
     <p1510:client id="{D8F48007-FD94-44D9-9024-E1A435B4F43B}" v="547" dt="2021-12-08T16:52:53.286"/>
@@ -3972,7 +3972,7 @@
         <p:spPr>
           <a:xfrm>
             <a:off x="842048" y="2039875"/>
-            <a:ext cx="5160900" cy="1938992"/>
+            <a:ext cx="5160900" cy="2308324"/>
           </a:xfrm>
           <a:prstGeom prst="rect">
             <a:avLst/>
@@ -4030,30 +4030,6 @@
               <a:buFont typeface="Wingdings"/>
               <a:buChar char="§"/>
             </a:pPr>
-            <a:r>
-              <a:rPr lang="en-GB" sz="2400" dirty="0" err="1">
-                <a:latin typeface="Tahoma"/>
-                <a:ea typeface="Tahoma"/>
-                <a:cs typeface="Tahoma"/>
-              </a:rPr>
-              <a:t>Hlavné</a:t>
-            </a:r>
-            <a:r>
-              <a:rPr lang="en-GB" sz="2400" dirty="0">
-                <a:latin typeface="Tahoma"/>
-                <a:ea typeface="Tahoma"/>
-                <a:cs typeface="Tahoma"/>
-              </a:rPr>
-              <a:t> </a:t>
-            </a:r>
-            <a:r>
-              <a:rPr lang="en-GB" sz="2400" dirty="0" err="1">
-                <a:latin typeface="Tahoma"/>
-                <a:ea typeface="Tahoma"/>
-                <a:cs typeface="Tahoma"/>
-              </a:rPr>
-              <a:t>akcie</a:t>
-            </a:r>
             <a:endParaRPr lang="en-GB" sz="2400" dirty="0">
               <a:latin typeface="Tahoma"/>
               <a:ea typeface="Tahoma"/>
@@ -4061,6 +4037,41 @@
             </a:endParaRPr>
           </a:p>
           <a:p>
+            <a:pPr marL="457200" indent="-457200">
+              <a:buFont typeface="Wingdings"/>
+              <a:buChar char="§"/>
+            </a:pPr>
+            <a:r>
+              <a:rPr lang="en-GB" sz="2400" dirty="0" err="1">
+                <a:latin typeface="Tahoma"/>
+                <a:ea typeface="Tahoma"/>
+                <a:cs typeface="Tahoma"/>
+              </a:rPr>
+              <a:t>Hlavné</a:t>
+            </a:r>
+            <a:r>
+              <a:rPr lang="en-GB" sz="2400" dirty="0">
+                <a:latin typeface="Tahoma"/>
+                <a:ea typeface="Tahoma"/>
+                <a:cs typeface="Tahoma"/>
+              </a:rPr>
+              <a:t> </a:t>
+            </a:r>
+            <a:r>
+              <a:rPr lang="en-GB" sz="2400" dirty="0" err="1">
+                <a:latin typeface="Tahoma"/>
+                <a:ea typeface="Tahoma"/>
+                <a:cs typeface="Tahoma"/>
+              </a:rPr>
+              <a:t>akcie</a:t>
+            </a:r>
+            <a:endParaRPr lang="en-GB" sz="2400" dirty="0">
+              <a:latin typeface="Tahoma"/>
+              <a:ea typeface="Tahoma"/>
+              <a:cs typeface="Tahoma"/>
+            </a:endParaRPr>
+          </a:p>
+          <a:p>
             <a:pPr marL="914400" lvl="1" indent="-457200">
               <a:buAutoNum type="arabicPeriod"/>
             </a:pPr>
@@ -4125,6 +4136,11 @@
               </a:rPr>
               <a:t>typ</a:t>
             </a:r>
+            <a:endParaRPr lang="en-GB" sz="2400">
+              <a:latin typeface="Tahoma"/>
+              <a:ea typeface="Tahoma"/>
+              <a:cs typeface="Tahoma"/>
+            </a:endParaRPr>
           </a:p>
           <a:p>
             <a:pPr marL="914400" lvl="1" indent="-457200">

--- a/documentation/Presentation.pptx
+++ b/documentation/Presentation.pptx
@@ -123,7 +123,7 @@
 <p1510:revInfo xmlns:a="http://schemas.openxmlformats.org/drawingml/2006/main" xmlns:r="http://schemas.openxmlformats.org/officeDocument/2006/relationships" xmlns:p1510="http://schemas.microsoft.com/office/powerpoint/2015/10/main">
   <p1510:revLst>
     <p1510:client id="{708B79C2-F4E8-4762-99D7-D6BBC320E1A0}" v="328" dt="2021-12-08T20:43:37.195"/>
-    <p1510:client id="{8226A7CE-9A46-4B7D-8502-86D258F60701}" v="376" dt="2021-12-09T21:56:20.355"/>
+    <p1510:client id="{8226A7CE-9A46-4B7D-8502-86D258F60701}" v="414" dt="2021-12-09T22:00:54.940"/>
     <p1510:client id="{824FA83B-A2DD-4695-AAE1-6FE2BB23FC05}" v="76" dt="2021-12-08T16:55:20.365"/>
     <p1510:client id="{8657D687-9996-4D6E-BB7C-3F2CA8C71D43}" v="853" dt="2021-12-09T20:07:38.002"/>
     <p1510:client id="{D8F48007-FD94-44D9-9024-E1A435B4F43B}" v="547" dt="2021-12-08T16:52:53.286"/>
@@ -4306,7 +4306,7 @@
         <p:spPr>
           <a:xfrm>
             <a:off x="841255" y="2038614"/>
-            <a:ext cx="5824351" cy="1477328"/>
+            <a:ext cx="5824351" cy="2215991"/>
           </a:xfrm>
           <a:prstGeom prst="rect">
             <a:avLst/>
@@ -4446,6 +4446,63 @@
               <a:ea typeface="Tahoma"/>
               <a:cs typeface="Calibri" panose="020F0502020204030204"/>
             </a:endParaRPr>
+          </a:p>
+          <a:p>
+            <a:pPr marL="457200" indent="-457200">
+              <a:buFont typeface="Wingdings"/>
+              <a:buChar char="§"/>
+            </a:pPr>
+            <a:endParaRPr lang="en-GB" sz="2400" dirty="0">
+              <a:latin typeface="Tahoma"/>
+              <a:ea typeface="Tahoma"/>
+              <a:cs typeface="Tahoma"/>
+            </a:endParaRPr>
+          </a:p>
+          <a:p>
+            <a:pPr marL="457200" indent="-457200">
+              <a:buFont typeface="Wingdings"/>
+              <a:buChar char="§"/>
+            </a:pPr>
+            <a:r>
+              <a:rPr lang="en-GB" sz="2400" dirty="0" err="1">
+                <a:latin typeface="Tahoma"/>
+                <a:ea typeface="Tahoma"/>
+                <a:cs typeface="Tahoma"/>
+              </a:rPr>
+              <a:t>Simulácia</a:t>
+            </a:r>
+            <a:r>
+              <a:rPr lang="en-GB" sz="2400" dirty="0">
+                <a:latin typeface="Tahoma"/>
+                <a:ea typeface="Tahoma"/>
+                <a:cs typeface="Tahoma"/>
+              </a:rPr>
+              <a:t> </a:t>
+            </a:r>
+            <a:r>
+              <a:rPr lang="en-GB" sz="2400" dirty="0" err="1">
+                <a:latin typeface="Tahoma"/>
+                <a:ea typeface="Tahoma"/>
+                <a:cs typeface="Tahoma"/>
+              </a:rPr>
+              <a:t>derivačného</a:t>
+            </a:r>
+            <a:r>
+              <a:rPr lang="en-GB" sz="2400" dirty="0">
+                <a:latin typeface="Tahoma"/>
+                <a:ea typeface="Tahoma"/>
+                <a:cs typeface="Tahoma"/>
+              </a:rPr>
+              <a:t> </a:t>
+            </a:r>
+            <a:r>
+              <a:rPr lang="en-GB" sz="2400" dirty="0" err="1">
+                <a:latin typeface="Tahoma"/>
+                <a:ea typeface="Tahoma"/>
+                <a:cs typeface="Tahoma"/>
+              </a:rPr>
+              <a:t>stromu</a:t>
+            </a:r>
           </a:p>
           <a:p>
             <a:pPr marL="285750" indent="-285750">

--- a/documentation/Presentation.pptx
+++ b/documentation/Presentation.pptx
@@ -123,9 +123,10 @@
 <p1510:revInfo xmlns:a="http://schemas.openxmlformats.org/drawingml/2006/main" xmlns:r="http://schemas.openxmlformats.org/officeDocument/2006/relationships" xmlns:p1510="http://schemas.microsoft.com/office/powerpoint/2015/10/main">
   <p1510:revLst>
     <p1510:client id="{708B79C2-F4E8-4762-99D7-D6BBC320E1A0}" v="328" dt="2021-12-08T20:43:37.195"/>
-    <p1510:client id="{8226A7CE-9A46-4B7D-8502-86D258F60701}" v="414" dt="2021-12-09T22:00:54.940"/>
+    <p1510:client id="{8226A7CE-9A46-4B7D-8502-86D258F60701}" v="420" dt="2021-12-09T22:05:38.009"/>
     <p1510:client id="{824FA83B-A2DD-4695-AAE1-6FE2BB23FC05}" v="76" dt="2021-12-08T16:55:20.365"/>
     <p1510:client id="{8657D687-9996-4D6E-BB7C-3F2CA8C71D43}" v="853" dt="2021-12-09T20:07:38.002"/>
+    <p1510:client id="{92417429-8F47-4568-9BC3-E39E9F74C857}" v="2" dt="2021-12-10T00:04:48.423"/>
     <p1510:client id="{D8F48007-FD94-44D9-9024-E1A435B4F43B}" v="547" dt="2021-12-08T16:52:53.286"/>
   </p1510:revLst>
 </p1510:revInfo>
@@ -4860,6 +4861,209 @@
           </a:p>
         </p:txBody>
       </p:sp>
+      <p:graphicFrame>
+        <p:nvGraphicFramePr>
+          <p:cNvPr id="5" name="Table 4">
+            <a:extLst>
+              <a:ext uri="{FF2B5EF4-FFF2-40B4-BE49-F238E27FC236}">
+                <a16:creationId xmlns:a16="http://schemas.microsoft.com/office/drawing/2014/main" id="{69FE7BFA-252D-4365-B430-C6B6D7380042}"/>
+              </a:ext>
+            </a:extLst>
+          </p:cNvPr>
+          <p:cNvGraphicFramePr>
+            <a:graphicFrameLocks noGrp="1"/>
+          </p:cNvGraphicFramePr>
+          <p:nvPr>
+            <p:extLst>
+              <p:ext uri="{D42A27DB-BD31-4B8C-83A1-F6EECF244321}">
+                <p14:modId xmlns:p14="http://schemas.microsoft.com/office/powerpoint/2010/main" val="3353336067"/>
+              </p:ext>
+            </p:extLst>
+          </p:nvPr>
+        </p:nvGraphicFramePr>
+        <p:xfrm>
+          <a:off x="1405519" y="3698139"/>
+          <a:ext cx="2857500" cy="1171575"/>
+        </p:xfrm>
+        <a:graphic>
+          <a:graphicData uri="http://schemas.openxmlformats.org/drawingml/2006/table">
+            <a:tbl>
+              <a:tblPr firstRow="1" bandRow="1">
+                <a:tableStyleId>{5C22544A-7EE6-4342-B048-85BDC9FD1C3A}</a:tableStyleId>
+              </a:tblPr>
+              <a:tblGrid>
+                <a:gridCol w="1428750">
+                  <a:extLst>
+                    <a:ext uri="{9D8B030D-6E8A-4147-A177-3AD203B41FA5}">
+                      <a16:colId xmlns:a16="http://schemas.microsoft.com/office/drawing/2014/main" val="3594424157"/>
+                    </a:ext>
+                  </a:extLst>
+                </a:gridCol>
+                <a:gridCol w="1428750">
+                  <a:extLst>
+                    <a:ext uri="{9D8B030D-6E8A-4147-A177-3AD203B41FA5}">
+                      <a16:colId xmlns:a16="http://schemas.microsoft.com/office/drawing/2014/main" val="1884889706"/>
+                    </a:ext>
+                  </a:extLst>
+                </a:gridCol>
+              </a:tblGrid>
+              <a:tr h="390525">
+                <a:tc>
+                  <a:txBody>
+                    <a:bodyPr/>
+                    <a:lstStyle/>
+                    <a:p>
+                      <a:pPr algn="l" fontAlgn="base"/>
+                      <a:r>
+                        <a:rPr lang="en-US" sz="1800">
+                          <a:effectLst/>
+                        </a:rPr>
+                        <a:t>Dobre​​</a:t>
+                      </a:r>
+                      <a:endParaRPr lang="en-US" b="1" i="0">
+                        <a:solidFill>
+                          <a:srgbClr val="FFFFFF"/>
+                        </a:solidFill>
+                        <a:effectLst/>
+                      </a:endParaRPr>
+                    </a:p>
+                  </a:txBody>
+                  <a:tcPr/>
+                </a:tc>
+                <a:tc>
+                  <a:txBody>
+                    <a:bodyPr/>
+                    <a:lstStyle/>
+                    <a:p>
+                      <a:pPr algn="l" fontAlgn="base"/>
+                      <a:r>
+                        <a:rPr lang="en-US" sz="1800">
+                          <a:effectLst/>
+                        </a:rPr>
+                        <a:t>Zle​​</a:t>
+                      </a:r>
+                      <a:endParaRPr lang="en-US" b="1" i="0">
+                        <a:solidFill>
+                          <a:srgbClr val="FFFFFF"/>
+                        </a:solidFill>
+                        <a:effectLst/>
+                      </a:endParaRPr>
+                    </a:p>
+                  </a:txBody>
+                  <a:tcPr/>
+                </a:tc>
+                <a:extLst>
+                  <a:ext uri="{0D108BD9-81ED-4DB2-BD59-A6C34878D82A}">
+                    <a16:rowId xmlns:a16="http://schemas.microsoft.com/office/drawing/2014/main" val="2521898894"/>
+                  </a:ext>
+                </a:extLst>
+              </a:tr>
+              <a:tr h="390525">
+                <a:tc>
+                  <a:txBody>
+                    <a:bodyPr/>
+                    <a:lstStyle/>
+                    <a:p>
+                      <a:pPr algn="l" fontAlgn="base"/>
+                      <a:r>
+                        <a:rPr lang="en-US" sz="1800">
+                          <a:effectLst/>
+                        </a:rPr>
+                        <a:t>a = b c = d​​</a:t>
+                      </a:r>
+                      <a:endParaRPr lang="en-US" b="0" i="0">
+                        <a:solidFill>
+                          <a:srgbClr val="000000"/>
+                        </a:solidFill>
+                        <a:effectLst/>
+                      </a:endParaRPr>
+                    </a:p>
+                  </a:txBody>
+                  <a:tcPr/>
+                </a:tc>
+                <a:tc>
+                  <a:txBody>
+                    <a:bodyPr/>
+                    <a:lstStyle/>
+                    <a:p>
+                      <a:pPr algn="l" fontAlgn="base"/>
+                      <a:r>
+                        <a:rPr lang="en-US" sz="1800">
+                          <a:effectLst/>
+                        </a:rPr>
+                        <a:t>a = b c​​</a:t>
+                      </a:r>
+                      <a:endParaRPr lang="en-US" b="0" i="0">
+                        <a:solidFill>
+                          <a:srgbClr val="000000"/>
+                        </a:solidFill>
+                        <a:effectLst/>
+                      </a:endParaRPr>
+                    </a:p>
+                  </a:txBody>
+                  <a:tcPr/>
+                </a:tc>
+                <a:extLst>
+                  <a:ext uri="{0D108BD9-81ED-4DB2-BD59-A6C34878D82A}">
+                    <a16:rowId xmlns:a16="http://schemas.microsoft.com/office/drawing/2014/main" val="2129447907"/>
+                  </a:ext>
+                </a:extLst>
+              </a:tr>
+              <a:tr h="390525">
+                <a:tc>
+                  <a:txBody>
+                    <a:bodyPr/>
+                    <a:lstStyle/>
+                    <a:p>
+                      <a:pPr algn="l" fontAlgn="base"/>
+                      <a:r>
+                        <a:rPr lang="en-US" sz="1800">
+                          <a:effectLst/>
+                        </a:rPr>
+                        <a:t>​a = (b)​</a:t>
+                      </a:r>
+                      <a:endParaRPr lang="en-US" b="0" i="0">
+                        <a:solidFill>
+                          <a:srgbClr val="000000"/>
+                        </a:solidFill>
+                        <a:effectLst/>
+                      </a:endParaRPr>
+                    </a:p>
+                  </a:txBody>
+                  <a:tcPr/>
+                </a:tc>
+                <a:tc>
+                  <a:txBody>
+                    <a:bodyPr/>
+                    <a:lstStyle/>
+                    <a:p>
+                      <a:pPr algn="l" fontAlgn="base"/>
+                      <a:r>
+                        <a:rPr lang="en-US" sz="1800">
+                          <a:effectLst/>
+                        </a:rPr>
+                        <a:t>​a = (b) c​</a:t>
+                      </a:r>
+                      <a:endParaRPr lang="en-US" b="0" i="0">
+                        <a:solidFill>
+                          <a:srgbClr val="000000"/>
+                        </a:solidFill>
+                        <a:effectLst/>
+                      </a:endParaRPr>
+                    </a:p>
+                  </a:txBody>
+                  <a:tcPr/>
+                </a:tc>
+                <a:extLst>
+                  <a:ext uri="{0D108BD9-81ED-4DB2-BD59-A6C34878D82A}">
+                    <a16:rowId xmlns:a16="http://schemas.microsoft.com/office/drawing/2014/main" val="1508125667"/>
+                  </a:ext>
+                </a:extLst>
+              </a:tr>
+            </a:tbl>
+          </a:graphicData>
+        </a:graphic>
+      </p:graphicFrame>
     </p:spTree>
     <p:extLst>
       <p:ext uri="{BB962C8B-B14F-4D97-AF65-F5344CB8AC3E}">
@@ -5059,217 +5263,6 @@
           </a:p>
         </p:txBody>
       </p:sp>
-      <p:graphicFrame>
-        <p:nvGraphicFramePr>
-          <p:cNvPr id="11" name="Table 10">
-            <a:extLst>
-              <a:ext uri="{FF2B5EF4-FFF2-40B4-BE49-F238E27FC236}">
-                <a16:creationId xmlns:a16="http://schemas.microsoft.com/office/drawing/2014/main" id="{A93F6985-15AB-49D8-965D-1B8618322A00}"/>
-              </a:ext>
-            </a:extLst>
-          </p:cNvPr>
-          <p:cNvGraphicFramePr>
-            <a:graphicFrameLocks noGrp="1"/>
-          </p:cNvGraphicFramePr>
-          <p:nvPr>
-            <p:extLst>
-              <p:ext uri="{D42A27DB-BD31-4B8C-83A1-F6EECF244321}">
-                <p14:modId xmlns:p14="http://schemas.microsoft.com/office/powerpoint/2010/main" val="887865296"/>
-              </p:ext>
-            </p:extLst>
-          </p:nvPr>
-        </p:nvGraphicFramePr>
-        <p:xfrm>
-          <a:off x="1485845" y="2973656"/>
-          <a:ext cx="2871186" cy="1195950"/>
-        </p:xfrm>
-        <a:graphic>
-          <a:graphicData uri="http://schemas.openxmlformats.org/drawingml/2006/table">
-            <a:tbl>
-              <a:tblPr firstRow="1" bandRow="1">
-                <a:tableStyleId>{5C22544A-7EE6-4342-B048-85BDC9FD1C3A}</a:tableStyleId>
-              </a:tblPr>
-              <a:tblGrid>
-                <a:gridCol w="1435593">
-                  <a:extLst>
-                    <a:ext uri="{9D8B030D-6E8A-4147-A177-3AD203B41FA5}">
-                      <a16:colId xmlns:a16="http://schemas.microsoft.com/office/drawing/2014/main" val="4002697379"/>
-                    </a:ext>
-                  </a:extLst>
-                </a:gridCol>
-                <a:gridCol w="1435593">
-                  <a:extLst>
-                    <a:ext uri="{9D8B030D-6E8A-4147-A177-3AD203B41FA5}">
-                      <a16:colId xmlns:a16="http://schemas.microsoft.com/office/drawing/2014/main" val="143578642"/>
-                    </a:ext>
-                  </a:extLst>
-                </a:gridCol>
-              </a:tblGrid>
-              <a:tr h="398650">
-                <a:tc>
-                  <a:txBody>
-                    <a:bodyPr/>
-                    <a:lstStyle/>
-                    <a:p>
-                      <a:pPr algn="l" rtl="0" fontAlgn="base"/>
-                      <a:r>
-                        <a:rPr lang="en-US" dirty="0">
-                          <a:effectLst/>
-                        </a:rPr>
-                        <a:t>Dobre​</a:t>
-                      </a:r>
-                      <a:endParaRPr lang="en-US" b="1" i="0" dirty="0">
-                        <a:solidFill>
-                          <a:srgbClr val="FFFFFF"/>
-                        </a:solidFill>
-                        <a:effectLst/>
-                      </a:endParaRPr>
-                    </a:p>
-                  </a:txBody>
-                  <a:tcPr/>
-                </a:tc>
-                <a:tc>
-                  <a:txBody>
-                    <a:bodyPr/>
-                    <a:lstStyle/>
-                    <a:p>
-                      <a:pPr algn="l" rtl="0" fontAlgn="base"/>
-                      <a:r>
-                        <a:rPr lang="en-US" dirty="0" err="1">
-                          <a:effectLst/>
-                        </a:rPr>
-                        <a:t>Zle</a:t>
-                      </a:r>
-                      <a:r>
-                        <a:rPr lang="en-US" dirty="0">
-                          <a:effectLst/>
-                        </a:rPr>
-                        <a:t>​</a:t>
-                      </a:r>
-                      <a:endParaRPr lang="en-US" b="1" i="0" dirty="0">
-                        <a:solidFill>
-                          <a:srgbClr val="FFFFFF"/>
-                        </a:solidFill>
-                        <a:effectLst/>
-                      </a:endParaRPr>
-                    </a:p>
-                  </a:txBody>
-                  <a:tcPr/>
-                </a:tc>
-                <a:extLst>
-                  <a:ext uri="{0D108BD9-81ED-4DB2-BD59-A6C34878D82A}">
-                    <a16:rowId xmlns:a16="http://schemas.microsoft.com/office/drawing/2014/main" val="257180847"/>
-                  </a:ext>
-                </a:extLst>
-              </a:tr>
-              <a:tr h="398650">
-                <a:tc>
-                  <a:txBody>
-                    <a:bodyPr/>
-                    <a:lstStyle/>
-                    <a:p>
-                      <a:pPr algn="l" rtl="0" fontAlgn="base"/>
-                      <a:r>
-                        <a:rPr lang="en-US" dirty="0">
-                          <a:effectLst/>
-                        </a:rPr>
-                        <a:t>a = b c = d​</a:t>
-                      </a:r>
-                      <a:endParaRPr lang="en-US" b="0" i="0" dirty="0">
-                        <a:solidFill>
-                          <a:srgbClr val="000000"/>
-                        </a:solidFill>
-                        <a:effectLst/>
-                      </a:endParaRPr>
-                    </a:p>
-                  </a:txBody>
-                  <a:tcPr/>
-                </a:tc>
-                <a:tc>
-                  <a:txBody>
-                    <a:bodyPr/>
-                    <a:lstStyle/>
-                    <a:p>
-                      <a:pPr algn="l" rtl="0" fontAlgn="base"/>
-                      <a:r>
-                        <a:rPr lang="en-US" dirty="0">
-                          <a:effectLst/>
-                        </a:rPr>
-                        <a:t>a = b c​</a:t>
-                      </a:r>
-                      <a:endParaRPr lang="en-US" b="0" i="0" dirty="0">
-                        <a:solidFill>
-                          <a:srgbClr val="000000"/>
-                        </a:solidFill>
-                        <a:effectLst/>
-                      </a:endParaRPr>
-                    </a:p>
-                  </a:txBody>
-                  <a:tcPr/>
-                </a:tc>
-                <a:extLst>
-                  <a:ext uri="{0D108BD9-81ED-4DB2-BD59-A6C34878D82A}">
-                    <a16:rowId xmlns:a16="http://schemas.microsoft.com/office/drawing/2014/main" val="2199759985"/>
-                  </a:ext>
-                </a:extLst>
-              </a:tr>
-              <a:tr h="398650">
-                <a:tc>
-                  <a:txBody>
-                    <a:bodyPr/>
-                    <a:lstStyle/>
-                    <a:p>
-                      <a:pPr algn="l" rtl="0" fontAlgn="auto"/>
-                      <a:r>
-                        <a:rPr lang="en-US" dirty="0">
-                          <a:effectLst/>
-                        </a:rPr>
-                        <a:t>​a = (b)</a:t>
-                      </a:r>
-                      <a:endParaRPr lang="en-US" b="0" i="0" dirty="0">
-                        <a:solidFill>
-                          <a:srgbClr val="000000"/>
-                        </a:solidFill>
-                        <a:effectLst/>
-                        <a:latin typeface="Calibri" panose="020F0502020204030204" pitchFamily="34" charset="0"/>
-                      </a:endParaRPr>
-                    </a:p>
-                  </a:txBody>
-                  <a:tcPr/>
-                </a:tc>
-                <a:tc>
-                  <a:txBody>
-                    <a:bodyPr/>
-                    <a:lstStyle/>
-                    <a:p>
-                      <a:pPr algn="l" rtl="0" fontAlgn="auto"/>
-                      <a:r>
-                        <a:rPr lang="en-US" dirty="0">
-                          <a:effectLst/>
-                        </a:rPr>
-                        <a:t>​a = (b) c</a:t>
-                      </a:r>
-                      <a:endParaRPr lang="en-US" b="0" i="0" dirty="0">
-                        <a:solidFill>
-                          <a:srgbClr val="000000"/>
-                        </a:solidFill>
-                        <a:effectLst/>
-                        <a:latin typeface="Calibri" panose="020F0502020204030204" pitchFamily="34" charset="0"/>
-                      </a:endParaRPr>
-                    </a:p>
-                  </a:txBody>
-                  <a:tcPr/>
-                </a:tc>
-                <a:extLst>
-                  <a:ext uri="{0D108BD9-81ED-4DB2-BD59-A6C34878D82A}">
-                    <a16:rowId xmlns:a16="http://schemas.microsoft.com/office/drawing/2014/main" val="2514923729"/>
-                  </a:ext>
-                </a:extLst>
-              </a:tr>
-            </a:tbl>
-          </a:graphicData>
-        </a:graphic>
-      </p:graphicFrame>
     </p:spTree>
     <p:extLst>
       <p:ext uri="{BB962C8B-B14F-4D97-AF65-F5344CB8AC3E}">
@@ -5682,8 +5675,8 @@
         </p:blipFill>
         <p:spPr>
           <a:xfrm>
-            <a:off x="948620" y="577385"/>
-            <a:ext cx="9971835" cy="5698777"/>
+            <a:off x="950299" y="577385"/>
+            <a:ext cx="9968476" cy="5698777"/>
           </a:xfrm>
         </p:spPr>
       </p:pic>
